--- a/Opleverset_Project_5-6/Manage_&_Control/Project 5-6 Sprint 0.pptx
+++ b/Opleverset_Project_5-6/Manage_&_Control/Project 5-6 Sprint 0.pptx
@@ -2,24 +2,25 @@
 <file path=ppt/presentation.xml><?xml version="1.0" encoding="utf-8"?>
 <p:presentation xmlns:a="http://schemas.openxmlformats.org/drawingml/2006/main" xmlns:r="http://schemas.openxmlformats.org/officeDocument/2006/relationships" xmlns:p="http://schemas.openxmlformats.org/presentationml/2006/main" saveSubsetFonts="1">
   <p:sldMasterIdLst>
-    <p:sldMasterId id="2147483648" r:id="rId1"/>
+    <p:sldMasterId id="2147483660" r:id="rId1"/>
   </p:sldMasterIdLst>
   <p:sldIdLst>
     <p:sldId id="256" r:id="rId2"/>
-    <p:sldId id="257" r:id="rId3"/>
+    <p:sldId id="263" r:id="rId3"/>
     <p:sldId id="258" r:id="rId4"/>
-    <p:sldId id="259" r:id="rId5"/>
-    <p:sldId id="260" r:id="rId6"/>
-    <p:sldId id="261" r:id="rId7"/>
-    <p:sldId id="262" r:id="rId8"/>
+    <p:sldId id="257" r:id="rId5"/>
+    <p:sldId id="259" r:id="rId6"/>
+    <p:sldId id="260" r:id="rId7"/>
+    <p:sldId id="261" r:id="rId8"/>
+    <p:sldId id="264" r:id="rId9"/>
   </p:sldIdLst>
   <p:sldSz cx="12192000" cy="6858000"/>
   <p:notesSz cx="6858000" cy="9144000"/>
   <p:defaultTextStyle>
     <a:defPPr>
-      <a:defRPr lang="nl-NL"/>
+      <a:defRPr lang="en-US"/>
     </a:defPPr>
-    <a:lvl1pPr marL="0" algn="l" defTabSz="914400" rtl="0" eaLnBrk="1" latinLnBrk="0" hangingPunct="1">
+    <a:lvl1pPr marL="0" algn="l" defTabSz="457200" rtl="0" eaLnBrk="1" latinLnBrk="0" hangingPunct="1">
       <a:defRPr sz="1800" kern="1200">
         <a:solidFill>
           <a:schemeClr val="tx1"/>
@@ -29,7 +30,7 @@
         <a:cs typeface="+mn-cs"/>
       </a:defRPr>
     </a:lvl1pPr>
-    <a:lvl2pPr marL="457200" algn="l" defTabSz="914400" rtl="0" eaLnBrk="1" latinLnBrk="0" hangingPunct="1">
+    <a:lvl2pPr marL="457200" algn="l" defTabSz="457200" rtl="0" eaLnBrk="1" latinLnBrk="0" hangingPunct="1">
       <a:defRPr sz="1800" kern="1200">
         <a:solidFill>
           <a:schemeClr val="tx1"/>
@@ -39,7 +40,7 @@
         <a:cs typeface="+mn-cs"/>
       </a:defRPr>
     </a:lvl2pPr>
-    <a:lvl3pPr marL="914400" algn="l" defTabSz="914400" rtl="0" eaLnBrk="1" latinLnBrk="0" hangingPunct="1">
+    <a:lvl3pPr marL="914400" algn="l" defTabSz="457200" rtl="0" eaLnBrk="1" latinLnBrk="0" hangingPunct="1">
       <a:defRPr sz="1800" kern="1200">
         <a:solidFill>
           <a:schemeClr val="tx1"/>
@@ -49,7 +50,7 @@
         <a:cs typeface="+mn-cs"/>
       </a:defRPr>
     </a:lvl3pPr>
-    <a:lvl4pPr marL="1371600" algn="l" defTabSz="914400" rtl="0" eaLnBrk="1" latinLnBrk="0" hangingPunct="1">
+    <a:lvl4pPr marL="1371600" algn="l" defTabSz="457200" rtl="0" eaLnBrk="1" latinLnBrk="0" hangingPunct="1">
       <a:defRPr sz="1800" kern="1200">
         <a:solidFill>
           <a:schemeClr val="tx1"/>
@@ -59,7 +60,7 @@
         <a:cs typeface="+mn-cs"/>
       </a:defRPr>
     </a:lvl4pPr>
-    <a:lvl5pPr marL="1828800" algn="l" defTabSz="914400" rtl="0" eaLnBrk="1" latinLnBrk="0" hangingPunct="1">
+    <a:lvl5pPr marL="1828800" algn="l" defTabSz="457200" rtl="0" eaLnBrk="1" latinLnBrk="0" hangingPunct="1">
       <a:defRPr sz="1800" kern="1200">
         <a:solidFill>
           <a:schemeClr val="tx1"/>
@@ -69,7 +70,7 @@
         <a:cs typeface="+mn-cs"/>
       </a:defRPr>
     </a:lvl5pPr>
-    <a:lvl6pPr marL="2286000" algn="l" defTabSz="914400" rtl="0" eaLnBrk="1" latinLnBrk="0" hangingPunct="1">
+    <a:lvl6pPr marL="2286000" algn="l" defTabSz="457200" rtl="0" eaLnBrk="1" latinLnBrk="0" hangingPunct="1">
       <a:defRPr sz="1800" kern="1200">
         <a:solidFill>
           <a:schemeClr val="tx1"/>
@@ -79,7 +80,7 @@
         <a:cs typeface="+mn-cs"/>
       </a:defRPr>
     </a:lvl6pPr>
-    <a:lvl7pPr marL="2743200" algn="l" defTabSz="914400" rtl="0" eaLnBrk="1" latinLnBrk="0" hangingPunct="1">
+    <a:lvl7pPr marL="2743200" algn="l" defTabSz="457200" rtl="0" eaLnBrk="1" latinLnBrk="0" hangingPunct="1">
       <a:defRPr sz="1800" kern="1200">
         <a:solidFill>
           <a:schemeClr val="tx1"/>
@@ -89,7 +90,7 @@
         <a:cs typeface="+mn-cs"/>
       </a:defRPr>
     </a:lvl7pPr>
-    <a:lvl8pPr marL="3200400" algn="l" defTabSz="914400" rtl="0" eaLnBrk="1" latinLnBrk="0" hangingPunct="1">
+    <a:lvl8pPr marL="3200400" algn="l" defTabSz="457200" rtl="0" eaLnBrk="1" latinLnBrk="0" hangingPunct="1">
       <a:defRPr sz="1800" kern="1200">
         <a:solidFill>
           <a:schemeClr val="tx1"/>
@@ -99,7 +100,7 @@
         <a:cs typeface="+mn-cs"/>
       </a:defRPr>
     </a:lvl8pPr>
-    <a:lvl9pPr marL="3657600" algn="l" defTabSz="914400" rtl="0" eaLnBrk="1" latinLnBrk="0" hangingPunct="1">
+    <a:lvl9pPr marL="3657600" algn="l" defTabSz="457200" rtl="0" eaLnBrk="1" latinLnBrk="0" hangingPunct="1">
       <a:defRPr sz="1800" kern="1200">
         <a:solidFill>
           <a:schemeClr val="tx1"/>
@@ -110,7 +111,265 @@
       </a:defRPr>
     </a:lvl9pPr>
   </p:defaultTextStyle>
+  <p:extLst>
+    <p:ext uri="{EFAFB233-063F-42B5-8137-9DF3F51BA10A}">
+      <p15:sldGuideLst xmlns:p15="http://schemas.microsoft.com/office/powerpoint/2012/main"/>
+    </p:ext>
+  </p:extLst>
 </p:presentation>
+</file>
+
+<file path=ppt/revisionInfo.xml><?xml version="1.0" encoding="utf-8"?>
+<p1510:revInfo xmlns:a="http://schemas.openxmlformats.org/drawingml/2006/main" xmlns:r="http://schemas.openxmlformats.org/officeDocument/2006/relationships" xmlns:p1510="http://schemas.microsoft.com/office/powerpoint/2015/10/main">
+  <p1510:revLst>
+    <p1510:client id="{4461DAC5-A6A6-4C5D-AE61-0F63F293477F}" v="23" dt="2025-09-16T11:45:25.950"/>
+  </p1510:revLst>
+</p1510:revInfo>
+</file>
+
+<file path=ppt/changesInfos/changesInfo1.xml><?xml version="1.0" encoding="utf-8"?>
+<pc:chgInfo xmlns:a="http://schemas.openxmlformats.org/drawingml/2006/main" xmlns:r="http://schemas.openxmlformats.org/officeDocument/2006/relationships" xmlns:ac="http://schemas.microsoft.com/office/drawing/2013/main/command" xmlns:pc="http://schemas.microsoft.com/office/powerpoint/2013/main/command">
+  <pc:docChgLst>
+    <pc:chgData name="Tom Heijmans" userId="518c28196cba6f70" providerId="LiveId" clId="{4461DAC5-A6A6-4C5D-AE61-0F63F293477F}"/>
+    <pc:docChg chg="undo custSel addSld delSld modSld sldOrd">
+      <pc:chgData name="Tom Heijmans" userId="518c28196cba6f70" providerId="LiveId" clId="{4461DAC5-A6A6-4C5D-AE61-0F63F293477F}" dt="2025-09-16T11:54:12.596" v="1434" actId="20577"/>
+      <pc:docMkLst>
+        <pc:docMk/>
+      </pc:docMkLst>
+      <pc:sldChg chg="modSp mod">
+        <pc:chgData name="Tom Heijmans" userId="518c28196cba6f70" providerId="LiveId" clId="{4461DAC5-A6A6-4C5D-AE61-0F63F293477F}" dt="2025-09-16T11:45:26.030" v="1141" actId="27636"/>
+        <pc:sldMkLst>
+          <pc:docMk/>
+          <pc:sldMk cId="2224059923" sldId="256"/>
+        </pc:sldMkLst>
+        <pc:spChg chg="mod">
+          <ac:chgData name="Tom Heijmans" userId="518c28196cba6f70" providerId="LiveId" clId="{4461DAC5-A6A6-4C5D-AE61-0F63F293477F}" dt="2025-09-16T11:45:26.030" v="1141" actId="27636"/>
+          <ac:spMkLst>
+            <pc:docMk/>
+            <pc:sldMk cId="2224059923" sldId="256"/>
+            <ac:spMk id="2" creationId="{3E58A695-1895-7AFD-B681-2ED173FB4262}"/>
+          </ac:spMkLst>
+        </pc:spChg>
+        <pc:spChg chg="mod">
+          <ac:chgData name="Tom Heijmans" userId="518c28196cba6f70" providerId="LiveId" clId="{4461DAC5-A6A6-4C5D-AE61-0F63F293477F}" dt="2025-09-16T11:34:35.114" v="735" actId="20577"/>
+          <ac:spMkLst>
+            <pc:docMk/>
+            <pc:sldMk cId="2224059923" sldId="256"/>
+            <ac:spMk id="3" creationId="{161E9918-2E03-B2BE-5477-99E2A70C1FC2}"/>
+          </ac:spMkLst>
+        </pc:spChg>
+      </pc:sldChg>
+      <pc:sldChg chg="addSp modSp mod modShow">
+        <pc:chgData name="Tom Heijmans" userId="518c28196cba6f70" providerId="LiveId" clId="{4461DAC5-A6A6-4C5D-AE61-0F63F293477F}" dt="2025-09-16T11:54:12.596" v="1434" actId="20577"/>
+        <pc:sldMkLst>
+          <pc:docMk/>
+          <pc:sldMk cId="1666414832" sldId="257"/>
+        </pc:sldMkLst>
+        <pc:spChg chg="mod">
+          <ac:chgData name="Tom Heijmans" userId="518c28196cba6f70" providerId="LiveId" clId="{4461DAC5-A6A6-4C5D-AE61-0F63F293477F}" dt="2025-09-16T11:14:06.584" v="7" actId="1076"/>
+          <ac:spMkLst>
+            <pc:docMk/>
+            <pc:sldMk cId="1666414832" sldId="257"/>
+            <ac:spMk id="2" creationId="{D1587FB2-F98E-D0CF-81A7-7EEB3623BA9F}"/>
+          </ac:spMkLst>
+        </pc:spChg>
+        <pc:spChg chg="mod">
+          <ac:chgData name="Tom Heijmans" userId="518c28196cba6f70" providerId="LiveId" clId="{4461DAC5-A6A6-4C5D-AE61-0F63F293477F}" dt="2025-09-16T11:54:12.596" v="1434" actId="20577"/>
+          <ac:spMkLst>
+            <pc:docMk/>
+            <pc:sldMk cId="1666414832" sldId="257"/>
+            <ac:spMk id="3" creationId="{37808E34-2ADB-B149-5692-D9D135928DAD}"/>
+          </ac:spMkLst>
+        </pc:spChg>
+        <pc:spChg chg="add mod">
+          <ac:chgData name="Tom Heijmans" userId="518c28196cba6f70" providerId="LiveId" clId="{4461DAC5-A6A6-4C5D-AE61-0F63F293477F}" dt="2025-09-16T11:14:56.122" v="51" actId="1076"/>
+          <ac:spMkLst>
+            <pc:docMk/>
+            <pc:sldMk cId="1666414832" sldId="257"/>
+            <ac:spMk id="4" creationId="{533F5F0A-AAE6-932E-3E48-502427D6FE5A}"/>
+          </ac:spMkLst>
+        </pc:spChg>
+        <pc:spChg chg="add mod">
+          <ac:chgData name="Tom Heijmans" userId="518c28196cba6f70" providerId="LiveId" clId="{4461DAC5-A6A6-4C5D-AE61-0F63F293477F}" dt="2025-09-16T11:18:13.242" v="334" actId="20577"/>
+          <ac:spMkLst>
+            <pc:docMk/>
+            <pc:sldMk cId="1666414832" sldId="257"/>
+            <ac:spMk id="5" creationId="{5E70E7EE-FE2A-F888-5156-B048DE0EFF06}"/>
+          </ac:spMkLst>
+        </pc:spChg>
+      </pc:sldChg>
+      <pc:sldChg chg="addSp delSp modSp mod ord modShow">
+        <pc:chgData name="Tom Heijmans" userId="518c28196cba6f70" providerId="LiveId" clId="{4461DAC5-A6A6-4C5D-AE61-0F63F293477F}" dt="2025-09-16T11:45:25.950" v="1140"/>
+        <pc:sldMkLst>
+          <pc:docMk/>
+          <pc:sldMk cId="1910340554" sldId="258"/>
+        </pc:sldMkLst>
+        <pc:spChg chg="mod">
+          <ac:chgData name="Tom Heijmans" userId="518c28196cba6f70" providerId="LiveId" clId="{4461DAC5-A6A6-4C5D-AE61-0F63F293477F}" dt="2025-09-16T11:45:25.950" v="1140"/>
+          <ac:spMkLst>
+            <pc:docMk/>
+            <pc:sldMk cId="1910340554" sldId="258"/>
+            <ac:spMk id="2" creationId="{8377E882-A031-E212-B58D-66E1F6B6CD5D}"/>
+          </ac:spMkLst>
+        </pc:spChg>
+        <pc:spChg chg="mod">
+          <ac:chgData name="Tom Heijmans" userId="518c28196cba6f70" providerId="LiveId" clId="{4461DAC5-A6A6-4C5D-AE61-0F63F293477F}" dt="2025-09-16T11:45:25.950" v="1140"/>
+          <ac:spMkLst>
+            <pc:docMk/>
+            <pc:sldMk cId="1910340554" sldId="258"/>
+            <ac:spMk id="3" creationId="{532EB0C4-4AE0-305F-1202-9C6785D91CF8}"/>
+          </ac:spMkLst>
+        </pc:spChg>
+        <pc:picChg chg="add del mod">
+          <ac:chgData name="Tom Heijmans" userId="518c28196cba6f70" providerId="LiveId" clId="{4461DAC5-A6A6-4C5D-AE61-0F63F293477F}" dt="2025-09-16T11:40:23.109" v="969" actId="478"/>
+          <ac:picMkLst>
+            <pc:docMk/>
+            <pc:sldMk cId="1910340554" sldId="258"/>
+            <ac:picMk id="1026" creationId="{03AC4385-C3B8-A2A7-856F-E9DD3AC5527E}"/>
+          </ac:picMkLst>
+        </pc:picChg>
+      </pc:sldChg>
+      <pc:sldChg chg="modSp mod modShow">
+        <pc:chgData name="Tom Heijmans" userId="518c28196cba6f70" providerId="LiveId" clId="{4461DAC5-A6A6-4C5D-AE61-0F63F293477F}" dt="2025-09-16T11:45:25.950" v="1140"/>
+        <pc:sldMkLst>
+          <pc:docMk/>
+          <pc:sldMk cId="1933856379" sldId="259"/>
+        </pc:sldMkLst>
+        <pc:spChg chg="mod">
+          <ac:chgData name="Tom Heijmans" userId="518c28196cba6f70" providerId="LiveId" clId="{4461DAC5-A6A6-4C5D-AE61-0F63F293477F}" dt="2025-09-16T11:45:25.950" v="1140"/>
+          <ac:spMkLst>
+            <pc:docMk/>
+            <pc:sldMk cId="1933856379" sldId="259"/>
+            <ac:spMk id="2" creationId="{26FC77BE-E369-41B1-5007-900856E62234}"/>
+          </ac:spMkLst>
+        </pc:spChg>
+        <pc:spChg chg="mod">
+          <ac:chgData name="Tom Heijmans" userId="518c28196cba6f70" providerId="LiveId" clId="{4461DAC5-A6A6-4C5D-AE61-0F63F293477F}" dt="2025-09-16T11:45:25.950" v="1140"/>
+          <ac:spMkLst>
+            <pc:docMk/>
+            <pc:sldMk cId="1933856379" sldId="259"/>
+            <ac:spMk id="3" creationId="{94B116D4-0851-B247-B245-97C96EF63D97}"/>
+          </ac:spMkLst>
+        </pc:spChg>
+      </pc:sldChg>
+      <pc:sldChg chg="modSp mod modShow">
+        <pc:chgData name="Tom Heijmans" userId="518c28196cba6f70" providerId="LiveId" clId="{4461DAC5-A6A6-4C5D-AE61-0F63F293477F}" dt="2025-09-16T11:51:43.130" v="1404" actId="20577"/>
+        <pc:sldMkLst>
+          <pc:docMk/>
+          <pc:sldMk cId="310988572" sldId="260"/>
+        </pc:sldMkLst>
+        <pc:spChg chg="mod">
+          <ac:chgData name="Tom Heijmans" userId="518c28196cba6f70" providerId="LiveId" clId="{4461DAC5-A6A6-4C5D-AE61-0F63F293477F}" dt="2025-09-16T11:45:25.950" v="1140"/>
+          <ac:spMkLst>
+            <pc:docMk/>
+            <pc:sldMk cId="310988572" sldId="260"/>
+            <ac:spMk id="2" creationId="{976695B0-7F38-8B2D-75E5-389C14DE06F8}"/>
+          </ac:spMkLst>
+        </pc:spChg>
+        <pc:spChg chg="mod">
+          <ac:chgData name="Tom Heijmans" userId="518c28196cba6f70" providerId="LiveId" clId="{4461DAC5-A6A6-4C5D-AE61-0F63F293477F}" dt="2025-09-16T11:51:43.130" v="1404" actId="20577"/>
+          <ac:spMkLst>
+            <pc:docMk/>
+            <pc:sldMk cId="310988572" sldId="260"/>
+            <ac:spMk id="3" creationId="{D073DE3F-4C73-C8AF-C3D4-4A92ABCAA7B5}"/>
+          </ac:spMkLst>
+        </pc:spChg>
+      </pc:sldChg>
+      <pc:sldChg chg="modSp mod modShow">
+        <pc:chgData name="Tom Heijmans" userId="518c28196cba6f70" providerId="LiveId" clId="{4461DAC5-A6A6-4C5D-AE61-0F63F293477F}" dt="2025-09-16T11:45:25.950" v="1140"/>
+        <pc:sldMkLst>
+          <pc:docMk/>
+          <pc:sldMk cId="2709592542" sldId="261"/>
+        </pc:sldMkLst>
+        <pc:spChg chg="mod">
+          <ac:chgData name="Tom Heijmans" userId="518c28196cba6f70" providerId="LiveId" clId="{4461DAC5-A6A6-4C5D-AE61-0F63F293477F}" dt="2025-09-16T11:45:25.950" v="1140"/>
+          <ac:spMkLst>
+            <pc:docMk/>
+            <pc:sldMk cId="2709592542" sldId="261"/>
+            <ac:spMk id="2" creationId="{2D8D8724-C9E8-E33D-1B74-F3F71B7CA12E}"/>
+          </ac:spMkLst>
+        </pc:spChg>
+        <pc:spChg chg="mod">
+          <ac:chgData name="Tom Heijmans" userId="518c28196cba6f70" providerId="LiveId" clId="{4461DAC5-A6A6-4C5D-AE61-0F63F293477F}" dt="2025-09-16T11:45:25.950" v="1140"/>
+          <ac:spMkLst>
+            <pc:docMk/>
+            <pc:sldMk cId="2709592542" sldId="261"/>
+            <ac:spMk id="3" creationId="{C2518E9C-271C-C97E-4028-092A19DF6022}"/>
+          </ac:spMkLst>
+        </pc:spChg>
+      </pc:sldChg>
+      <pc:sldChg chg="addSp delSp modSp del mod">
+        <pc:chgData name="Tom Heijmans" userId="518c28196cba6f70" providerId="LiveId" clId="{4461DAC5-A6A6-4C5D-AE61-0F63F293477F}" dt="2025-09-16T11:40:05.540" v="968" actId="2696"/>
+        <pc:sldMkLst>
+          <pc:docMk/>
+          <pc:sldMk cId="2599927390" sldId="262"/>
+        </pc:sldMkLst>
+        <pc:spChg chg="mod">
+          <ac:chgData name="Tom Heijmans" userId="518c28196cba6f70" providerId="LiveId" clId="{4461DAC5-A6A6-4C5D-AE61-0F63F293477F}" dt="2025-09-16T11:38:48.129" v="887"/>
+          <ac:spMkLst>
+            <pc:docMk/>
+            <pc:sldMk cId="2599927390" sldId="262"/>
+            <ac:spMk id="3" creationId="{B1C06781-4420-C02D-CF8B-7BDD20D3C0BD}"/>
+          </ac:spMkLst>
+        </pc:spChg>
+        <pc:picChg chg="add del mod">
+          <ac:chgData name="Tom Heijmans" userId="518c28196cba6f70" providerId="LiveId" clId="{4461DAC5-A6A6-4C5D-AE61-0F63F293477F}" dt="2025-09-16T11:38:05.803" v="853" actId="478"/>
+          <ac:picMkLst>
+            <pc:docMk/>
+            <pc:sldMk cId="2599927390" sldId="262"/>
+            <ac:picMk id="5" creationId="{5AB0083A-02E7-BE5A-8ED0-2DA67E211264}"/>
+          </ac:picMkLst>
+        </pc:picChg>
+      </pc:sldChg>
+      <pc:sldChg chg="modSp new mod">
+        <pc:chgData name="Tom Heijmans" userId="518c28196cba6f70" providerId="LiveId" clId="{4461DAC5-A6A6-4C5D-AE61-0F63F293477F}" dt="2025-09-16T11:45:25.950" v="1140"/>
+        <pc:sldMkLst>
+          <pc:docMk/>
+          <pc:sldMk cId="2087852509" sldId="263"/>
+        </pc:sldMkLst>
+        <pc:spChg chg="mod">
+          <ac:chgData name="Tom Heijmans" userId="518c28196cba6f70" providerId="LiveId" clId="{4461DAC5-A6A6-4C5D-AE61-0F63F293477F}" dt="2025-09-16T11:45:25.950" v="1140"/>
+          <ac:spMkLst>
+            <pc:docMk/>
+            <pc:sldMk cId="2087852509" sldId="263"/>
+            <ac:spMk id="2" creationId="{B3422F47-8E8E-FA07-BFE8-B6C6C6C5EEA5}"/>
+          </ac:spMkLst>
+        </pc:spChg>
+        <pc:spChg chg="mod">
+          <ac:chgData name="Tom Heijmans" userId="518c28196cba6f70" providerId="LiveId" clId="{4461DAC5-A6A6-4C5D-AE61-0F63F293477F}" dt="2025-09-16T11:45:25.950" v="1140"/>
+          <ac:spMkLst>
+            <pc:docMk/>
+            <pc:sldMk cId="2087852509" sldId="263"/>
+            <ac:spMk id="3" creationId="{BBEA6DFD-BDE8-FCC2-E454-352B1A3371BE}"/>
+          </ac:spMkLst>
+        </pc:spChg>
+      </pc:sldChg>
+      <pc:sldChg chg="modSp new mod">
+        <pc:chgData name="Tom Heijmans" userId="518c28196cba6f70" providerId="LiveId" clId="{4461DAC5-A6A6-4C5D-AE61-0F63F293477F}" dt="2025-09-16T11:45:25.950" v="1140"/>
+        <pc:sldMkLst>
+          <pc:docMk/>
+          <pc:sldMk cId="3818880314" sldId="264"/>
+        </pc:sldMkLst>
+        <pc:spChg chg="mod">
+          <ac:chgData name="Tom Heijmans" userId="518c28196cba6f70" providerId="LiveId" clId="{4461DAC5-A6A6-4C5D-AE61-0F63F293477F}" dt="2025-09-16T11:45:25.950" v="1140"/>
+          <ac:spMkLst>
+            <pc:docMk/>
+            <pc:sldMk cId="3818880314" sldId="264"/>
+            <ac:spMk id="2" creationId="{F00EEEC8-74D4-A7B3-136A-FCC10CE8A650}"/>
+          </ac:spMkLst>
+        </pc:spChg>
+        <pc:spChg chg="mod">
+          <ac:chgData name="Tom Heijmans" userId="518c28196cba6f70" providerId="LiveId" clId="{4461DAC5-A6A6-4C5D-AE61-0F63F293477F}" dt="2025-09-16T11:45:25.950" v="1140"/>
+          <ac:spMkLst>
+            <pc:docMk/>
+            <pc:sldMk cId="3818880314" sldId="264"/>
+            <ac:spMk id="3" creationId="{9B78834E-5B12-0FE5-0D7F-9A36CFF26F26}"/>
+          </ac:spMkLst>
+        </pc:spChg>
+      </pc:sldChg>
+    </pc:docChg>
+  </pc:docChgLst>
+</pc:chgInfo>
 </file>
 
 <file path=ppt/slideLayouts/slideLayout1.xml><?xml version="1.0" encoding="utf-8"?>
@@ -130,15 +389,39 @@
           <a:chExt cx="0" cy="0"/>
         </a:xfrm>
       </p:grpSpPr>
-      <p:sp>
-        <p:nvSpPr>
-          <p:cNvPr id="2" name="Titel 1">
+      <p:pic>
+        <p:nvPicPr>
+          <p:cNvPr id="7" name="Picture 6" descr="C0-HD-BTM.png"/>
+          <p:cNvPicPr>
+            <a:picLocks noChangeAspect="1"/>
+          </p:cNvPicPr>
+          <p:nvPr/>
+        </p:nvPicPr>
+        <p:blipFill>
+          <a:blip r:embed="rId2">
             <a:extLst>
-              <a:ext uri="{FF2B5EF4-FFF2-40B4-BE49-F238E27FC236}">
-                <a16:creationId xmlns:a16="http://schemas.microsoft.com/office/drawing/2014/main" id="{4793AD26-FF58-BB3D-1DEB-F71189945987}"/>
+              <a:ext uri="{28A0092B-C50C-407E-A947-70E740481C1C}">
+                <a14:useLocalDpi xmlns:a14="http://schemas.microsoft.com/office/drawing/2010/main" val="0"/>
               </a:ext>
             </a:extLst>
-          </p:cNvPr>
+          </a:blip>
+          <a:stretch>
+            <a:fillRect/>
+          </a:stretch>
+        </p:blipFill>
+        <p:spPr>
+          <a:xfrm>
+            <a:off x="0" y="4375150"/>
+            <a:ext cx="12192000" cy="2482850"/>
+          </a:xfrm>
+          <a:prstGeom prst="rect">
+            <a:avLst/>
+          </a:prstGeom>
+        </p:spPr>
+      </p:pic>
+      <p:sp>
+        <p:nvSpPr>
+          <p:cNvPr id="2" name="Title 1"/>
           <p:cNvSpPr>
             <a:spLocks noGrp="1"/>
           </p:cNvSpPr>
@@ -148,14 +431,16 @@
         </p:nvSpPr>
         <p:spPr>
           <a:xfrm>
-            <a:off x="1524000" y="1122363"/>
-            <a:ext cx="9144000" cy="2387600"/>
-          </a:xfrm>
-        </p:spPr>
-        <p:txBody>
-          <a:bodyPr anchor="b"/>
+            <a:off x="1371600" y="1803405"/>
+            <a:ext cx="9448800" cy="1825096"/>
+          </a:xfrm>
+        </p:spPr>
+        <p:txBody>
+          <a:bodyPr anchor="b">
+            <a:normAutofit/>
+          </a:bodyPr>
           <a:lstStyle>
-            <a:lvl1pPr algn="ctr">
+            <a:lvl1pPr algn="l">
               <a:defRPr sz="6000"/>
             </a:lvl1pPr>
           </a:lstStyle>
@@ -164,18 +449,13 @@
               <a:rPr lang="nl-NL"/>
               <a:t>Klik om stijl te bewerken</a:t>
             </a:r>
-          </a:p>
-        </p:txBody>
-      </p:sp>
-      <p:sp>
-        <p:nvSpPr>
-          <p:cNvPr id="3" name="Ondertitel 2">
-            <a:extLst>
-              <a:ext uri="{FF2B5EF4-FFF2-40B4-BE49-F238E27FC236}">
-                <a16:creationId xmlns:a16="http://schemas.microsoft.com/office/drawing/2014/main" id="{52556829-C772-6945-2267-93712068CED6}"/>
-              </a:ext>
-            </a:extLst>
-          </p:cNvPr>
+            <a:endParaRPr lang="en-US" dirty="0"/>
+          </a:p>
+        </p:txBody>
+      </p:sp>
+      <p:sp>
+        <p:nvSpPr>
+          <p:cNvPr id="3" name="Subtitle 2"/>
           <p:cNvSpPr>
             <a:spLocks noGrp="1"/>
           </p:cNvSpPr>
@@ -185,16 +465,18 @@
         </p:nvSpPr>
         <p:spPr>
           <a:xfrm>
-            <a:off x="1524000" y="3602038"/>
-            <a:ext cx="9144000" cy="1655762"/>
-          </a:xfrm>
-        </p:spPr>
-        <p:txBody>
-          <a:bodyPr/>
+            <a:off x="1371600" y="3632201"/>
+            <a:ext cx="9448800" cy="685800"/>
+          </a:xfrm>
+        </p:spPr>
+        <p:txBody>
+          <a:bodyPr>
+            <a:normAutofit/>
+          </a:bodyPr>
           <a:lstStyle>
-            <a:lvl1pPr marL="0" indent="0" algn="ctr">
-              <a:buNone/>
-              <a:defRPr sz="2400"/>
+            <a:lvl1pPr marL="0" indent="0" algn="l">
+              <a:buNone/>
+              <a:defRPr sz="2000"/>
             </a:lvl1pPr>
             <a:lvl2pPr marL="457200" indent="0" algn="ctr">
               <a:buNone/>
@@ -234,18 +516,13 @@
               <a:rPr lang="nl-NL"/>
               <a:t>Klikken om de ondertitelstijl van het model te bewerken</a:t>
             </a:r>
-          </a:p>
-        </p:txBody>
-      </p:sp>
-      <p:sp>
-        <p:nvSpPr>
-          <p:cNvPr id="4" name="Tijdelijke aanduiding voor datum 3">
-            <a:extLst>
-              <a:ext uri="{FF2B5EF4-FFF2-40B4-BE49-F238E27FC236}">
-                <a16:creationId xmlns:a16="http://schemas.microsoft.com/office/drawing/2014/main" id="{35BD368B-392B-E02D-B432-DED9DAF2D071}"/>
-              </a:ext>
-            </a:extLst>
-          </p:cNvPr>
+            <a:endParaRPr lang="en-US" dirty="0"/>
+          </a:p>
+        </p:txBody>
+      </p:sp>
+      <p:sp>
+        <p:nvSpPr>
+          <p:cNvPr id="4" name="Date Placeholder 3"/>
           <p:cNvSpPr>
             <a:spLocks noGrp="1"/>
           </p:cNvSpPr>
@@ -253,7 +530,12 @@
             <p:ph type="dt" sz="half" idx="10"/>
           </p:nvPr>
         </p:nvSpPr>
-        <p:spPr/>
+        <p:spPr>
+          <a:xfrm>
+            <a:off x="7909561" y="4314328"/>
+            <a:ext cx="2910840" cy="374642"/>
+          </a:xfrm>
+        </p:spPr>
         <p:txBody>
           <a:bodyPr/>
           <a:lstStyle/>
@@ -268,13 +550,7 @@
       </p:sp>
       <p:sp>
         <p:nvSpPr>
-          <p:cNvPr id="5" name="Tijdelijke aanduiding voor voettekst 4">
-            <a:extLst>
-              <a:ext uri="{FF2B5EF4-FFF2-40B4-BE49-F238E27FC236}">
-                <a16:creationId xmlns:a16="http://schemas.microsoft.com/office/drawing/2014/main" id="{53CC51FA-2E50-75D3-B997-F22C934A64D2}"/>
-              </a:ext>
-            </a:extLst>
-          </p:cNvPr>
+          <p:cNvPr id="5" name="Footer Placeholder 4"/>
           <p:cNvSpPr>
             <a:spLocks noGrp="1"/>
           </p:cNvSpPr>
@@ -282,7 +558,12 @@
             <p:ph type="ftr" sz="quarter" idx="11"/>
           </p:nvPr>
         </p:nvSpPr>
-        <p:spPr/>
+        <p:spPr>
+          <a:xfrm>
+            <a:off x="1371600" y="4323845"/>
+            <a:ext cx="6400800" cy="365125"/>
+          </a:xfrm>
+        </p:spPr>
         <p:txBody>
           <a:bodyPr/>
           <a:lstStyle/>
@@ -293,13 +574,7 @@
       </p:sp>
       <p:sp>
         <p:nvSpPr>
-          <p:cNvPr id="6" name="Tijdelijke aanduiding voor dianummer 5">
-            <a:extLst>
-              <a:ext uri="{FF2B5EF4-FFF2-40B4-BE49-F238E27FC236}">
-                <a16:creationId xmlns:a16="http://schemas.microsoft.com/office/drawing/2014/main" id="{4FE60375-F636-A8C0-4B3B-6A264A6FCA48}"/>
-              </a:ext>
-            </a:extLst>
-          </p:cNvPr>
+          <p:cNvPr id="6" name="Slide Number Placeholder 5"/>
           <p:cNvSpPr>
             <a:spLocks noGrp="1"/>
           </p:cNvSpPr>
@@ -307,7 +582,12 @@
             <p:ph type="sldNum" sz="quarter" idx="12"/>
           </p:nvPr>
         </p:nvSpPr>
-        <p:spPr/>
+        <p:spPr>
+          <a:xfrm>
+            <a:off x="8077200" y="1430866"/>
+            <a:ext cx="2743200" cy="365125"/>
+          </a:xfrm>
+        </p:spPr>
         <p:txBody>
           <a:bodyPr/>
           <a:lstStyle/>
@@ -323,7 +603,7 @@
     </p:spTree>
     <p:extLst>
       <p:ext uri="{BB962C8B-B14F-4D97-AF65-F5344CB8AC3E}">
-        <p14:creationId xmlns:p14="http://schemas.microsoft.com/office/powerpoint/2010/main" val="3014798985"/>
+        <p14:creationId xmlns:p14="http://schemas.microsoft.com/office/powerpoint/2010/main" val="3787125163"/>
       </p:ext>
     </p:extLst>
   </p:cSld>
@@ -334,6 +614,2598 @@
 </file>
 
 <file path=ppt/slideLayouts/slideLayout10.xml><?xml version="1.0" encoding="utf-8"?>
+<p:sldLayout xmlns:a="http://schemas.openxmlformats.org/drawingml/2006/main" xmlns:r="http://schemas.openxmlformats.org/officeDocument/2006/relationships" xmlns:p="http://schemas.openxmlformats.org/presentationml/2006/main" preserve="1">
+  <p:cSld name="Panoramische afbeelding met bijschrift">
+    <p:spTree>
+      <p:nvGrpSpPr>
+        <p:cNvPr id="1" name=""/>
+        <p:cNvGrpSpPr/>
+        <p:nvPr/>
+      </p:nvGrpSpPr>
+      <p:grpSpPr>
+        <a:xfrm>
+          <a:off x="0" y="0"/>
+          <a:ext cx="0" cy="0"/>
+          <a:chOff x="0" y="0"/>
+          <a:chExt cx="0" cy="0"/>
+        </a:xfrm>
+      </p:grpSpPr>
+      <p:sp>
+        <p:nvSpPr>
+          <p:cNvPr id="2" name="Title 1"/>
+          <p:cNvSpPr>
+            <a:spLocks noGrp="1"/>
+          </p:cNvSpPr>
+          <p:nvPr>
+            <p:ph type="title"/>
+          </p:nvPr>
+        </p:nvSpPr>
+        <p:spPr>
+          <a:xfrm>
+            <a:off x="685777" y="4697360"/>
+            <a:ext cx="10822034" cy="819355"/>
+          </a:xfrm>
+        </p:spPr>
+        <p:txBody>
+          <a:bodyPr anchor="b"/>
+          <a:lstStyle>
+            <a:lvl1pPr algn="l">
+              <a:defRPr sz="3200"/>
+            </a:lvl1pPr>
+          </a:lstStyle>
+          <a:p>
+            <a:r>
+              <a:rPr lang="nl-NL"/>
+              <a:t>Klik om stijl te bewerken</a:t>
+            </a:r>
+            <a:endParaRPr lang="en-US" dirty="0"/>
+          </a:p>
+        </p:txBody>
+      </p:sp>
+      <p:sp>
+        <p:nvSpPr>
+          <p:cNvPr id="3" name="Picture Placeholder 2"/>
+          <p:cNvSpPr>
+            <a:spLocks noGrp="1" noChangeAspect="1"/>
+          </p:cNvSpPr>
+          <p:nvPr>
+            <p:ph type="pic" idx="1"/>
+          </p:nvPr>
+        </p:nvSpPr>
+        <p:spPr>
+          <a:xfrm>
+            <a:off x="681727" y="941439"/>
+            <a:ext cx="10821840" cy="3478161"/>
+          </a:xfrm>
+        </p:spPr>
+        <p:txBody>
+          <a:bodyPr anchor="t"/>
+          <a:lstStyle>
+            <a:lvl1pPr marL="0" indent="0">
+              <a:buNone/>
+              <a:defRPr sz="3200"/>
+            </a:lvl1pPr>
+            <a:lvl2pPr marL="457200" indent="0">
+              <a:buNone/>
+              <a:defRPr sz="2800"/>
+            </a:lvl2pPr>
+            <a:lvl3pPr marL="914400" indent="0">
+              <a:buNone/>
+              <a:defRPr sz="2400"/>
+            </a:lvl3pPr>
+            <a:lvl4pPr marL="1371600" indent="0">
+              <a:buNone/>
+              <a:defRPr sz="2000"/>
+            </a:lvl4pPr>
+            <a:lvl5pPr marL="1828800" indent="0">
+              <a:buNone/>
+              <a:defRPr sz="2000"/>
+            </a:lvl5pPr>
+            <a:lvl6pPr marL="2286000" indent="0">
+              <a:buNone/>
+              <a:defRPr sz="2000"/>
+            </a:lvl6pPr>
+            <a:lvl7pPr marL="2743200" indent="0">
+              <a:buNone/>
+              <a:defRPr sz="2000"/>
+            </a:lvl7pPr>
+            <a:lvl8pPr marL="3200400" indent="0">
+              <a:buNone/>
+              <a:defRPr sz="2000"/>
+            </a:lvl8pPr>
+            <a:lvl9pPr marL="3657600" indent="0">
+              <a:buNone/>
+              <a:defRPr sz="2000"/>
+            </a:lvl9pPr>
+          </a:lstStyle>
+          <a:p>
+            <a:r>
+              <a:rPr lang="nl-NL"/>
+              <a:t>Klik op het pictogram als u een afbeelding wilt toevoegen</a:t>
+            </a:r>
+            <a:endParaRPr lang="en-US" dirty="0"/>
+          </a:p>
+        </p:txBody>
+      </p:sp>
+      <p:sp>
+        <p:nvSpPr>
+          <p:cNvPr id="4" name="Text Placeholder 3"/>
+          <p:cNvSpPr>
+            <a:spLocks noGrp="1"/>
+          </p:cNvSpPr>
+          <p:nvPr>
+            <p:ph type="body" sz="half" idx="2"/>
+          </p:nvPr>
+        </p:nvSpPr>
+        <p:spPr>
+          <a:xfrm>
+            <a:off x="685800" y="5516715"/>
+            <a:ext cx="10820400" cy="701969"/>
+          </a:xfrm>
+        </p:spPr>
+        <p:txBody>
+          <a:bodyPr/>
+          <a:lstStyle>
+            <a:lvl1pPr marL="0" indent="0" algn="l">
+              <a:buNone/>
+              <a:defRPr sz="1600"/>
+            </a:lvl1pPr>
+            <a:lvl2pPr marL="457200" indent="0">
+              <a:buNone/>
+              <a:defRPr sz="1400"/>
+            </a:lvl2pPr>
+            <a:lvl3pPr marL="914400" indent="0">
+              <a:buNone/>
+              <a:defRPr sz="1200"/>
+            </a:lvl3pPr>
+            <a:lvl4pPr marL="1371600" indent="0">
+              <a:buNone/>
+              <a:defRPr sz="1000"/>
+            </a:lvl4pPr>
+            <a:lvl5pPr marL="1828800" indent="0">
+              <a:buNone/>
+              <a:defRPr sz="1000"/>
+            </a:lvl5pPr>
+            <a:lvl6pPr marL="2286000" indent="0">
+              <a:buNone/>
+              <a:defRPr sz="1000"/>
+            </a:lvl6pPr>
+            <a:lvl7pPr marL="2743200" indent="0">
+              <a:buNone/>
+              <a:defRPr sz="1000"/>
+            </a:lvl7pPr>
+            <a:lvl8pPr marL="3200400" indent="0">
+              <a:buNone/>
+              <a:defRPr sz="1000"/>
+            </a:lvl8pPr>
+            <a:lvl9pPr marL="3657600" indent="0">
+              <a:buNone/>
+              <a:defRPr sz="1000"/>
+            </a:lvl9pPr>
+          </a:lstStyle>
+          <a:p>
+            <a:pPr lvl="0"/>
+            <a:r>
+              <a:rPr lang="nl-NL"/>
+              <a:t>Klikken om de tekststijl van het model te bewerken</a:t>
+            </a:r>
+          </a:p>
+        </p:txBody>
+      </p:sp>
+      <p:sp>
+        <p:nvSpPr>
+          <p:cNvPr id="5" name="Date Placeholder 4"/>
+          <p:cNvSpPr>
+            <a:spLocks noGrp="1"/>
+          </p:cNvSpPr>
+          <p:nvPr>
+            <p:ph type="dt" sz="half" idx="10"/>
+          </p:nvPr>
+        </p:nvSpPr>
+        <p:spPr/>
+        <p:txBody>
+          <a:bodyPr/>
+          <a:lstStyle/>
+          <a:p>
+            <a:fld id="{FB97B69C-07EE-414A-9456-59AC50FBC7A2}" type="datetimeFigureOut">
+              <a:rPr lang="nl-NL" smtClean="0"/>
+              <a:t>16-9-2025</a:t>
+            </a:fld>
+            <a:endParaRPr lang="nl-NL"/>
+          </a:p>
+        </p:txBody>
+      </p:sp>
+      <p:sp>
+        <p:nvSpPr>
+          <p:cNvPr id="6" name="Footer Placeholder 5"/>
+          <p:cNvSpPr>
+            <a:spLocks noGrp="1"/>
+          </p:cNvSpPr>
+          <p:nvPr>
+            <p:ph type="ftr" sz="quarter" idx="11"/>
+          </p:nvPr>
+        </p:nvSpPr>
+        <p:spPr/>
+        <p:txBody>
+          <a:bodyPr/>
+          <a:lstStyle/>
+          <a:p>
+            <a:endParaRPr lang="nl-NL"/>
+          </a:p>
+        </p:txBody>
+      </p:sp>
+      <p:sp>
+        <p:nvSpPr>
+          <p:cNvPr id="7" name="Slide Number Placeholder 6"/>
+          <p:cNvSpPr>
+            <a:spLocks noGrp="1"/>
+          </p:cNvSpPr>
+          <p:nvPr>
+            <p:ph type="sldNum" sz="quarter" idx="12"/>
+          </p:nvPr>
+        </p:nvSpPr>
+        <p:spPr/>
+        <p:txBody>
+          <a:bodyPr/>
+          <a:lstStyle/>
+          <a:p>
+            <a:fld id="{DC390232-FE28-44D7-9B65-4EC6C9A2BEAB}" type="slidenum">
+              <a:rPr lang="nl-NL" smtClean="0"/>
+              <a:t>‹nr.›</a:t>
+            </a:fld>
+            <a:endParaRPr lang="nl-NL"/>
+          </a:p>
+        </p:txBody>
+      </p:sp>
+    </p:spTree>
+    <p:extLst>
+      <p:ext uri="{BB962C8B-B14F-4D97-AF65-F5344CB8AC3E}">
+        <p14:creationId xmlns:p14="http://schemas.microsoft.com/office/powerpoint/2010/main" val="3432915799"/>
+      </p:ext>
+    </p:extLst>
+  </p:cSld>
+  <p:clrMapOvr>
+    <a:masterClrMapping/>
+  </p:clrMapOvr>
+</p:sldLayout>
+</file>
+
+<file path=ppt/slideLayouts/slideLayout11.xml><?xml version="1.0" encoding="utf-8"?>
+<p:sldLayout xmlns:a="http://schemas.openxmlformats.org/drawingml/2006/main" xmlns:r="http://schemas.openxmlformats.org/officeDocument/2006/relationships" xmlns:p="http://schemas.openxmlformats.org/presentationml/2006/main" showMasterSp="0" preserve="1">
+  <p:cSld name="Titel en bijschrift">
+    <p:spTree>
+      <p:nvGrpSpPr>
+        <p:cNvPr id="1" name=""/>
+        <p:cNvGrpSpPr/>
+        <p:nvPr/>
+      </p:nvGrpSpPr>
+      <p:grpSpPr>
+        <a:xfrm>
+          <a:off x="0" y="0"/>
+          <a:ext cx="0" cy="0"/>
+          <a:chOff x="0" y="0"/>
+          <a:chExt cx="0" cy="0"/>
+        </a:xfrm>
+      </p:grpSpPr>
+      <p:pic>
+        <p:nvPicPr>
+          <p:cNvPr id="8" name="Picture 7" descr="C0-HD-BTM.png"/>
+          <p:cNvPicPr>
+            <a:picLocks noChangeAspect="1"/>
+          </p:cNvPicPr>
+          <p:nvPr/>
+        </p:nvPicPr>
+        <p:blipFill>
+          <a:blip r:embed="rId2">
+            <a:extLst>
+              <a:ext uri="{28A0092B-C50C-407E-A947-70E740481C1C}">
+                <a14:useLocalDpi xmlns:a14="http://schemas.microsoft.com/office/drawing/2010/main" val="0"/>
+              </a:ext>
+            </a:extLst>
+          </a:blip>
+          <a:stretch>
+            <a:fillRect/>
+          </a:stretch>
+        </p:blipFill>
+        <p:spPr>
+          <a:xfrm>
+            <a:off x="0" y="4375150"/>
+            <a:ext cx="12192000" cy="2482850"/>
+          </a:xfrm>
+          <a:prstGeom prst="rect">
+            <a:avLst/>
+          </a:prstGeom>
+        </p:spPr>
+      </p:pic>
+      <p:sp>
+        <p:nvSpPr>
+          <p:cNvPr id="2" name="Title 1"/>
+          <p:cNvSpPr>
+            <a:spLocks noGrp="1"/>
+          </p:cNvSpPr>
+          <p:nvPr>
+            <p:ph type="title"/>
+          </p:nvPr>
+        </p:nvSpPr>
+        <p:spPr>
+          <a:xfrm>
+            <a:off x="685800" y="753532"/>
+            <a:ext cx="10820400" cy="2802467"/>
+          </a:xfrm>
+        </p:spPr>
+        <p:txBody>
+          <a:bodyPr anchor="ctr"/>
+          <a:lstStyle>
+            <a:lvl1pPr algn="l">
+              <a:defRPr sz="3200"/>
+            </a:lvl1pPr>
+          </a:lstStyle>
+          <a:p>
+            <a:r>
+              <a:rPr lang="nl-NL"/>
+              <a:t>Klik om stijl te bewerken</a:t>
+            </a:r>
+            <a:endParaRPr lang="en-US" dirty="0"/>
+          </a:p>
+        </p:txBody>
+      </p:sp>
+      <p:sp>
+        <p:nvSpPr>
+          <p:cNvPr id="4" name="Text Placeholder 3"/>
+          <p:cNvSpPr>
+            <a:spLocks noGrp="1"/>
+          </p:cNvSpPr>
+          <p:nvPr>
+            <p:ph type="body" sz="half" idx="2"/>
+          </p:nvPr>
+        </p:nvSpPr>
+        <p:spPr>
+          <a:xfrm>
+            <a:off x="1024467" y="3649133"/>
+            <a:ext cx="10130516" cy="999067"/>
+          </a:xfrm>
+        </p:spPr>
+        <p:txBody>
+          <a:bodyPr anchor="ctr"/>
+          <a:lstStyle>
+            <a:lvl1pPr marL="0" indent="0">
+              <a:buNone/>
+              <a:defRPr sz="1600"/>
+            </a:lvl1pPr>
+            <a:lvl2pPr marL="457200" indent="0">
+              <a:buNone/>
+              <a:defRPr sz="1400"/>
+            </a:lvl2pPr>
+            <a:lvl3pPr marL="914400" indent="0">
+              <a:buNone/>
+              <a:defRPr sz="1200"/>
+            </a:lvl3pPr>
+            <a:lvl4pPr marL="1371600" indent="0">
+              <a:buNone/>
+              <a:defRPr sz="1000"/>
+            </a:lvl4pPr>
+            <a:lvl5pPr marL="1828800" indent="0">
+              <a:buNone/>
+              <a:defRPr sz="1000"/>
+            </a:lvl5pPr>
+            <a:lvl6pPr marL="2286000" indent="0">
+              <a:buNone/>
+              <a:defRPr sz="1000"/>
+            </a:lvl6pPr>
+            <a:lvl7pPr marL="2743200" indent="0">
+              <a:buNone/>
+              <a:defRPr sz="1000"/>
+            </a:lvl7pPr>
+            <a:lvl8pPr marL="3200400" indent="0">
+              <a:buNone/>
+              <a:defRPr sz="1000"/>
+            </a:lvl8pPr>
+            <a:lvl9pPr marL="3657600" indent="0">
+              <a:buNone/>
+              <a:defRPr sz="1000"/>
+            </a:lvl9pPr>
+          </a:lstStyle>
+          <a:p>
+            <a:pPr lvl="0"/>
+            <a:r>
+              <a:rPr lang="nl-NL"/>
+              <a:t>Klikken om de tekststijl van het model te bewerken</a:t>
+            </a:r>
+          </a:p>
+        </p:txBody>
+      </p:sp>
+      <p:sp>
+        <p:nvSpPr>
+          <p:cNvPr id="5" name="Date Placeholder 4"/>
+          <p:cNvSpPr>
+            <a:spLocks noGrp="1"/>
+          </p:cNvSpPr>
+          <p:nvPr>
+            <p:ph type="dt" sz="half" idx="10"/>
+          </p:nvPr>
+        </p:nvSpPr>
+        <p:spPr>
+          <a:xfrm>
+            <a:off x="7814452" y="381000"/>
+            <a:ext cx="2910840" cy="365125"/>
+          </a:xfrm>
+        </p:spPr>
+        <p:txBody>
+          <a:bodyPr/>
+          <a:lstStyle>
+            <a:lvl1pPr algn="r">
+              <a:defRPr/>
+            </a:lvl1pPr>
+          </a:lstStyle>
+          <a:p>
+            <a:fld id="{FB97B69C-07EE-414A-9456-59AC50FBC7A2}" type="datetimeFigureOut">
+              <a:rPr lang="nl-NL" smtClean="0"/>
+              <a:t>16-9-2025</a:t>
+            </a:fld>
+            <a:endParaRPr lang="nl-NL"/>
+          </a:p>
+        </p:txBody>
+      </p:sp>
+      <p:sp>
+        <p:nvSpPr>
+          <p:cNvPr id="6" name="Footer Placeholder 5"/>
+          <p:cNvSpPr>
+            <a:spLocks noGrp="1"/>
+          </p:cNvSpPr>
+          <p:nvPr>
+            <p:ph type="ftr" sz="quarter" idx="11"/>
+          </p:nvPr>
+        </p:nvSpPr>
+        <p:spPr>
+          <a:xfrm>
+            <a:off x="685800" y="379941"/>
+            <a:ext cx="6991492" cy="365125"/>
+          </a:xfrm>
+        </p:spPr>
+        <p:txBody>
+          <a:bodyPr/>
+          <a:lstStyle/>
+          <a:p>
+            <a:endParaRPr lang="nl-NL"/>
+          </a:p>
+        </p:txBody>
+      </p:sp>
+      <p:sp>
+        <p:nvSpPr>
+          <p:cNvPr id="7" name="Slide Number Placeholder 6"/>
+          <p:cNvSpPr>
+            <a:spLocks noGrp="1"/>
+          </p:cNvSpPr>
+          <p:nvPr>
+            <p:ph type="sldNum" sz="quarter" idx="12"/>
+          </p:nvPr>
+        </p:nvSpPr>
+        <p:spPr>
+          <a:xfrm>
+            <a:off x="10862452" y="381000"/>
+            <a:ext cx="643748" cy="365125"/>
+          </a:xfrm>
+        </p:spPr>
+        <p:txBody>
+          <a:bodyPr/>
+          <a:lstStyle/>
+          <a:p>
+            <a:fld id="{DC390232-FE28-44D7-9B65-4EC6C9A2BEAB}" type="slidenum">
+              <a:rPr lang="nl-NL" smtClean="0"/>
+              <a:t>‹nr.›</a:t>
+            </a:fld>
+            <a:endParaRPr lang="nl-NL"/>
+          </a:p>
+        </p:txBody>
+      </p:sp>
+    </p:spTree>
+    <p:extLst>
+      <p:ext uri="{BB962C8B-B14F-4D97-AF65-F5344CB8AC3E}">
+        <p14:creationId xmlns:p14="http://schemas.microsoft.com/office/powerpoint/2010/main" val="5227856"/>
+      </p:ext>
+    </p:extLst>
+  </p:cSld>
+  <p:clrMapOvr>
+    <a:masterClrMapping/>
+  </p:clrMapOvr>
+</p:sldLayout>
+</file>
+
+<file path=ppt/slideLayouts/slideLayout12.xml><?xml version="1.0" encoding="utf-8"?>
+<p:sldLayout xmlns:a="http://schemas.openxmlformats.org/drawingml/2006/main" xmlns:r="http://schemas.openxmlformats.org/officeDocument/2006/relationships" xmlns:p="http://schemas.openxmlformats.org/presentationml/2006/main" showMasterSp="0" preserve="1">
+  <p:cSld name="Citeraat met bijschrift">
+    <p:spTree>
+      <p:nvGrpSpPr>
+        <p:cNvPr id="1" name=""/>
+        <p:cNvGrpSpPr/>
+        <p:nvPr/>
+      </p:nvGrpSpPr>
+      <p:grpSpPr>
+        <a:xfrm>
+          <a:off x="0" y="0"/>
+          <a:ext cx="0" cy="0"/>
+          <a:chOff x="0" y="0"/>
+          <a:chExt cx="0" cy="0"/>
+        </a:xfrm>
+      </p:grpSpPr>
+      <p:pic>
+        <p:nvPicPr>
+          <p:cNvPr id="13" name="Picture 12" descr="C0-HD-BTM.png"/>
+          <p:cNvPicPr>
+            <a:picLocks noChangeAspect="1"/>
+          </p:cNvPicPr>
+          <p:nvPr/>
+        </p:nvPicPr>
+        <p:blipFill>
+          <a:blip r:embed="rId2">
+            <a:extLst>
+              <a:ext uri="{28A0092B-C50C-407E-A947-70E740481C1C}">
+                <a14:useLocalDpi xmlns:a14="http://schemas.microsoft.com/office/drawing/2010/main" val="0"/>
+              </a:ext>
+            </a:extLst>
+          </a:blip>
+          <a:stretch>
+            <a:fillRect/>
+          </a:stretch>
+        </p:blipFill>
+        <p:spPr>
+          <a:xfrm>
+            <a:off x="0" y="4375150"/>
+            <a:ext cx="12192000" cy="2482850"/>
+          </a:xfrm>
+          <a:prstGeom prst="rect">
+            <a:avLst/>
+          </a:prstGeom>
+        </p:spPr>
+      </p:pic>
+      <p:sp>
+        <p:nvSpPr>
+          <p:cNvPr id="2" name="Title 1"/>
+          <p:cNvSpPr>
+            <a:spLocks noGrp="1"/>
+          </p:cNvSpPr>
+          <p:nvPr>
+            <p:ph type="title"/>
+          </p:nvPr>
+        </p:nvSpPr>
+        <p:spPr>
+          <a:xfrm>
+            <a:off x="1024467" y="753533"/>
+            <a:ext cx="10151533" cy="2604495"/>
+          </a:xfrm>
+        </p:spPr>
+        <p:txBody>
+          <a:bodyPr anchor="ctr"/>
+          <a:lstStyle>
+            <a:lvl1pPr algn="l">
+              <a:defRPr sz="3200"/>
+            </a:lvl1pPr>
+          </a:lstStyle>
+          <a:p>
+            <a:r>
+              <a:rPr lang="nl-NL"/>
+              <a:t>Klik om stijl te bewerken</a:t>
+            </a:r>
+            <a:endParaRPr lang="en-US" dirty="0"/>
+          </a:p>
+        </p:txBody>
+      </p:sp>
+      <p:sp>
+        <p:nvSpPr>
+          <p:cNvPr id="12" name="Text Placeholder 3"/>
+          <p:cNvSpPr>
+            <a:spLocks noGrp="1"/>
+          </p:cNvSpPr>
+          <p:nvPr>
+            <p:ph type="body" sz="half" idx="13"/>
+          </p:nvPr>
+        </p:nvSpPr>
+        <p:spPr>
+          <a:xfrm>
+            <a:off x="1303865" y="3365556"/>
+            <a:ext cx="9592736" cy="444443"/>
+          </a:xfrm>
+        </p:spPr>
+        <p:txBody>
+          <a:bodyPr anchor="t">
+            <a:normAutofit/>
+          </a:bodyPr>
+          <a:lstStyle>
+            <a:lvl1pPr marL="0" indent="0">
+              <a:buNone/>
+              <a:defRPr sz="1400"/>
+            </a:lvl1pPr>
+            <a:lvl2pPr marL="457200" indent="0">
+              <a:buNone/>
+              <a:defRPr sz="1400"/>
+            </a:lvl2pPr>
+            <a:lvl3pPr marL="914400" indent="0">
+              <a:buNone/>
+              <a:defRPr sz="1200"/>
+            </a:lvl3pPr>
+            <a:lvl4pPr marL="1371600" indent="0">
+              <a:buNone/>
+              <a:defRPr sz="1000"/>
+            </a:lvl4pPr>
+            <a:lvl5pPr marL="1828800" indent="0">
+              <a:buNone/>
+              <a:defRPr sz="1000"/>
+            </a:lvl5pPr>
+            <a:lvl6pPr marL="2286000" indent="0">
+              <a:buNone/>
+              <a:defRPr sz="1000"/>
+            </a:lvl6pPr>
+            <a:lvl7pPr marL="2743200" indent="0">
+              <a:buNone/>
+              <a:defRPr sz="1000"/>
+            </a:lvl7pPr>
+            <a:lvl8pPr marL="3200400" indent="0">
+              <a:buNone/>
+              <a:defRPr sz="1000"/>
+            </a:lvl8pPr>
+            <a:lvl9pPr marL="3657600" indent="0">
+              <a:buNone/>
+              <a:defRPr sz="1000"/>
+            </a:lvl9pPr>
+          </a:lstStyle>
+          <a:p>
+            <a:pPr lvl="0"/>
+            <a:r>
+              <a:rPr lang="nl-NL"/>
+              <a:t>Klikken om de tekststijl van het model te bewerken</a:t>
+            </a:r>
+          </a:p>
+        </p:txBody>
+      </p:sp>
+      <p:sp>
+        <p:nvSpPr>
+          <p:cNvPr id="4" name="Text Placeholder 3"/>
+          <p:cNvSpPr>
+            <a:spLocks noGrp="1"/>
+          </p:cNvSpPr>
+          <p:nvPr>
+            <p:ph type="body" sz="half" idx="2"/>
+          </p:nvPr>
+        </p:nvSpPr>
+        <p:spPr>
+          <a:xfrm>
+            <a:off x="1024467" y="3959862"/>
+            <a:ext cx="10151533" cy="679871"/>
+          </a:xfrm>
+        </p:spPr>
+        <p:txBody>
+          <a:bodyPr anchor="ctr">
+            <a:normAutofit/>
+          </a:bodyPr>
+          <a:lstStyle>
+            <a:lvl1pPr marL="0" indent="0">
+              <a:buNone/>
+              <a:defRPr sz="1600"/>
+            </a:lvl1pPr>
+            <a:lvl2pPr marL="457200" indent="0">
+              <a:buNone/>
+              <a:defRPr sz="1400"/>
+            </a:lvl2pPr>
+            <a:lvl3pPr marL="914400" indent="0">
+              <a:buNone/>
+              <a:defRPr sz="1200"/>
+            </a:lvl3pPr>
+            <a:lvl4pPr marL="1371600" indent="0">
+              <a:buNone/>
+              <a:defRPr sz="1000"/>
+            </a:lvl4pPr>
+            <a:lvl5pPr marL="1828800" indent="0">
+              <a:buNone/>
+              <a:defRPr sz="1000"/>
+            </a:lvl5pPr>
+            <a:lvl6pPr marL="2286000" indent="0">
+              <a:buNone/>
+              <a:defRPr sz="1000"/>
+            </a:lvl6pPr>
+            <a:lvl7pPr marL="2743200" indent="0">
+              <a:buNone/>
+              <a:defRPr sz="1000"/>
+            </a:lvl7pPr>
+            <a:lvl8pPr marL="3200400" indent="0">
+              <a:buNone/>
+              <a:defRPr sz="1000"/>
+            </a:lvl8pPr>
+            <a:lvl9pPr marL="3657600" indent="0">
+              <a:buNone/>
+              <a:defRPr sz="1000"/>
+            </a:lvl9pPr>
+          </a:lstStyle>
+          <a:p>
+            <a:pPr lvl="0"/>
+            <a:r>
+              <a:rPr lang="nl-NL"/>
+              <a:t>Klikken om de tekststijl van het model te bewerken</a:t>
+            </a:r>
+          </a:p>
+        </p:txBody>
+      </p:sp>
+      <p:sp>
+        <p:nvSpPr>
+          <p:cNvPr id="5" name="Date Placeholder 4"/>
+          <p:cNvSpPr>
+            <a:spLocks noGrp="1"/>
+          </p:cNvSpPr>
+          <p:nvPr>
+            <p:ph type="dt" sz="half" idx="10"/>
+          </p:nvPr>
+        </p:nvSpPr>
+        <p:spPr>
+          <a:xfrm>
+            <a:off x="7814452" y="381000"/>
+            <a:ext cx="2910840" cy="365125"/>
+          </a:xfrm>
+        </p:spPr>
+        <p:txBody>
+          <a:bodyPr/>
+          <a:lstStyle>
+            <a:lvl1pPr algn="r">
+              <a:defRPr/>
+            </a:lvl1pPr>
+          </a:lstStyle>
+          <a:p>
+            <a:fld id="{FB97B69C-07EE-414A-9456-59AC50FBC7A2}" type="datetimeFigureOut">
+              <a:rPr lang="nl-NL" smtClean="0"/>
+              <a:t>16-9-2025</a:t>
+            </a:fld>
+            <a:endParaRPr lang="nl-NL"/>
+          </a:p>
+        </p:txBody>
+      </p:sp>
+      <p:sp>
+        <p:nvSpPr>
+          <p:cNvPr id="6" name="Footer Placeholder 5"/>
+          <p:cNvSpPr>
+            <a:spLocks noGrp="1"/>
+          </p:cNvSpPr>
+          <p:nvPr>
+            <p:ph type="ftr" sz="quarter" idx="11"/>
+          </p:nvPr>
+        </p:nvSpPr>
+        <p:spPr>
+          <a:xfrm>
+            <a:off x="685800" y="379941"/>
+            <a:ext cx="6991492" cy="365125"/>
+          </a:xfrm>
+        </p:spPr>
+        <p:txBody>
+          <a:bodyPr/>
+          <a:lstStyle/>
+          <a:p>
+            <a:endParaRPr lang="nl-NL"/>
+          </a:p>
+        </p:txBody>
+      </p:sp>
+      <p:sp>
+        <p:nvSpPr>
+          <p:cNvPr id="7" name="Slide Number Placeholder 6"/>
+          <p:cNvSpPr>
+            <a:spLocks noGrp="1"/>
+          </p:cNvSpPr>
+          <p:nvPr>
+            <p:ph type="sldNum" sz="quarter" idx="12"/>
+          </p:nvPr>
+        </p:nvSpPr>
+        <p:spPr>
+          <a:xfrm>
+            <a:off x="10862452" y="381000"/>
+            <a:ext cx="643748" cy="365125"/>
+          </a:xfrm>
+        </p:spPr>
+        <p:txBody>
+          <a:bodyPr/>
+          <a:lstStyle/>
+          <a:p>
+            <a:fld id="{DC390232-FE28-44D7-9B65-4EC6C9A2BEAB}" type="slidenum">
+              <a:rPr lang="nl-NL" smtClean="0"/>
+              <a:t>‹nr.›</a:t>
+            </a:fld>
+            <a:endParaRPr lang="nl-NL"/>
+          </a:p>
+        </p:txBody>
+      </p:sp>
+      <p:sp>
+        <p:nvSpPr>
+          <p:cNvPr id="9" name="TextBox 8"/>
+          <p:cNvSpPr txBox="1"/>
+          <p:nvPr/>
+        </p:nvSpPr>
+        <p:spPr>
+          <a:xfrm>
+            <a:off x="476250" y="933450"/>
+            <a:ext cx="609600" cy="584776"/>
+          </a:xfrm>
+          <a:prstGeom prst="rect">
+            <a:avLst/>
+          </a:prstGeom>
+        </p:spPr>
+        <p:txBody>
+          <a:bodyPr vert="horz" lIns="91440" tIns="45720" rIns="91440" bIns="45720" rtlCol="0" anchor="ctr">
+            <a:noAutofit/>
+          </a:bodyPr>
+          <a:lstStyle>
+            <a:lvl1pPr>
+              <a:spcBef>
+                <a:spcPct val="0"/>
+              </a:spcBef>
+              <a:buNone/>
+              <a:defRPr sz="3200" b="0" cap="all">
+                <a:ln w="3175" cmpd="sng">
+                  <a:noFill/>
+                </a:ln>
+                <a:effectLst>
+                  <a:glow rad="38100">
+                    <a:schemeClr val="bg1">
+                      <a:lumMod val="65000"/>
+                      <a:lumOff val="35000"/>
+                      <a:alpha val="40000"/>
+                    </a:schemeClr>
+                  </a:glow>
+                  <a:outerShdw blurRad="28575" dist="38100" dir="14040000" algn="tl" rotWithShape="0">
+                    <a:srgbClr val="000000">
+                      <a:alpha val="25000"/>
+                    </a:srgbClr>
+                  </a:outerShdw>
+                </a:effectLst>
+              </a:defRPr>
+            </a:lvl1pPr>
+            <a:lvl2pPr>
+              <a:defRPr>
+                <a:solidFill>
+                  <a:schemeClr val="tx2"/>
+                </a:solidFill>
+              </a:defRPr>
+            </a:lvl2pPr>
+            <a:lvl3pPr>
+              <a:defRPr>
+                <a:solidFill>
+                  <a:schemeClr val="tx2"/>
+                </a:solidFill>
+              </a:defRPr>
+            </a:lvl3pPr>
+            <a:lvl4pPr>
+              <a:defRPr>
+                <a:solidFill>
+                  <a:schemeClr val="tx2"/>
+                </a:solidFill>
+              </a:defRPr>
+            </a:lvl4pPr>
+            <a:lvl5pPr>
+              <a:defRPr>
+                <a:solidFill>
+                  <a:schemeClr val="tx2"/>
+                </a:solidFill>
+              </a:defRPr>
+            </a:lvl5pPr>
+            <a:lvl6pPr>
+              <a:defRPr>
+                <a:solidFill>
+                  <a:schemeClr val="tx2"/>
+                </a:solidFill>
+              </a:defRPr>
+            </a:lvl6pPr>
+            <a:lvl7pPr>
+              <a:defRPr>
+                <a:solidFill>
+                  <a:schemeClr val="tx2"/>
+                </a:solidFill>
+              </a:defRPr>
+            </a:lvl7pPr>
+            <a:lvl8pPr>
+              <a:defRPr>
+                <a:solidFill>
+                  <a:schemeClr val="tx2"/>
+                </a:solidFill>
+              </a:defRPr>
+            </a:lvl8pPr>
+            <a:lvl9pPr>
+              <a:defRPr>
+                <a:solidFill>
+                  <a:schemeClr val="tx2"/>
+                </a:solidFill>
+              </a:defRPr>
+            </a:lvl9pPr>
+          </a:lstStyle>
+          <a:p>
+            <a:pPr lvl="0"/>
+            <a:r>
+              <a:rPr lang="en-US" sz="8000" dirty="0">
+                <a:solidFill>
+                  <a:schemeClr val="tx1"/>
+                </a:solidFill>
+                <a:effectLst/>
+              </a:rPr>
+              <a:t>“</a:t>
+            </a:r>
+          </a:p>
+        </p:txBody>
+      </p:sp>
+      <p:sp>
+        <p:nvSpPr>
+          <p:cNvPr id="10" name="TextBox 9"/>
+          <p:cNvSpPr txBox="1"/>
+          <p:nvPr/>
+        </p:nvSpPr>
+        <p:spPr>
+          <a:xfrm>
+            <a:off x="10984230" y="2701290"/>
+            <a:ext cx="609600" cy="584776"/>
+          </a:xfrm>
+          <a:prstGeom prst="rect">
+            <a:avLst/>
+          </a:prstGeom>
+        </p:spPr>
+        <p:txBody>
+          <a:bodyPr vert="horz" lIns="91440" tIns="45720" rIns="91440" bIns="45720" rtlCol="0" anchor="ctr">
+            <a:noAutofit/>
+          </a:bodyPr>
+          <a:lstStyle>
+            <a:lvl1pPr>
+              <a:spcBef>
+                <a:spcPct val="0"/>
+              </a:spcBef>
+              <a:buNone/>
+              <a:defRPr sz="3200" b="0" cap="all">
+                <a:ln w="3175" cmpd="sng">
+                  <a:noFill/>
+                </a:ln>
+                <a:effectLst>
+                  <a:glow rad="38100">
+                    <a:schemeClr val="bg1">
+                      <a:lumMod val="65000"/>
+                      <a:lumOff val="35000"/>
+                      <a:alpha val="40000"/>
+                    </a:schemeClr>
+                  </a:glow>
+                  <a:outerShdw blurRad="28575" dist="38100" dir="14040000" algn="tl" rotWithShape="0">
+                    <a:srgbClr val="000000">
+                      <a:alpha val="25000"/>
+                    </a:srgbClr>
+                  </a:outerShdw>
+                </a:effectLst>
+              </a:defRPr>
+            </a:lvl1pPr>
+            <a:lvl2pPr>
+              <a:defRPr>
+                <a:solidFill>
+                  <a:schemeClr val="tx2"/>
+                </a:solidFill>
+              </a:defRPr>
+            </a:lvl2pPr>
+            <a:lvl3pPr>
+              <a:defRPr>
+                <a:solidFill>
+                  <a:schemeClr val="tx2"/>
+                </a:solidFill>
+              </a:defRPr>
+            </a:lvl3pPr>
+            <a:lvl4pPr>
+              <a:defRPr>
+                <a:solidFill>
+                  <a:schemeClr val="tx2"/>
+                </a:solidFill>
+              </a:defRPr>
+            </a:lvl4pPr>
+            <a:lvl5pPr>
+              <a:defRPr>
+                <a:solidFill>
+                  <a:schemeClr val="tx2"/>
+                </a:solidFill>
+              </a:defRPr>
+            </a:lvl5pPr>
+            <a:lvl6pPr>
+              <a:defRPr>
+                <a:solidFill>
+                  <a:schemeClr val="tx2"/>
+                </a:solidFill>
+              </a:defRPr>
+            </a:lvl6pPr>
+            <a:lvl7pPr>
+              <a:defRPr>
+                <a:solidFill>
+                  <a:schemeClr val="tx2"/>
+                </a:solidFill>
+              </a:defRPr>
+            </a:lvl7pPr>
+            <a:lvl8pPr>
+              <a:defRPr>
+                <a:solidFill>
+                  <a:schemeClr val="tx2"/>
+                </a:solidFill>
+              </a:defRPr>
+            </a:lvl8pPr>
+            <a:lvl9pPr>
+              <a:defRPr>
+                <a:solidFill>
+                  <a:schemeClr val="tx2"/>
+                </a:solidFill>
+              </a:defRPr>
+            </a:lvl9pPr>
+          </a:lstStyle>
+          <a:p>
+            <a:pPr lvl="0" algn="r"/>
+            <a:r>
+              <a:rPr lang="en-US" sz="8000" dirty="0">
+                <a:solidFill>
+                  <a:schemeClr val="tx1"/>
+                </a:solidFill>
+                <a:effectLst/>
+              </a:rPr>
+              <a:t>”</a:t>
+            </a:r>
+          </a:p>
+        </p:txBody>
+      </p:sp>
+    </p:spTree>
+    <p:extLst>
+      <p:ext uri="{BB962C8B-B14F-4D97-AF65-F5344CB8AC3E}">
+        <p14:creationId xmlns:p14="http://schemas.microsoft.com/office/powerpoint/2010/main" val="3578467487"/>
+      </p:ext>
+    </p:extLst>
+  </p:cSld>
+  <p:clrMapOvr>
+    <a:masterClrMapping/>
+  </p:clrMapOvr>
+</p:sldLayout>
+</file>
+
+<file path=ppt/slideLayouts/slideLayout13.xml><?xml version="1.0" encoding="utf-8"?>
+<p:sldLayout xmlns:a="http://schemas.openxmlformats.org/drawingml/2006/main" xmlns:r="http://schemas.openxmlformats.org/officeDocument/2006/relationships" xmlns:p="http://schemas.openxmlformats.org/presentationml/2006/main" showMasterSp="0" preserve="1">
+  <p:cSld name="Naamkaartje">
+    <p:spTree>
+      <p:nvGrpSpPr>
+        <p:cNvPr id="1" name=""/>
+        <p:cNvGrpSpPr/>
+        <p:nvPr/>
+      </p:nvGrpSpPr>
+      <p:grpSpPr>
+        <a:xfrm>
+          <a:off x="0" y="0"/>
+          <a:ext cx="0" cy="0"/>
+          <a:chOff x="0" y="0"/>
+          <a:chExt cx="0" cy="0"/>
+        </a:xfrm>
+      </p:grpSpPr>
+      <p:pic>
+        <p:nvPicPr>
+          <p:cNvPr id="9" name="Picture 8" descr="C0-HD-BTM.png"/>
+          <p:cNvPicPr>
+            <a:picLocks noChangeAspect="1"/>
+          </p:cNvPicPr>
+          <p:nvPr/>
+        </p:nvPicPr>
+        <p:blipFill>
+          <a:blip r:embed="rId2">
+            <a:extLst>
+              <a:ext uri="{28A0092B-C50C-407E-A947-70E740481C1C}">
+                <a14:useLocalDpi xmlns:a14="http://schemas.microsoft.com/office/drawing/2010/main" val="0"/>
+              </a:ext>
+            </a:extLst>
+          </a:blip>
+          <a:stretch>
+            <a:fillRect/>
+          </a:stretch>
+        </p:blipFill>
+        <p:spPr>
+          <a:xfrm>
+            <a:off x="0" y="4375150"/>
+            <a:ext cx="12192000" cy="2482850"/>
+          </a:xfrm>
+          <a:prstGeom prst="rect">
+            <a:avLst/>
+          </a:prstGeom>
+        </p:spPr>
+      </p:pic>
+      <p:sp>
+        <p:nvSpPr>
+          <p:cNvPr id="2" name="Title 1"/>
+          <p:cNvSpPr>
+            <a:spLocks noGrp="1"/>
+          </p:cNvSpPr>
+          <p:nvPr>
+            <p:ph type="title"/>
+          </p:nvPr>
+        </p:nvSpPr>
+        <p:spPr>
+          <a:xfrm>
+            <a:off x="1024495" y="1124701"/>
+            <a:ext cx="10146186" cy="2511835"/>
+          </a:xfrm>
+        </p:spPr>
+        <p:txBody>
+          <a:bodyPr anchor="b"/>
+          <a:lstStyle>
+            <a:lvl1pPr algn="l">
+              <a:defRPr sz="3200"/>
+            </a:lvl1pPr>
+          </a:lstStyle>
+          <a:p>
+            <a:r>
+              <a:rPr lang="nl-NL"/>
+              <a:t>Klik om stijl te bewerken</a:t>
+            </a:r>
+            <a:endParaRPr lang="en-US" dirty="0"/>
+          </a:p>
+        </p:txBody>
+      </p:sp>
+      <p:sp>
+        <p:nvSpPr>
+          <p:cNvPr id="4" name="Text Placeholder 3"/>
+          <p:cNvSpPr>
+            <a:spLocks noGrp="1"/>
+          </p:cNvSpPr>
+          <p:nvPr>
+            <p:ph type="body" sz="half" idx="2"/>
+          </p:nvPr>
+        </p:nvSpPr>
+        <p:spPr>
+          <a:xfrm>
+            <a:off x="1024467" y="3648315"/>
+            <a:ext cx="10144654" cy="999885"/>
+          </a:xfrm>
+        </p:spPr>
+        <p:txBody>
+          <a:bodyPr anchor="t"/>
+          <a:lstStyle>
+            <a:lvl1pPr marL="0" indent="0">
+              <a:buNone/>
+              <a:defRPr sz="1600"/>
+            </a:lvl1pPr>
+            <a:lvl2pPr marL="457200" indent="0">
+              <a:buNone/>
+              <a:defRPr sz="1400"/>
+            </a:lvl2pPr>
+            <a:lvl3pPr marL="914400" indent="0">
+              <a:buNone/>
+              <a:defRPr sz="1200"/>
+            </a:lvl3pPr>
+            <a:lvl4pPr marL="1371600" indent="0">
+              <a:buNone/>
+              <a:defRPr sz="1000"/>
+            </a:lvl4pPr>
+            <a:lvl5pPr marL="1828800" indent="0">
+              <a:buNone/>
+              <a:defRPr sz="1000"/>
+            </a:lvl5pPr>
+            <a:lvl6pPr marL="2286000" indent="0">
+              <a:buNone/>
+              <a:defRPr sz="1000"/>
+            </a:lvl6pPr>
+            <a:lvl7pPr marL="2743200" indent="0">
+              <a:buNone/>
+              <a:defRPr sz="1000"/>
+            </a:lvl7pPr>
+            <a:lvl8pPr marL="3200400" indent="0">
+              <a:buNone/>
+              <a:defRPr sz="1000"/>
+            </a:lvl8pPr>
+            <a:lvl9pPr marL="3657600" indent="0">
+              <a:buNone/>
+              <a:defRPr sz="1000"/>
+            </a:lvl9pPr>
+          </a:lstStyle>
+          <a:p>
+            <a:pPr lvl="0"/>
+            <a:r>
+              <a:rPr lang="nl-NL"/>
+              <a:t>Klikken om de tekststijl van het model te bewerken</a:t>
+            </a:r>
+          </a:p>
+        </p:txBody>
+      </p:sp>
+      <p:sp>
+        <p:nvSpPr>
+          <p:cNvPr id="5" name="Date Placeholder 4"/>
+          <p:cNvSpPr>
+            <a:spLocks noGrp="1"/>
+          </p:cNvSpPr>
+          <p:nvPr>
+            <p:ph type="dt" sz="half" idx="10"/>
+          </p:nvPr>
+        </p:nvSpPr>
+        <p:spPr>
+          <a:xfrm>
+            <a:off x="7814452" y="378883"/>
+            <a:ext cx="2910840" cy="365125"/>
+          </a:xfrm>
+        </p:spPr>
+        <p:txBody>
+          <a:bodyPr/>
+          <a:lstStyle>
+            <a:lvl1pPr algn="r">
+              <a:defRPr/>
+            </a:lvl1pPr>
+          </a:lstStyle>
+          <a:p>
+            <a:fld id="{FB97B69C-07EE-414A-9456-59AC50FBC7A2}" type="datetimeFigureOut">
+              <a:rPr lang="nl-NL" smtClean="0"/>
+              <a:t>16-9-2025</a:t>
+            </a:fld>
+            <a:endParaRPr lang="nl-NL"/>
+          </a:p>
+        </p:txBody>
+      </p:sp>
+      <p:sp>
+        <p:nvSpPr>
+          <p:cNvPr id="6" name="Footer Placeholder 5"/>
+          <p:cNvSpPr>
+            <a:spLocks noGrp="1"/>
+          </p:cNvSpPr>
+          <p:nvPr>
+            <p:ph type="ftr" sz="quarter" idx="11"/>
+          </p:nvPr>
+        </p:nvSpPr>
+        <p:spPr>
+          <a:xfrm>
+            <a:off x="685800" y="378883"/>
+            <a:ext cx="6991492" cy="365125"/>
+          </a:xfrm>
+        </p:spPr>
+        <p:txBody>
+          <a:bodyPr/>
+          <a:lstStyle/>
+          <a:p>
+            <a:endParaRPr lang="nl-NL"/>
+          </a:p>
+        </p:txBody>
+      </p:sp>
+      <p:sp>
+        <p:nvSpPr>
+          <p:cNvPr id="7" name="Slide Number Placeholder 6"/>
+          <p:cNvSpPr>
+            <a:spLocks noGrp="1"/>
+          </p:cNvSpPr>
+          <p:nvPr>
+            <p:ph type="sldNum" sz="quarter" idx="12"/>
+          </p:nvPr>
+        </p:nvSpPr>
+        <p:spPr>
+          <a:xfrm>
+            <a:off x="10862452" y="381000"/>
+            <a:ext cx="643748" cy="365125"/>
+          </a:xfrm>
+        </p:spPr>
+        <p:txBody>
+          <a:bodyPr/>
+          <a:lstStyle/>
+          <a:p>
+            <a:fld id="{DC390232-FE28-44D7-9B65-4EC6C9A2BEAB}" type="slidenum">
+              <a:rPr lang="nl-NL" smtClean="0"/>
+              <a:t>‹nr.›</a:t>
+            </a:fld>
+            <a:endParaRPr lang="nl-NL"/>
+          </a:p>
+        </p:txBody>
+      </p:sp>
+    </p:spTree>
+    <p:extLst>
+      <p:ext uri="{BB962C8B-B14F-4D97-AF65-F5344CB8AC3E}">
+        <p14:creationId xmlns:p14="http://schemas.microsoft.com/office/powerpoint/2010/main" val="2911469290"/>
+      </p:ext>
+    </p:extLst>
+  </p:cSld>
+  <p:clrMapOvr>
+    <a:masterClrMapping/>
+  </p:clrMapOvr>
+</p:sldLayout>
+</file>
+
+<file path=ppt/slideLayouts/slideLayout14.xml><?xml version="1.0" encoding="utf-8"?>
+<p:sldLayout xmlns:a="http://schemas.openxmlformats.org/drawingml/2006/main" xmlns:r="http://schemas.openxmlformats.org/officeDocument/2006/relationships" xmlns:p="http://schemas.openxmlformats.org/presentationml/2006/main" preserve="1">
+  <p:cSld name="3 kolommen">
+    <p:spTree>
+      <p:nvGrpSpPr>
+        <p:cNvPr id="1" name=""/>
+        <p:cNvGrpSpPr/>
+        <p:nvPr/>
+      </p:nvGrpSpPr>
+      <p:grpSpPr>
+        <a:xfrm>
+          <a:off x="0" y="0"/>
+          <a:ext cx="0" cy="0"/>
+          <a:chOff x="0" y="0"/>
+          <a:chExt cx="0" cy="0"/>
+        </a:xfrm>
+      </p:grpSpPr>
+      <p:sp>
+        <p:nvSpPr>
+          <p:cNvPr id="15" name="Title 1"/>
+          <p:cNvSpPr>
+            <a:spLocks noGrp="1"/>
+          </p:cNvSpPr>
+          <p:nvPr>
+            <p:ph type="title"/>
+          </p:nvPr>
+        </p:nvSpPr>
+        <p:spPr>
+          <a:xfrm>
+            <a:off x="2895600" y="761999"/>
+            <a:ext cx="8610599" cy="1303867"/>
+          </a:xfrm>
+        </p:spPr>
+        <p:txBody>
+          <a:bodyPr/>
+          <a:lstStyle/>
+          <a:p>
+            <a:r>
+              <a:rPr lang="nl-NL"/>
+              <a:t>Klik om stijl te bewerken</a:t>
+            </a:r>
+            <a:endParaRPr lang="en-US" dirty="0"/>
+          </a:p>
+        </p:txBody>
+      </p:sp>
+      <p:sp>
+        <p:nvSpPr>
+          <p:cNvPr id="7" name="Text Placeholder 2"/>
+          <p:cNvSpPr>
+            <a:spLocks noGrp="1"/>
+          </p:cNvSpPr>
+          <p:nvPr>
+            <p:ph type="body" idx="1"/>
+          </p:nvPr>
+        </p:nvSpPr>
+        <p:spPr>
+          <a:xfrm>
+            <a:off x="685800" y="2202080"/>
+            <a:ext cx="3456432" cy="617320"/>
+          </a:xfrm>
+        </p:spPr>
+        <p:txBody>
+          <a:bodyPr anchor="b">
+            <a:noAutofit/>
+          </a:bodyPr>
+          <a:lstStyle>
+            <a:lvl1pPr marL="0" indent="0">
+              <a:buNone/>
+              <a:defRPr sz="2400" b="0">
+                <a:solidFill>
+                  <a:schemeClr val="tx1"/>
+                </a:solidFill>
+              </a:defRPr>
+            </a:lvl1pPr>
+            <a:lvl2pPr marL="457200" indent="0">
+              <a:buNone/>
+              <a:defRPr sz="2000" b="1"/>
+            </a:lvl2pPr>
+            <a:lvl3pPr marL="914400" indent="0">
+              <a:buNone/>
+              <a:defRPr sz="1800" b="1"/>
+            </a:lvl3pPr>
+            <a:lvl4pPr marL="1371600" indent="0">
+              <a:buNone/>
+              <a:defRPr sz="1600" b="1"/>
+            </a:lvl4pPr>
+            <a:lvl5pPr marL="1828800" indent="0">
+              <a:buNone/>
+              <a:defRPr sz="1600" b="1"/>
+            </a:lvl5pPr>
+            <a:lvl6pPr marL="2286000" indent="0">
+              <a:buNone/>
+              <a:defRPr sz="1600" b="1"/>
+            </a:lvl6pPr>
+            <a:lvl7pPr marL="2743200" indent="0">
+              <a:buNone/>
+              <a:defRPr sz="1600" b="1"/>
+            </a:lvl7pPr>
+            <a:lvl8pPr marL="3200400" indent="0">
+              <a:buNone/>
+              <a:defRPr sz="1600" b="1"/>
+            </a:lvl8pPr>
+            <a:lvl9pPr marL="3657600" indent="0">
+              <a:buNone/>
+              <a:defRPr sz="1600" b="1"/>
+            </a:lvl9pPr>
+          </a:lstStyle>
+          <a:p>
+            <a:pPr lvl="0"/>
+            <a:r>
+              <a:rPr lang="nl-NL"/>
+              <a:t>Klikken om de tekststijl van het model te bewerken</a:t>
+            </a:r>
+          </a:p>
+        </p:txBody>
+      </p:sp>
+      <p:sp>
+        <p:nvSpPr>
+          <p:cNvPr id="8" name="Text Placeholder 3"/>
+          <p:cNvSpPr>
+            <a:spLocks noGrp="1"/>
+          </p:cNvSpPr>
+          <p:nvPr>
+            <p:ph type="body" sz="half" idx="15"/>
+          </p:nvPr>
+        </p:nvSpPr>
+        <p:spPr>
+          <a:xfrm>
+            <a:off x="685799" y="2904565"/>
+            <a:ext cx="3456432" cy="3314132"/>
+          </a:xfrm>
+        </p:spPr>
+        <p:txBody>
+          <a:bodyPr anchor="t">
+            <a:normAutofit/>
+          </a:bodyPr>
+          <a:lstStyle>
+            <a:lvl1pPr marL="0" indent="0">
+              <a:buNone/>
+              <a:defRPr sz="1400"/>
+            </a:lvl1pPr>
+            <a:lvl2pPr marL="457200" indent="0">
+              <a:buNone/>
+              <a:defRPr sz="1200"/>
+            </a:lvl2pPr>
+            <a:lvl3pPr marL="914400" indent="0">
+              <a:buNone/>
+              <a:defRPr sz="1000"/>
+            </a:lvl3pPr>
+            <a:lvl4pPr marL="1371600" indent="0">
+              <a:buNone/>
+              <a:defRPr sz="900"/>
+            </a:lvl4pPr>
+            <a:lvl5pPr marL="1828800" indent="0">
+              <a:buNone/>
+              <a:defRPr sz="900"/>
+            </a:lvl5pPr>
+            <a:lvl6pPr marL="2286000" indent="0">
+              <a:buNone/>
+              <a:defRPr sz="900"/>
+            </a:lvl6pPr>
+            <a:lvl7pPr marL="2743200" indent="0">
+              <a:buNone/>
+              <a:defRPr sz="900"/>
+            </a:lvl7pPr>
+            <a:lvl8pPr marL="3200400" indent="0">
+              <a:buNone/>
+              <a:defRPr sz="900"/>
+            </a:lvl8pPr>
+            <a:lvl9pPr marL="3657600" indent="0">
+              <a:buNone/>
+              <a:defRPr sz="900"/>
+            </a:lvl9pPr>
+          </a:lstStyle>
+          <a:p>
+            <a:pPr lvl="0"/>
+            <a:r>
+              <a:rPr lang="nl-NL"/>
+              <a:t>Klikken om de tekststijl van het model te bewerken</a:t>
+            </a:r>
+          </a:p>
+        </p:txBody>
+      </p:sp>
+      <p:sp>
+        <p:nvSpPr>
+          <p:cNvPr id="9" name="Text Placeholder 4"/>
+          <p:cNvSpPr>
+            <a:spLocks noGrp="1"/>
+          </p:cNvSpPr>
+          <p:nvPr>
+            <p:ph type="body" sz="quarter" idx="3"/>
+          </p:nvPr>
+        </p:nvSpPr>
+        <p:spPr>
+          <a:xfrm>
+            <a:off x="4368800" y="2201333"/>
+            <a:ext cx="3456432" cy="626534"/>
+          </a:xfrm>
+        </p:spPr>
+        <p:txBody>
+          <a:bodyPr anchor="b">
+            <a:noAutofit/>
+          </a:bodyPr>
+          <a:lstStyle>
+            <a:lvl1pPr marL="0" indent="0">
+              <a:buNone/>
+              <a:defRPr sz="2400" b="0">
+                <a:solidFill>
+                  <a:schemeClr val="tx1"/>
+                </a:solidFill>
+              </a:defRPr>
+            </a:lvl1pPr>
+            <a:lvl2pPr marL="457200" indent="0">
+              <a:buNone/>
+              <a:defRPr sz="2000" b="1"/>
+            </a:lvl2pPr>
+            <a:lvl3pPr marL="914400" indent="0">
+              <a:buNone/>
+              <a:defRPr sz="1800" b="1"/>
+            </a:lvl3pPr>
+            <a:lvl4pPr marL="1371600" indent="0">
+              <a:buNone/>
+              <a:defRPr sz="1600" b="1"/>
+            </a:lvl4pPr>
+            <a:lvl5pPr marL="1828800" indent="0">
+              <a:buNone/>
+              <a:defRPr sz="1600" b="1"/>
+            </a:lvl5pPr>
+            <a:lvl6pPr marL="2286000" indent="0">
+              <a:buNone/>
+              <a:defRPr sz="1600" b="1"/>
+            </a:lvl6pPr>
+            <a:lvl7pPr marL="2743200" indent="0">
+              <a:buNone/>
+              <a:defRPr sz="1600" b="1"/>
+            </a:lvl7pPr>
+            <a:lvl8pPr marL="3200400" indent="0">
+              <a:buNone/>
+              <a:defRPr sz="1600" b="1"/>
+            </a:lvl8pPr>
+            <a:lvl9pPr marL="3657600" indent="0">
+              <a:buNone/>
+              <a:defRPr sz="1600" b="1"/>
+            </a:lvl9pPr>
+          </a:lstStyle>
+          <a:p>
+            <a:pPr lvl="0"/>
+            <a:r>
+              <a:rPr lang="nl-NL"/>
+              <a:t>Klikken om de tekststijl van het model te bewerken</a:t>
+            </a:r>
+          </a:p>
+        </p:txBody>
+      </p:sp>
+      <p:sp>
+        <p:nvSpPr>
+          <p:cNvPr id="10" name="Text Placeholder 3"/>
+          <p:cNvSpPr>
+            <a:spLocks noGrp="1"/>
+          </p:cNvSpPr>
+          <p:nvPr>
+            <p:ph type="body" sz="half" idx="16"/>
+          </p:nvPr>
+        </p:nvSpPr>
+        <p:spPr>
+          <a:xfrm>
+            <a:off x="4366858" y="2904067"/>
+            <a:ext cx="3456432" cy="3314618"/>
+          </a:xfrm>
+        </p:spPr>
+        <p:txBody>
+          <a:bodyPr anchor="t">
+            <a:normAutofit/>
+          </a:bodyPr>
+          <a:lstStyle>
+            <a:lvl1pPr marL="0" indent="0">
+              <a:buNone/>
+              <a:defRPr sz="1400"/>
+            </a:lvl1pPr>
+            <a:lvl2pPr marL="457200" indent="0">
+              <a:buNone/>
+              <a:defRPr sz="1200"/>
+            </a:lvl2pPr>
+            <a:lvl3pPr marL="914400" indent="0">
+              <a:buNone/>
+              <a:defRPr sz="1000"/>
+            </a:lvl3pPr>
+            <a:lvl4pPr marL="1371600" indent="0">
+              <a:buNone/>
+              <a:defRPr sz="900"/>
+            </a:lvl4pPr>
+            <a:lvl5pPr marL="1828800" indent="0">
+              <a:buNone/>
+              <a:defRPr sz="900"/>
+            </a:lvl5pPr>
+            <a:lvl6pPr marL="2286000" indent="0">
+              <a:buNone/>
+              <a:defRPr sz="900"/>
+            </a:lvl6pPr>
+            <a:lvl7pPr marL="2743200" indent="0">
+              <a:buNone/>
+              <a:defRPr sz="900"/>
+            </a:lvl7pPr>
+            <a:lvl8pPr marL="3200400" indent="0">
+              <a:buNone/>
+              <a:defRPr sz="900"/>
+            </a:lvl8pPr>
+            <a:lvl9pPr marL="3657600" indent="0">
+              <a:buNone/>
+              <a:defRPr sz="900"/>
+            </a:lvl9pPr>
+          </a:lstStyle>
+          <a:p>
+            <a:pPr lvl="0"/>
+            <a:r>
+              <a:rPr lang="nl-NL"/>
+              <a:t>Klikken om de tekststijl van het model te bewerken</a:t>
+            </a:r>
+          </a:p>
+        </p:txBody>
+      </p:sp>
+      <p:sp>
+        <p:nvSpPr>
+          <p:cNvPr id="11" name="Text Placeholder 4"/>
+          <p:cNvSpPr>
+            <a:spLocks noGrp="1"/>
+          </p:cNvSpPr>
+          <p:nvPr>
+            <p:ph type="body" sz="quarter" idx="13"/>
+          </p:nvPr>
+        </p:nvSpPr>
+        <p:spPr>
+          <a:xfrm>
+            <a:off x="8051800" y="2192866"/>
+            <a:ext cx="3456432" cy="626534"/>
+          </a:xfrm>
+        </p:spPr>
+        <p:txBody>
+          <a:bodyPr anchor="b">
+            <a:noAutofit/>
+          </a:bodyPr>
+          <a:lstStyle>
+            <a:lvl1pPr marL="0" indent="0">
+              <a:buNone/>
+              <a:defRPr sz="2400" b="0">
+                <a:solidFill>
+                  <a:schemeClr val="tx1"/>
+                </a:solidFill>
+              </a:defRPr>
+            </a:lvl1pPr>
+            <a:lvl2pPr marL="457200" indent="0">
+              <a:buNone/>
+              <a:defRPr sz="2000" b="1"/>
+            </a:lvl2pPr>
+            <a:lvl3pPr marL="914400" indent="0">
+              <a:buNone/>
+              <a:defRPr sz="1800" b="1"/>
+            </a:lvl3pPr>
+            <a:lvl4pPr marL="1371600" indent="0">
+              <a:buNone/>
+              <a:defRPr sz="1600" b="1"/>
+            </a:lvl4pPr>
+            <a:lvl5pPr marL="1828800" indent="0">
+              <a:buNone/>
+              <a:defRPr sz="1600" b="1"/>
+            </a:lvl5pPr>
+            <a:lvl6pPr marL="2286000" indent="0">
+              <a:buNone/>
+              <a:defRPr sz="1600" b="1"/>
+            </a:lvl6pPr>
+            <a:lvl7pPr marL="2743200" indent="0">
+              <a:buNone/>
+              <a:defRPr sz="1600" b="1"/>
+            </a:lvl7pPr>
+            <a:lvl8pPr marL="3200400" indent="0">
+              <a:buNone/>
+              <a:defRPr sz="1600" b="1"/>
+            </a:lvl8pPr>
+            <a:lvl9pPr marL="3657600" indent="0">
+              <a:buNone/>
+              <a:defRPr sz="1600" b="1"/>
+            </a:lvl9pPr>
+          </a:lstStyle>
+          <a:p>
+            <a:pPr lvl="0"/>
+            <a:r>
+              <a:rPr lang="nl-NL"/>
+              <a:t>Klikken om de tekststijl van het model te bewerken</a:t>
+            </a:r>
+          </a:p>
+        </p:txBody>
+      </p:sp>
+      <p:sp>
+        <p:nvSpPr>
+          <p:cNvPr id="12" name="Text Placeholder 3"/>
+          <p:cNvSpPr>
+            <a:spLocks noGrp="1"/>
+          </p:cNvSpPr>
+          <p:nvPr>
+            <p:ph type="body" sz="half" idx="17"/>
+          </p:nvPr>
+        </p:nvSpPr>
+        <p:spPr>
+          <a:xfrm>
+            <a:off x="8051801" y="2904565"/>
+            <a:ext cx="3456432" cy="3314132"/>
+          </a:xfrm>
+        </p:spPr>
+        <p:txBody>
+          <a:bodyPr anchor="t">
+            <a:normAutofit/>
+          </a:bodyPr>
+          <a:lstStyle>
+            <a:lvl1pPr marL="0" indent="0">
+              <a:buNone/>
+              <a:defRPr sz="1400"/>
+            </a:lvl1pPr>
+            <a:lvl2pPr marL="457200" indent="0">
+              <a:buNone/>
+              <a:defRPr sz="1200"/>
+            </a:lvl2pPr>
+            <a:lvl3pPr marL="914400" indent="0">
+              <a:buNone/>
+              <a:defRPr sz="1000"/>
+            </a:lvl3pPr>
+            <a:lvl4pPr marL="1371600" indent="0">
+              <a:buNone/>
+              <a:defRPr sz="900"/>
+            </a:lvl4pPr>
+            <a:lvl5pPr marL="1828800" indent="0">
+              <a:buNone/>
+              <a:defRPr sz="900"/>
+            </a:lvl5pPr>
+            <a:lvl6pPr marL="2286000" indent="0">
+              <a:buNone/>
+              <a:defRPr sz="900"/>
+            </a:lvl6pPr>
+            <a:lvl7pPr marL="2743200" indent="0">
+              <a:buNone/>
+              <a:defRPr sz="900"/>
+            </a:lvl7pPr>
+            <a:lvl8pPr marL="3200400" indent="0">
+              <a:buNone/>
+              <a:defRPr sz="900"/>
+            </a:lvl8pPr>
+            <a:lvl9pPr marL="3657600" indent="0">
+              <a:buNone/>
+              <a:defRPr sz="900"/>
+            </a:lvl9pPr>
+          </a:lstStyle>
+          <a:p>
+            <a:pPr lvl="0"/>
+            <a:r>
+              <a:rPr lang="nl-NL"/>
+              <a:t>Klikken om de tekststijl van het model te bewerken</a:t>
+            </a:r>
+          </a:p>
+        </p:txBody>
+      </p:sp>
+      <p:sp>
+        <p:nvSpPr>
+          <p:cNvPr id="3" name="Date Placeholder 2"/>
+          <p:cNvSpPr>
+            <a:spLocks noGrp="1"/>
+          </p:cNvSpPr>
+          <p:nvPr>
+            <p:ph type="dt" sz="half" idx="10"/>
+          </p:nvPr>
+        </p:nvSpPr>
+        <p:spPr/>
+        <p:txBody>
+          <a:bodyPr/>
+          <a:lstStyle/>
+          <a:p>
+            <a:fld id="{FB97B69C-07EE-414A-9456-59AC50FBC7A2}" type="datetimeFigureOut">
+              <a:rPr lang="nl-NL" smtClean="0"/>
+              <a:t>16-9-2025</a:t>
+            </a:fld>
+            <a:endParaRPr lang="nl-NL"/>
+          </a:p>
+        </p:txBody>
+      </p:sp>
+      <p:sp>
+        <p:nvSpPr>
+          <p:cNvPr id="4" name="Footer Placeholder 3"/>
+          <p:cNvSpPr>
+            <a:spLocks noGrp="1"/>
+          </p:cNvSpPr>
+          <p:nvPr>
+            <p:ph type="ftr" sz="quarter" idx="11"/>
+          </p:nvPr>
+        </p:nvSpPr>
+        <p:spPr/>
+        <p:txBody>
+          <a:bodyPr/>
+          <a:lstStyle/>
+          <a:p>
+            <a:endParaRPr lang="nl-NL"/>
+          </a:p>
+        </p:txBody>
+      </p:sp>
+      <p:sp>
+        <p:nvSpPr>
+          <p:cNvPr id="5" name="Slide Number Placeholder 4"/>
+          <p:cNvSpPr>
+            <a:spLocks noGrp="1"/>
+          </p:cNvSpPr>
+          <p:nvPr>
+            <p:ph type="sldNum" sz="quarter" idx="12"/>
+          </p:nvPr>
+        </p:nvSpPr>
+        <p:spPr/>
+        <p:txBody>
+          <a:bodyPr/>
+          <a:lstStyle/>
+          <a:p>
+            <a:fld id="{DC390232-FE28-44D7-9B65-4EC6C9A2BEAB}" type="slidenum">
+              <a:rPr lang="nl-NL" smtClean="0"/>
+              <a:t>‹nr.›</a:t>
+            </a:fld>
+            <a:endParaRPr lang="nl-NL"/>
+          </a:p>
+        </p:txBody>
+      </p:sp>
+    </p:spTree>
+    <p:extLst>
+      <p:ext uri="{BB962C8B-B14F-4D97-AF65-F5344CB8AC3E}">
+        <p14:creationId xmlns:p14="http://schemas.microsoft.com/office/powerpoint/2010/main" val="745150512"/>
+      </p:ext>
+    </p:extLst>
+  </p:cSld>
+  <p:clrMapOvr>
+    <a:masterClrMapping/>
+  </p:clrMapOvr>
+</p:sldLayout>
+</file>
+
+<file path=ppt/slideLayouts/slideLayout15.xml><?xml version="1.0" encoding="utf-8"?>
+<p:sldLayout xmlns:a="http://schemas.openxmlformats.org/drawingml/2006/main" xmlns:r="http://schemas.openxmlformats.org/officeDocument/2006/relationships" xmlns:p="http://schemas.openxmlformats.org/presentationml/2006/main" preserve="1">
+  <p:cSld name="3 Afbeelding-kolom">
+    <p:spTree>
+      <p:nvGrpSpPr>
+        <p:cNvPr id="1" name=""/>
+        <p:cNvGrpSpPr/>
+        <p:nvPr/>
+      </p:nvGrpSpPr>
+      <p:grpSpPr>
+        <a:xfrm>
+          <a:off x="0" y="0"/>
+          <a:ext cx="0" cy="0"/>
+          <a:chOff x="0" y="0"/>
+          <a:chExt cx="0" cy="0"/>
+        </a:xfrm>
+      </p:grpSpPr>
+      <p:sp>
+        <p:nvSpPr>
+          <p:cNvPr id="30" name="Title 1"/>
+          <p:cNvSpPr>
+            <a:spLocks noGrp="1"/>
+          </p:cNvSpPr>
+          <p:nvPr>
+            <p:ph type="title"/>
+          </p:nvPr>
+        </p:nvSpPr>
+        <p:spPr>
+          <a:xfrm>
+            <a:off x="2895600" y="762000"/>
+            <a:ext cx="8610599" cy="1295400"/>
+          </a:xfrm>
+        </p:spPr>
+        <p:txBody>
+          <a:bodyPr/>
+          <a:lstStyle/>
+          <a:p>
+            <a:r>
+              <a:rPr lang="nl-NL"/>
+              <a:t>Klik om stijl te bewerken</a:t>
+            </a:r>
+            <a:endParaRPr lang="en-US" dirty="0"/>
+          </a:p>
+        </p:txBody>
+      </p:sp>
+      <p:sp>
+        <p:nvSpPr>
+          <p:cNvPr id="19" name="Text Placeholder 2"/>
+          <p:cNvSpPr>
+            <a:spLocks noGrp="1"/>
+          </p:cNvSpPr>
+          <p:nvPr>
+            <p:ph type="body" idx="1"/>
+          </p:nvPr>
+        </p:nvSpPr>
+        <p:spPr>
+          <a:xfrm>
+            <a:off x="688618" y="4191000"/>
+            <a:ext cx="3451582" cy="682765"/>
+          </a:xfrm>
+        </p:spPr>
+        <p:txBody>
+          <a:bodyPr anchor="b">
+            <a:noAutofit/>
+          </a:bodyPr>
+          <a:lstStyle>
+            <a:lvl1pPr marL="0" indent="0">
+              <a:buNone/>
+              <a:defRPr sz="2400" b="0">
+                <a:solidFill>
+                  <a:schemeClr val="tx1"/>
+                </a:solidFill>
+              </a:defRPr>
+            </a:lvl1pPr>
+            <a:lvl2pPr marL="457200" indent="0">
+              <a:buNone/>
+              <a:defRPr sz="2000" b="1"/>
+            </a:lvl2pPr>
+            <a:lvl3pPr marL="914400" indent="0">
+              <a:buNone/>
+              <a:defRPr sz="1800" b="1"/>
+            </a:lvl3pPr>
+            <a:lvl4pPr marL="1371600" indent="0">
+              <a:buNone/>
+              <a:defRPr sz="1600" b="1"/>
+            </a:lvl4pPr>
+            <a:lvl5pPr marL="1828800" indent="0">
+              <a:buNone/>
+              <a:defRPr sz="1600" b="1"/>
+            </a:lvl5pPr>
+            <a:lvl6pPr marL="2286000" indent="0">
+              <a:buNone/>
+              <a:defRPr sz="1600" b="1"/>
+            </a:lvl6pPr>
+            <a:lvl7pPr marL="2743200" indent="0">
+              <a:buNone/>
+              <a:defRPr sz="1600" b="1"/>
+            </a:lvl7pPr>
+            <a:lvl8pPr marL="3200400" indent="0">
+              <a:buNone/>
+              <a:defRPr sz="1600" b="1"/>
+            </a:lvl8pPr>
+            <a:lvl9pPr marL="3657600" indent="0">
+              <a:buNone/>
+              <a:defRPr sz="1600" b="1"/>
+            </a:lvl9pPr>
+          </a:lstStyle>
+          <a:p>
+            <a:pPr lvl="0"/>
+            <a:r>
+              <a:rPr lang="nl-NL"/>
+              <a:t>Klikken om de tekststijl van het model te bewerken</a:t>
+            </a:r>
+          </a:p>
+        </p:txBody>
+      </p:sp>
+      <p:sp>
+        <p:nvSpPr>
+          <p:cNvPr id="20" name="Picture Placeholder 2"/>
+          <p:cNvSpPr>
+            <a:spLocks noGrp="1" noChangeAspect="1"/>
+          </p:cNvSpPr>
+          <p:nvPr>
+            <p:ph type="pic" idx="15"/>
+          </p:nvPr>
+        </p:nvSpPr>
+        <p:spPr>
+          <a:xfrm>
+            <a:off x="688618" y="2362200"/>
+            <a:ext cx="3451582" cy="1524000"/>
+          </a:xfrm>
+          <a:prstGeom prst="roundRect">
+            <a:avLst>
+              <a:gd name="adj" fmla="val 0"/>
+            </a:avLst>
+          </a:prstGeom>
+          <a:effectLst>
+            <a:outerShdw blurRad="50800" dist="50800" dir="5400000" algn="tl" rotWithShape="0">
+              <a:srgbClr val="000000">
+                <a:alpha val="43000"/>
+              </a:srgbClr>
+            </a:outerShdw>
+          </a:effectLst>
+        </p:spPr>
+        <p:txBody>
+          <a:bodyPr anchor="t">
+            <a:normAutofit/>
+          </a:bodyPr>
+          <a:lstStyle>
+            <a:lvl1pPr marL="0" indent="0" algn="ctr">
+              <a:buNone/>
+              <a:defRPr sz="1600"/>
+            </a:lvl1pPr>
+            <a:lvl2pPr marL="457200" indent="0">
+              <a:buNone/>
+              <a:defRPr sz="1600"/>
+            </a:lvl2pPr>
+            <a:lvl3pPr marL="914400" indent="0">
+              <a:buNone/>
+              <a:defRPr sz="1600"/>
+            </a:lvl3pPr>
+            <a:lvl4pPr marL="1371600" indent="0">
+              <a:buNone/>
+              <a:defRPr sz="1600"/>
+            </a:lvl4pPr>
+            <a:lvl5pPr marL="1828800" indent="0">
+              <a:buNone/>
+              <a:defRPr sz="1600"/>
+            </a:lvl5pPr>
+            <a:lvl6pPr marL="2286000" indent="0">
+              <a:buNone/>
+              <a:defRPr sz="1600"/>
+            </a:lvl6pPr>
+            <a:lvl7pPr marL="2743200" indent="0">
+              <a:buNone/>
+              <a:defRPr sz="1600"/>
+            </a:lvl7pPr>
+            <a:lvl8pPr marL="3200400" indent="0">
+              <a:buNone/>
+              <a:defRPr sz="1600"/>
+            </a:lvl8pPr>
+            <a:lvl9pPr marL="3657600" indent="0">
+              <a:buNone/>
+              <a:defRPr sz="1600"/>
+            </a:lvl9pPr>
+          </a:lstStyle>
+          <a:p>
+            <a:r>
+              <a:rPr lang="nl-NL"/>
+              <a:t>Klik op het pictogram als u een afbeelding wilt toevoegen</a:t>
+            </a:r>
+            <a:endParaRPr lang="en-US" dirty="0"/>
+          </a:p>
+        </p:txBody>
+      </p:sp>
+      <p:sp>
+        <p:nvSpPr>
+          <p:cNvPr id="21" name="Text Placeholder 3"/>
+          <p:cNvSpPr>
+            <a:spLocks noGrp="1"/>
+          </p:cNvSpPr>
+          <p:nvPr>
+            <p:ph type="body" sz="half" idx="18"/>
+          </p:nvPr>
+        </p:nvSpPr>
+        <p:spPr>
+          <a:xfrm>
+            <a:off x="688618" y="4873764"/>
+            <a:ext cx="3451582" cy="1344921"/>
+          </a:xfrm>
+        </p:spPr>
+        <p:txBody>
+          <a:bodyPr anchor="t">
+            <a:normAutofit/>
+          </a:bodyPr>
+          <a:lstStyle>
+            <a:lvl1pPr marL="0" indent="0">
+              <a:buNone/>
+              <a:defRPr sz="1400"/>
+            </a:lvl1pPr>
+            <a:lvl2pPr marL="457200" indent="0">
+              <a:buNone/>
+              <a:defRPr sz="1200"/>
+            </a:lvl2pPr>
+            <a:lvl3pPr marL="914400" indent="0">
+              <a:buNone/>
+              <a:defRPr sz="1000"/>
+            </a:lvl3pPr>
+            <a:lvl4pPr marL="1371600" indent="0">
+              <a:buNone/>
+              <a:defRPr sz="900"/>
+            </a:lvl4pPr>
+            <a:lvl5pPr marL="1828800" indent="0">
+              <a:buNone/>
+              <a:defRPr sz="900"/>
+            </a:lvl5pPr>
+            <a:lvl6pPr marL="2286000" indent="0">
+              <a:buNone/>
+              <a:defRPr sz="900"/>
+            </a:lvl6pPr>
+            <a:lvl7pPr marL="2743200" indent="0">
+              <a:buNone/>
+              <a:defRPr sz="900"/>
+            </a:lvl7pPr>
+            <a:lvl8pPr marL="3200400" indent="0">
+              <a:buNone/>
+              <a:defRPr sz="900"/>
+            </a:lvl8pPr>
+            <a:lvl9pPr marL="3657600" indent="0">
+              <a:buNone/>
+              <a:defRPr sz="900"/>
+            </a:lvl9pPr>
+          </a:lstStyle>
+          <a:p>
+            <a:pPr lvl="0"/>
+            <a:r>
+              <a:rPr lang="nl-NL"/>
+              <a:t>Klikken om de tekststijl van het model te bewerken</a:t>
+            </a:r>
+          </a:p>
+        </p:txBody>
+      </p:sp>
+      <p:sp>
+        <p:nvSpPr>
+          <p:cNvPr id="22" name="Text Placeholder 4"/>
+          <p:cNvSpPr>
+            <a:spLocks noGrp="1"/>
+          </p:cNvSpPr>
+          <p:nvPr>
+            <p:ph type="body" sz="quarter" idx="3"/>
+          </p:nvPr>
+        </p:nvSpPr>
+        <p:spPr>
+          <a:xfrm>
+            <a:off x="4374263" y="4191000"/>
+            <a:ext cx="3448935" cy="682765"/>
+          </a:xfrm>
+        </p:spPr>
+        <p:txBody>
+          <a:bodyPr anchor="b">
+            <a:noAutofit/>
+          </a:bodyPr>
+          <a:lstStyle>
+            <a:lvl1pPr marL="0" indent="0">
+              <a:buNone/>
+              <a:defRPr sz="2400" b="0">
+                <a:solidFill>
+                  <a:schemeClr val="tx1"/>
+                </a:solidFill>
+              </a:defRPr>
+            </a:lvl1pPr>
+            <a:lvl2pPr marL="457200" indent="0">
+              <a:buNone/>
+              <a:defRPr sz="2000" b="1"/>
+            </a:lvl2pPr>
+            <a:lvl3pPr marL="914400" indent="0">
+              <a:buNone/>
+              <a:defRPr sz="1800" b="1"/>
+            </a:lvl3pPr>
+            <a:lvl4pPr marL="1371600" indent="0">
+              <a:buNone/>
+              <a:defRPr sz="1600" b="1"/>
+            </a:lvl4pPr>
+            <a:lvl5pPr marL="1828800" indent="0">
+              <a:buNone/>
+              <a:defRPr sz="1600" b="1"/>
+            </a:lvl5pPr>
+            <a:lvl6pPr marL="2286000" indent="0">
+              <a:buNone/>
+              <a:defRPr sz="1600" b="1"/>
+            </a:lvl6pPr>
+            <a:lvl7pPr marL="2743200" indent="0">
+              <a:buNone/>
+              <a:defRPr sz="1600" b="1"/>
+            </a:lvl7pPr>
+            <a:lvl8pPr marL="3200400" indent="0">
+              <a:buNone/>
+              <a:defRPr sz="1600" b="1"/>
+            </a:lvl8pPr>
+            <a:lvl9pPr marL="3657600" indent="0">
+              <a:buNone/>
+              <a:defRPr sz="1600" b="1"/>
+            </a:lvl9pPr>
+          </a:lstStyle>
+          <a:p>
+            <a:pPr lvl="0"/>
+            <a:r>
+              <a:rPr lang="nl-NL"/>
+              <a:t>Klikken om de tekststijl van het model te bewerken</a:t>
+            </a:r>
+          </a:p>
+        </p:txBody>
+      </p:sp>
+      <p:sp>
+        <p:nvSpPr>
+          <p:cNvPr id="23" name="Picture Placeholder 2"/>
+          <p:cNvSpPr>
+            <a:spLocks noGrp="1" noChangeAspect="1"/>
+          </p:cNvSpPr>
+          <p:nvPr>
+            <p:ph type="pic" idx="21"/>
+          </p:nvPr>
+        </p:nvSpPr>
+        <p:spPr>
+          <a:xfrm>
+            <a:off x="4374263" y="2362200"/>
+            <a:ext cx="3448936" cy="1524000"/>
+          </a:xfrm>
+          <a:prstGeom prst="roundRect">
+            <a:avLst>
+              <a:gd name="adj" fmla="val 0"/>
+            </a:avLst>
+          </a:prstGeom>
+          <a:effectLst>
+            <a:outerShdw blurRad="50800" dist="50800" dir="5400000" algn="tl" rotWithShape="0">
+              <a:srgbClr val="000000">
+                <a:alpha val="43000"/>
+              </a:srgbClr>
+            </a:outerShdw>
+          </a:effectLst>
+        </p:spPr>
+        <p:txBody>
+          <a:bodyPr anchor="t">
+            <a:normAutofit/>
+          </a:bodyPr>
+          <a:lstStyle>
+            <a:lvl1pPr marL="0" indent="0" algn="ctr">
+              <a:buNone/>
+              <a:defRPr sz="1600"/>
+            </a:lvl1pPr>
+            <a:lvl2pPr marL="457200" indent="0">
+              <a:buNone/>
+              <a:defRPr sz="1600"/>
+            </a:lvl2pPr>
+            <a:lvl3pPr marL="914400" indent="0">
+              <a:buNone/>
+              <a:defRPr sz="1600"/>
+            </a:lvl3pPr>
+            <a:lvl4pPr marL="1371600" indent="0">
+              <a:buNone/>
+              <a:defRPr sz="1600"/>
+            </a:lvl4pPr>
+            <a:lvl5pPr marL="1828800" indent="0">
+              <a:buNone/>
+              <a:defRPr sz="1600"/>
+            </a:lvl5pPr>
+            <a:lvl6pPr marL="2286000" indent="0">
+              <a:buNone/>
+              <a:defRPr sz="1600"/>
+            </a:lvl6pPr>
+            <a:lvl7pPr marL="2743200" indent="0">
+              <a:buNone/>
+              <a:defRPr sz="1600"/>
+            </a:lvl7pPr>
+            <a:lvl8pPr marL="3200400" indent="0">
+              <a:buNone/>
+              <a:defRPr sz="1600"/>
+            </a:lvl8pPr>
+            <a:lvl9pPr marL="3657600" indent="0">
+              <a:buNone/>
+              <a:defRPr sz="1600"/>
+            </a:lvl9pPr>
+          </a:lstStyle>
+          <a:p>
+            <a:r>
+              <a:rPr lang="nl-NL"/>
+              <a:t>Klik op het pictogram als u een afbeelding wilt toevoegen</a:t>
+            </a:r>
+            <a:endParaRPr lang="en-US" dirty="0"/>
+          </a:p>
+        </p:txBody>
+      </p:sp>
+      <p:sp>
+        <p:nvSpPr>
+          <p:cNvPr id="24" name="Text Placeholder 3"/>
+          <p:cNvSpPr>
+            <a:spLocks noGrp="1"/>
+          </p:cNvSpPr>
+          <p:nvPr>
+            <p:ph type="body" sz="half" idx="19"/>
+          </p:nvPr>
+        </p:nvSpPr>
+        <p:spPr>
+          <a:xfrm>
+            <a:off x="4374264" y="4873763"/>
+            <a:ext cx="3448935" cy="1344921"/>
+          </a:xfrm>
+        </p:spPr>
+        <p:txBody>
+          <a:bodyPr anchor="t">
+            <a:normAutofit/>
+          </a:bodyPr>
+          <a:lstStyle>
+            <a:lvl1pPr marL="0" indent="0">
+              <a:buNone/>
+              <a:defRPr sz="1400"/>
+            </a:lvl1pPr>
+            <a:lvl2pPr marL="457200" indent="0">
+              <a:buNone/>
+              <a:defRPr sz="1200"/>
+            </a:lvl2pPr>
+            <a:lvl3pPr marL="914400" indent="0">
+              <a:buNone/>
+              <a:defRPr sz="1000"/>
+            </a:lvl3pPr>
+            <a:lvl4pPr marL="1371600" indent="0">
+              <a:buNone/>
+              <a:defRPr sz="900"/>
+            </a:lvl4pPr>
+            <a:lvl5pPr marL="1828800" indent="0">
+              <a:buNone/>
+              <a:defRPr sz="900"/>
+            </a:lvl5pPr>
+            <a:lvl6pPr marL="2286000" indent="0">
+              <a:buNone/>
+              <a:defRPr sz="900"/>
+            </a:lvl6pPr>
+            <a:lvl7pPr marL="2743200" indent="0">
+              <a:buNone/>
+              <a:defRPr sz="900"/>
+            </a:lvl7pPr>
+            <a:lvl8pPr marL="3200400" indent="0">
+              <a:buNone/>
+              <a:defRPr sz="900"/>
+            </a:lvl8pPr>
+            <a:lvl9pPr marL="3657600" indent="0">
+              <a:buNone/>
+              <a:defRPr sz="900"/>
+            </a:lvl9pPr>
+          </a:lstStyle>
+          <a:p>
+            <a:pPr lvl="0"/>
+            <a:r>
+              <a:rPr lang="nl-NL"/>
+              <a:t>Klikken om de tekststijl van het model te bewerken</a:t>
+            </a:r>
+          </a:p>
+        </p:txBody>
+      </p:sp>
+      <p:sp>
+        <p:nvSpPr>
+          <p:cNvPr id="25" name="Text Placeholder 4"/>
+          <p:cNvSpPr>
+            <a:spLocks noGrp="1"/>
+          </p:cNvSpPr>
+          <p:nvPr>
+            <p:ph type="body" sz="quarter" idx="13"/>
+          </p:nvPr>
+        </p:nvSpPr>
+        <p:spPr>
+          <a:xfrm>
+            <a:off x="8049731" y="4191000"/>
+            <a:ext cx="3456469" cy="682765"/>
+          </a:xfrm>
+        </p:spPr>
+        <p:txBody>
+          <a:bodyPr anchor="b">
+            <a:noAutofit/>
+          </a:bodyPr>
+          <a:lstStyle>
+            <a:lvl1pPr marL="0" indent="0">
+              <a:buNone/>
+              <a:defRPr sz="2400" b="0">
+                <a:solidFill>
+                  <a:schemeClr val="tx1"/>
+                </a:solidFill>
+              </a:defRPr>
+            </a:lvl1pPr>
+            <a:lvl2pPr marL="457200" indent="0">
+              <a:buNone/>
+              <a:defRPr sz="2000" b="1"/>
+            </a:lvl2pPr>
+            <a:lvl3pPr marL="914400" indent="0">
+              <a:buNone/>
+              <a:defRPr sz="1800" b="1"/>
+            </a:lvl3pPr>
+            <a:lvl4pPr marL="1371600" indent="0">
+              <a:buNone/>
+              <a:defRPr sz="1600" b="1"/>
+            </a:lvl4pPr>
+            <a:lvl5pPr marL="1828800" indent="0">
+              <a:buNone/>
+              <a:defRPr sz="1600" b="1"/>
+            </a:lvl5pPr>
+            <a:lvl6pPr marL="2286000" indent="0">
+              <a:buNone/>
+              <a:defRPr sz="1600" b="1"/>
+            </a:lvl6pPr>
+            <a:lvl7pPr marL="2743200" indent="0">
+              <a:buNone/>
+              <a:defRPr sz="1600" b="1"/>
+            </a:lvl7pPr>
+            <a:lvl8pPr marL="3200400" indent="0">
+              <a:buNone/>
+              <a:defRPr sz="1600" b="1"/>
+            </a:lvl8pPr>
+            <a:lvl9pPr marL="3657600" indent="0">
+              <a:buNone/>
+              <a:defRPr sz="1600" b="1"/>
+            </a:lvl9pPr>
+          </a:lstStyle>
+          <a:p>
+            <a:pPr lvl="0"/>
+            <a:r>
+              <a:rPr lang="nl-NL"/>
+              <a:t>Klikken om de tekststijl van het model te bewerken</a:t>
+            </a:r>
+          </a:p>
+        </p:txBody>
+      </p:sp>
+      <p:sp>
+        <p:nvSpPr>
+          <p:cNvPr id="26" name="Picture Placeholder 2"/>
+          <p:cNvSpPr>
+            <a:spLocks noGrp="1" noChangeAspect="1"/>
+          </p:cNvSpPr>
+          <p:nvPr>
+            <p:ph type="pic" idx="22"/>
+          </p:nvPr>
+        </p:nvSpPr>
+        <p:spPr>
+          <a:xfrm>
+            <a:off x="8049855" y="2362200"/>
+            <a:ext cx="3447878" cy="1524000"/>
+          </a:xfrm>
+          <a:prstGeom prst="roundRect">
+            <a:avLst>
+              <a:gd name="adj" fmla="val 0"/>
+            </a:avLst>
+          </a:prstGeom>
+          <a:effectLst>
+            <a:outerShdw blurRad="50800" dist="50800" dir="5400000" algn="tl" rotWithShape="0">
+              <a:srgbClr val="000000">
+                <a:alpha val="43000"/>
+              </a:srgbClr>
+            </a:outerShdw>
+          </a:effectLst>
+        </p:spPr>
+        <p:txBody>
+          <a:bodyPr anchor="t">
+            <a:normAutofit/>
+          </a:bodyPr>
+          <a:lstStyle>
+            <a:lvl1pPr marL="0" indent="0" algn="ctr">
+              <a:buNone/>
+              <a:defRPr sz="1600"/>
+            </a:lvl1pPr>
+            <a:lvl2pPr marL="457200" indent="0">
+              <a:buNone/>
+              <a:defRPr sz="1600"/>
+            </a:lvl2pPr>
+            <a:lvl3pPr marL="914400" indent="0">
+              <a:buNone/>
+              <a:defRPr sz="1600"/>
+            </a:lvl3pPr>
+            <a:lvl4pPr marL="1371600" indent="0">
+              <a:buNone/>
+              <a:defRPr sz="1600"/>
+            </a:lvl4pPr>
+            <a:lvl5pPr marL="1828800" indent="0">
+              <a:buNone/>
+              <a:defRPr sz="1600"/>
+            </a:lvl5pPr>
+            <a:lvl6pPr marL="2286000" indent="0">
+              <a:buNone/>
+              <a:defRPr sz="1600"/>
+            </a:lvl6pPr>
+            <a:lvl7pPr marL="2743200" indent="0">
+              <a:buNone/>
+              <a:defRPr sz="1600"/>
+            </a:lvl7pPr>
+            <a:lvl8pPr marL="3200400" indent="0">
+              <a:buNone/>
+              <a:defRPr sz="1600"/>
+            </a:lvl8pPr>
+            <a:lvl9pPr marL="3657600" indent="0">
+              <a:buNone/>
+              <a:defRPr sz="1600"/>
+            </a:lvl9pPr>
+          </a:lstStyle>
+          <a:p>
+            <a:r>
+              <a:rPr lang="nl-NL"/>
+              <a:t>Klik op het pictogram als u een afbeelding wilt toevoegen</a:t>
+            </a:r>
+            <a:endParaRPr lang="en-US" dirty="0"/>
+          </a:p>
+        </p:txBody>
+      </p:sp>
+      <p:sp>
+        <p:nvSpPr>
+          <p:cNvPr id="27" name="Text Placeholder 3"/>
+          <p:cNvSpPr>
+            <a:spLocks noGrp="1"/>
+          </p:cNvSpPr>
+          <p:nvPr>
+            <p:ph type="body" sz="half" idx="20"/>
+          </p:nvPr>
+        </p:nvSpPr>
+        <p:spPr>
+          <a:xfrm>
+            <a:off x="8049731" y="4873761"/>
+            <a:ext cx="3452445" cy="1344921"/>
+          </a:xfrm>
+        </p:spPr>
+        <p:txBody>
+          <a:bodyPr anchor="t">
+            <a:normAutofit/>
+          </a:bodyPr>
+          <a:lstStyle>
+            <a:lvl1pPr marL="0" indent="0">
+              <a:buNone/>
+              <a:defRPr sz="1400"/>
+            </a:lvl1pPr>
+            <a:lvl2pPr marL="457200" indent="0">
+              <a:buNone/>
+              <a:defRPr sz="1200"/>
+            </a:lvl2pPr>
+            <a:lvl3pPr marL="914400" indent="0">
+              <a:buNone/>
+              <a:defRPr sz="1000"/>
+            </a:lvl3pPr>
+            <a:lvl4pPr marL="1371600" indent="0">
+              <a:buNone/>
+              <a:defRPr sz="900"/>
+            </a:lvl4pPr>
+            <a:lvl5pPr marL="1828800" indent="0">
+              <a:buNone/>
+              <a:defRPr sz="900"/>
+            </a:lvl5pPr>
+            <a:lvl6pPr marL="2286000" indent="0">
+              <a:buNone/>
+              <a:defRPr sz="900"/>
+            </a:lvl6pPr>
+            <a:lvl7pPr marL="2743200" indent="0">
+              <a:buNone/>
+              <a:defRPr sz="900"/>
+            </a:lvl7pPr>
+            <a:lvl8pPr marL="3200400" indent="0">
+              <a:buNone/>
+              <a:defRPr sz="900"/>
+            </a:lvl8pPr>
+            <a:lvl9pPr marL="3657600" indent="0">
+              <a:buNone/>
+              <a:defRPr sz="900"/>
+            </a:lvl9pPr>
+          </a:lstStyle>
+          <a:p>
+            <a:pPr lvl="0"/>
+            <a:r>
+              <a:rPr lang="nl-NL"/>
+              <a:t>Klikken om de tekststijl van het model te bewerken</a:t>
+            </a:r>
+          </a:p>
+        </p:txBody>
+      </p:sp>
+      <p:sp>
+        <p:nvSpPr>
+          <p:cNvPr id="3" name="Date Placeholder 2"/>
+          <p:cNvSpPr>
+            <a:spLocks noGrp="1"/>
+          </p:cNvSpPr>
+          <p:nvPr>
+            <p:ph type="dt" sz="half" idx="10"/>
+          </p:nvPr>
+        </p:nvSpPr>
+        <p:spPr/>
+        <p:txBody>
+          <a:bodyPr/>
+          <a:lstStyle/>
+          <a:p>
+            <a:fld id="{FB97B69C-07EE-414A-9456-59AC50FBC7A2}" type="datetimeFigureOut">
+              <a:rPr lang="nl-NL" smtClean="0"/>
+              <a:t>16-9-2025</a:t>
+            </a:fld>
+            <a:endParaRPr lang="nl-NL"/>
+          </a:p>
+        </p:txBody>
+      </p:sp>
+      <p:sp>
+        <p:nvSpPr>
+          <p:cNvPr id="4" name="Footer Placeholder 3"/>
+          <p:cNvSpPr>
+            <a:spLocks noGrp="1"/>
+          </p:cNvSpPr>
+          <p:nvPr>
+            <p:ph type="ftr" sz="quarter" idx="11"/>
+          </p:nvPr>
+        </p:nvSpPr>
+        <p:spPr/>
+        <p:txBody>
+          <a:bodyPr/>
+          <a:lstStyle/>
+          <a:p>
+            <a:endParaRPr lang="nl-NL"/>
+          </a:p>
+        </p:txBody>
+      </p:sp>
+      <p:sp>
+        <p:nvSpPr>
+          <p:cNvPr id="5" name="Slide Number Placeholder 4"/>
+          <p:cNvSpPr>
+            <a:spLocks noGrp="1"/>
+          </p:cNvSpPr>
+          <p:nvPr>
+            <p:ph type="sldNum" sz="quarter" idx="12"/>
+          </p:nvPr>
+        </p:nvSpPr>
+        <p:spPr/>
+        <p:txBody>
+          <a:bodyPr/>
+          <a:lstStyle/>
+          <a:p>
+            <a:fld id="{DC390232-FE28-44D7-9B65-4EC6C9A2BEAB}" type="slidenum">
+              <a:rPr lang="nl-NL" smtClean="0"/>
+              <a:t>‹nr.›</a:t>
+            </a:fld>
+            <a:endParaRPr lang="nl-NL"/>
+          </a:p>
+        </p:txBody>
+      </p:sp>
+    </p:spTree>
+    <p:extLst>
+      <p:ext uri="{BB962C8B-B14F-4D97-AF65-F5344CB8AC3E}">
+        <p14:creationId xmlns:p14="http://schemas.microsoft.com/office/powerpoint/2010/main" val="2780355761"/>
+      </p:ext>
+    </p:extLst>
+  </p:cSld>
+  <p:clrMapOvr>
+    <a:masterClrMapping/>
+  </p:clrMapOvr>
+</p:sldLayout>
+</file>
+
+<file path=ppt/slideLayouts/slideLayout16.xml><?xml version="1.0" encoding="utf-8"?>
 <p:sldLayout xmlns:a="http://schemas.openxmlformats.org/drawingml/2006/main" xmlns:r="http://schemas.openxmlformats.org/officeDocument/2006/relationships" xmlns:p="http://schemas.openxmlformats.org/presentationml/2006/main" type="vertTx" preserve="1">
   <p:cSld name="Titel en verticale tekst">
     <p:spTree>
@@ -352,13 +3224,7 @@
       </p:grpSpPr>
       <p:sp>
         <p:nvSpPr>
-          <p:cNvPr id="2" name="Titel 1">
-            <a:extLst>
-              <a:ext uri="{FF2B5EF4-FFF2-40B4-BE49-F238E27FC236}">
-                <a16:creationId xmlns:a16="http://schemas.microsoft.com/office/drawing/2014/main" id="{FE79A217-7EB0-DFE8-4AC6-731DDD99ABD9}"/>
-              </a:ext>
-            </a:extLst>
-          </p:cNvPr>
+          <p:cNvPr id="2" name="Title 1"/>
           <p:cNvSpPr>
             <a:spLocks noGrp="1"/>
           </p:cNvSpPr>
@@ -375,18 +3241,13 @@
               <a:rPr lang="nl-NL"/>
               <a:t>Klik om stijl te bewerken</a:t>
             </a:r>
-          </a:p>
-        </p:txBody>
-      </p:sp>
-      <p:sp>
-        <p:nvSpPr>
-          <p:cNvPr id="3" name="Tijdelijke aanduiding voor verticale tekst 2">
-            <a:extLst>
-              <a:ext uri="{FF2B5EF4-FFF2-40B4-BE49-F238E27FC236}">
-                <a16:creationId xmlns:a16="http://schemas.microsoft.com/office/drawing/2014/main" id="{374F5F73-A3CC-1B0D-17C5-B9FF0D4B611A}"/>
-              </a:ext>
-            </a:extLst>
-          </p:cNvPr>
+            <a:endParaRPr lang="en-US" dirty="0"/>
+          </a:p>
+        </p:txBody>
+      </p:sp>
+      <p:sp>
+        <p:nvSpPr>
+          <p:cNvPr id="3" name="Vertical Text Placeholder 2"/>
           <p:cNvSpPr>
             <a:spLocks noGrp="1"/>
           </p:cNvSpPr>
@@ -394,7 +3255,12 @@
             <p:ph type="body" orient="vert" idx="1"/>
           </p:nvPr>
         </p:nvSpPr>
-        <p:spPr/>
+        <p:spPr>
+          <a:xfrm>
+            <a:off x="685800" y="2194559"/>
+            <a:ext cx="10820400" cy="4024125"/>
+          </a:xfrm>
+        </p:spPr>
         <p:txBody>
           <a:bodyPr vert="eaVert"/>
           <a:lstStyle/>
@@ -432,18 +3298,13 @@
               <a:rPr lang="nl-NL"/>
               <a:t>Vijfde niveau</a:t>
             </a:r>
-          </a:p>
-        </p:txBody>
-      </p:sp>
-      <p:sp>
-        <p:nvSpPr>
-          <p:cNvPr id="4" name="Tijdelijke aanduiding voor datum 3">
-            <a:extLst>
-              <a:ext uri="{FF2B5EF4-FFF2-40B4-BE49-F238E27FC236}">
-                <a16:creationId xmlns:a16="http://schemas.microsoft.com/office/drawing/2014/main" id="{0CF8BA3F-42AE-D176-E4B1-5F2E30549E9C}"/>
-              </a:ext>
-            </a:extLst>
-          </p:cNvPr>
+            <a:endParaRPr lang="en-US" dirty="0"/>
+          </a:p>
+        </p:txBody>
+      </p:sp>
+      <p:sp>
+        <p:nvSpPr>
+          <p:cNvPr id="4" name="Date Placeholder 3"/>
           <p:cNvSpPr>
             <a:spLocks noGrp="1"/>
           </p:cNvSpPr>
@@ -466,13 +3327,7 @@
       </p:sp>
       <p:sp>
         <p:nvSpPr>
-          <p:cNvPr id="5" name="Tijdelijke aanduiding voor voettekst 4">
-            <a:extLst>
-              <a:ext uri="{FF2B5EF4-FFF2-40B4-BE49-F238E27FC236}">
-                <a16:creationId xmlns:a16="http://schemas.microsoft.com/office/drawing/2014/main" id="{73B8873F-3B8D-6FC0-3C6A-9CFFE30D41C4}"/>
-              </a:ext>
-            </a:extLst>
-          </p:cNvPr>
+          <p:cNvPr id="5" name="Footer Placeholder 4"/>
           <p:cNvSpPr>
             <a:spLocks noGrp="1"/>
           </p:cNvSpPr>
@@ -491,13 +3346,7 @@
       </p:sp>
       <p:sp>
         <p:nvSpPr>
-          <p:cNvPr id="6" name="Tijdelijke aanduiding voor dianummer 5">
-            <a:extLst>
-              <a:ext uri="{FF2B5EF4-FFF2-40B4-BE49-F238E27FC236}">
-                <a16:creationId xmlns:a16="http://schemas.microsoft.com/office/drawing/2014/main" id="{0DA9A9E6-60B2-4BC8-707F-9ABA49402BD9}"/>
-              </a:ext>
-            </a:extLst>
-          </p:cNvPr>
+          <p:cNvPr id="6" name="Slide Number Placeholder 5"/>
           <p:cNvSpPr>
             <a:spLocks noGrp="1"/>
           </p:cNvSpPr>
@@ -521,7 +3370,7 @@
     </p:spTree>
     <p:extLst>
       <p:ext uri="{BB962C8B-B14F-4D97-AF65-F5344CB8AC3E}">
-        <p14:creationId xmlns:p14="http://schemas.microsoft.com/office/powerpoint/2010/main" val="3090159311"/>
+        <p14:creationId xmlns:p14="http://schemas.microsoft.com/office/powerpoint/2010/main" val="3408155870"/>
       </p:ext>
     </p:extLst>
   </p:cSld>
@@ -531,8 +3380,8 @@
 </p:sldLayout>
 </file>
 
-<file path=ppt/slideLayouts/slideLayout11.xml><?xml version="1.0" encoding="utf-8"?>
-<p:sldLayout xmlns:a="http://schemas.openxmlformats.org/drawingml/2006/main" xmlns:r="http://schemas.openxmlformats.org/officeDocument/2006/relationships" xmlns:p="http://schemas.openxmlformats.org/presentationml/2006/main" type="vertTitleAndTx" preserve="1">
+<file path=ppt/slideLayouts/slideLayout17.xml><?xml version="1.0" encoding="utf-8"?>
+<p:sldLayout xmlns:a="http://schemas.openxmlformats.org/drawingml/2006/main" xmlns:r="http://schemas.openxmlformats.org/officeDocument/2006/relationships" xmlns:p="http://schemas.openxmlformats.org/presentationml/2006/main" showMasterSp="0" type="vertTitleAndTx" preserve="1">
   <p:cSld name="Verticale titel en tekst">
     <p:spTree>
       <p:nvGrpSpPr>
@@ -548,15 +3397,39 @@
           <a:chExt cx="0" cy="0"/>
         </a:xfrm>
       </p:grpSpPr>
-      <p:sp>
-        <p:nvSpPr>
-          <p:cNvPr id="2" name="Verticale titel 1">
+      <p:pic>
+        <p:nvPicPr>
+          <p:cNvPr id="8" name="Picture 7" descr="C0-HD-BTM.png"/>
+          <p:cNvPicPr>
+            <a:picLocks noChangeAspect="1"/>
+          </p:cNvPicPr>
+          <p:nvPr/>
+        </p:nvPicPr>
+        <p:blipFill>
+          <a:blip r:embed="rId2">
             <a:extLst>
-              <a:ext uri="{FF2B5EF4-FFF2-40B4-BE49-F238E27FC236}">
-                <a16:creationId xmlns:a16="http://schemas.microsoft.com/office/drawing/2014/main" id="{EC05AE78-C391-6F90-CE81-8FB306D36830}"/>
+              <a:ext uri="{28A0092B-C50C-407E-A947-70E740481C1C}">
+                <a14:useLocalDpi xmlns:a14="http://schemas.microsoft.com/office/drawing/2010/main" val="0"/>
               </a:ext>
             </a:extLst>
-          </p:cNvPr>
+          </a:blip>
+          <a:stretch>
+            <a:fillRect/>
+          </a:stretch>
+        </p:blipFill>
+        <p:spPr>
+          <a:xfrm>
+            <a:off x="0" y="4375150"/>
+            <a:ext cx="12192000" cy="2482850"/>
+          </a:xfrm>
+          <a:prstGeom prst="rect">
+            <a:avLst/>
+          </a:prstGeom>
+        </p:spPr>
+      </p:pic>
+      <p:sp>
+        <p:nvSpPr>
+          <p:cNvPr id="2" name="Vertical Title 1"/>
           <p:cNvSpPr>
             <a:spLocks noGrp="1"/>
           </p:cNvSpPr>
@@ -566,30 +3439,29 @@
         </p:nvSpPr>
         <p:spPr>
           <a:xfrm>
-            <a:off x="8724900" y="365125"/>
-            <a:ext cx="2628900" cy="5811838"/>
+            <a:off x="9448800" y="745066"/>
+            <a:ext cx="2057400" cy="3903133"/>
           </a:xfrm>
         </p:spPr>
         <p:txBody>
           <a:bodyPr vert="eaVert"/>
-          <a:lstStyle/>
+          <a:lstStyle>
+            <a:lvl1pPr algn="l">
+              <a:defRPr/>
+            </a:lvl1pPr>
+          </a:lstStyle>
           <a:p>
             <a:r>
               <a:rPr lang="nl-NL"/>
               <a:t>Klik om stijl te bewerken</a:t>
             </a:r>
-          </a:p>
-        </p:txBody>
-      </p:sp>
-      <p:sp>
-        <p:nvSpPr>
-          <p:cNvPr id="3" name="Tijdelijke aanduiding voor verticale tekst 2">
-            <a:extLst>
-              <a:ext uri="{FF2B5EF4-FFF2-40B4-BE49-F238E27FC236}">
-                <a16:creationId xmlns:a16="http://schemas.microsoft.com/office/drawing/2014/main" id="{3FAE0480-68FE-33F6-2A58-362E701C75CF}"/>
-              </a:ext>
-            </a:extLst>
-          </p:cNvPr>
+            <a:endParaRPr lang="en-US" dirty="0"/>
+          </a:p>
+        </p:txBody>
+      </p:sp>
+      <p:sp>
+        <p:nvSpPr>
+          <p:cNvPr id="3" name="Vertical Text Placeholder 2"/>
           <p:cNvSpPr>
             <a:spLocks noGrp="1"/>
           </p:cNvSpPr>
@@ -599,8 +3471,8 @@
         </p:nvSpPr>
         <p:spPr>
           <a:xfrm>
-            <a:off x="838200" y="365125"/>
-            <a:ext cx="7734300" cy="5811838"/>
+            <a:off x="1024466" y="745067"/>
+            <a:ext cx="8204201" cy="3903133"/>
           </a:xfrm>
         </p:spPr>
         <p:txBody>
@@ -640,18 +3512,13 @@
               <a:rPr lang="nl-NL"/>
               <a:t>Vijfde niveau</a:t>
             </a:r>
-          </a:p>
-        </p:txBody>
-      </p:sp>
-      <p:sp>
-        <p:nvSpPr>
-          <p:cNvPr id="4" name="Tijdelijke aanduiding voor datum 3">
-            <a:extLst>
-              <a:ext uri="{FF2B5EF4-FFF2-40B4-BE49-F238E27FC236}">
-                <a16:creationId xmlns:a16="http://schemas.microsoft.com/office/drawing/2014/main" id="{34056754-7F98-9296-7F0D-EE2384B67354}"/>
-              </a:ext>
-            </a:extLst>
-          </p:cNvPr>
+            <a:endParaRPr lang="en-US" dirty="0"/>
+          </a:p>
+        </p:txBody>
+      </p:sp>
+      <p:sp>
+        <p:nvSpPr>
+          <p:cNvPr id="4" name="Date Placeholder 3"/>
           <p:cNvSpPr>
             <a:spLocks noGrp="1"/>
           </p:cNvSpPr>
@@ -659,10 +3526,19 @@
             <p:ph type="dt" sz="half" idx="10"/>
           </p:nvPr>
         </p:nvSpPr>
-        <p:spPr/>
-        <p:txBody>
-          <a:bodyPr/>
-          <a:lstStyle/>
+        <p:spPr>
+          <a:xfrm>
+            <a:off x="7814452" y="379941"/>
+            <a:ext cx="2910840" cy="365125"/>
+          </a:xfrm>
+        </p:spPr>
+        <p:txBody>
+          <a:bodyPr/>
+          <a:lstStyle>
+            <a:lvl1pPr algn="r">
+              <a:defRPr/>
+            </a:lvl1pPr>
+          </a:lstStyle>
           <a:p>
             <a:fld id="{FB97B69C-07EE-414A-9456-59AC50FBC7A2}" type="datetimeFigureOut">
               <a:rPr lang="nl-NL" smtClean="0"/>
@@ -674,13 +3550,7 @@
       </p:sp>
       <p:sp>
         <p:nvSpPr>
-          <p:cNvPr id="5" name="Tijdelijke aanduiding voor voettekst 4">
-            <a:extLst>
-              <a:ext uri="{FF2B5EF4-FFF2-40B4-BE49-F238E27FC236}">
-                <a16:creationId xmlns:a16="http://schemas.microsoft.com/office/drawing/2014/main" id="{52F611C9-9143-BD8E-C3C7-F42DB5311D35}"/>
-              </a:ext>
-            </a:extLst>
-          </p:cNvPr>
+          <p:cNvPr id="5" name="Footer Placeholder 4"/>
           <p:cNvSpPr>
             <a:spLocks noGrp="1"/>
           </p:cNvSpPr>
@@ -688,7 +3558,12 @@
             <p:ph type="ftr" sz="quarter" idx="11"/>
           </p:nvPr>
         </p:nvSpPr>
-        <p:spPr/>
+        <p:spPr>
+          <a:xfrm>
+            <a:off x="685800" y="381000"/>
+            <a:ext cx="6991492" cy="365125"/>
+          </a:xfrm>
+        </p:spPr>
         <p:txBody>
           <a:bodyPr/>
           <a:lstStyle/>
@@ -699,13 +3574,7 @@
       </p:sp>
       <p:sp>
         <p:nvSpPr>
-          <p:cNvPr id="6" name="Tijdelijke aanduiding voor dianummer 5">
-            <a:extLst>
-              <a:ext uri="{FF2B5EF4-FFF2-40B4-BE49-F238E27FC236}">
-                <a16:creationId xmlns:a16="http://schemas.microsoft.com/office/drawing/2014/main" id="{B84D4C97-2D75-8BD4-6E19-F7F769B799DB}"/>
-              </a:ext>
-            </a:extLst>
-          </p:cNvPr>
+          <p:cNvPr id="6" name="Slide Number Placeholder 5"/>
           <p:cNvSpPr>
             <a:spLocks noGrp="1"/>
           </p:cNvSpPr>
@@ -713,7 +3582,12 @@
             <p:ph type="sldNum" sz="quarter" idx="12"/>
           </p:nvPr>
         </p:nvSpPr>
-        <p:spPr/>
+        <p:spPr>
+          <a:xfrm>
+            <a:off x="10862452" y="381000"/>
+            <a:ext cx="643748" cy="365125"/>
+          </a:xfrm>
+        </p:spPr>
         <p:txBody>
           <a:bodyPr/>
           <a:lstStyle/>
@@ -729,7 +3603,7 @@
     </p:spTree>
     <p:extLst>
       <p:ext uri="{BB962C8B-B14F-4D97-AF65-F5344CB8AC3E}">
-        <p14:creationId xmlns:p14="http://schemas.microsoft.com/office/powerpoint/2010/main" val="3836267814"/>
+        <p14:creationId xmlns:p14="http://schemas.microsoft.com/office/powerpoint/2010/main" val="1443002478"/>
       </p:ext>
     </p:extLst>
   </p:cSld>
@@ -758,13 +3632,7 @@
       </p:grpSpPr>
       <p:sp>
         <p:nvSpPr>
-          <p:cNvPr id="2" name="Titel 1">
-            <a:extLst>
-              <a:ext uri="{FF2B5EF4-FFF2-40B4-BE49-F238E27FC236}">
-                <a16:creationId xmlns:a16="http://schemas.microsoft.com/office/drawing/2014/main" id="{CAA0C159-51B8-725A-99E3-5A42B668272F}"/>
-              </a:ext>
-            </a:extLst>
-          </p:cNvPr>
+          <p:cNvPr id="2" name="Title 1"/>
           <p:cNvSpPr>
             <a:spLocks noGrp="1"/>
           </p:cNvSpPr>
@@ -781,18 +3649,13 @@
               <a:rPr lang="nl-NL"/>
               <a:t>Klik om stijl te bewerken</a:t>
             </a:r>
-          </a:p>
-        </p:txBody>
-      </p:sp>
-      <p:sp>
-        <p:nvSpPr>
-          <p:cNvPr id="3" name="Tijdelijke aanduiding voor inhoud 2">
-            <a:extLst>
-              <a:ext uri="{FF2B5EF4-FFF2-40B4-BE49-F238E27FC236}">
-                <a16:creationId xmlns:a16="http://schemas.microsoft.com/office/drawing/2014/main" id="{1E57ED82-7548-A536-D2D4-D4ECC84F21C9}"/>
-              </a:ext>
-            </a:extLst>
-          </p:cNvPr>
+            <a:endParaRPr lang="en-US" dirty="0"/>
+          </a:p>
+        </p:txBody>
+      </p:sp>
+      <p:sp>
+        <p:nvSpPr>
+          <p:cNvPr id="3" name="Content Placeholder 2"/>
           <p:cNvSpPr>
             <a:spLocks noGrp="1"/>
           </p:cNvSpPr>
@@ -838,18 +3701,13 @@
               <a:rPr lang="nl-NL"/>
               <a:t>Vijfde niveau</a:t>
             </a:r>
-          </a:p>
-        </p:txBody>
-      </p:sp>
-      <p:sp>
-        <p:nvSpPr>
-          <p:cNvPr id="4" name="Tijdelijke aanduiding voor datum 3">
-            <a:extLst>
-              <a:ext uri="{FF2B5EF4-FFF2-40B4-BE49-F238E27FC236}">
-                <a16:creationId xmlns:a16="http://schemas.microsoft.com/office/drawing/2014/main" id="{B309AC8B-77C8-5519-EA99-25C46D3F96E8}"/>
-              </a:ext>
-            </a:extLst>
-          </p:cNvPr>
+            <a:endParaRPr lang="en-US" dirty="0"/>
+          </a:p>
+        </p:txBody>
+      </p:sp>
+      <p:sp>
+        <p:nvSpPr>
+          <p:cNvPr id="4" name="Date Placeholder 3"/>
           <p:cNvSpPr>
             <a:spLocks noGrp="1"/>
           </p:cNvSpPr>
@@ -872,13 +3730,7 @@
       </p:sp>
       <p:sp>
         <p:nvSpPr>
-          <p:cNvPr id="5" name="Tijdelijke aanduiding voor voettekst 4">
-            <a:extLst>
-              <a:ext uri="{FF2B5EF4-FFF2-40B4-BE49-F238E27FC236}">
-                <a16:creationId xmlns:a16="http://schemas.microsoft.com/office/drawing/2014/main" id="{66E55A8E-DAC6-EA36-94D9-CAB4FCF3874A}"/>
-              </a:ext>
-            </a:extLst>
-          </p:cNvPr>
+          <p:cNvPr id="5" name="Footer Placeholder 4"/>
           <p:cNvSpPr>
             <a:spLocks noGrp="1"/>
           </p:cNvSpPr>
@@ -897,13 +3749,7 @@
       </p:sp>
       <p:sp>
         <p:nvSpPr>
-          <p:cNvPr id="6" name="Tijdelijke aanduiding voor dianummer 5">
-            <a:extLst>
-              <a:ext uri="{FF2B5EF4-FFF2-40B4-BE49-F238E27FC236}">
-                <a16:creationId xmlns:a16="http://schemas.microsoft.com/office/drawing/2014/main" id="{4A5486C1-F32B-C097-2B49-619161D1E5C7}"/>
-              </a:ext>
-            </a:extLst>
-          </p:cNvPr>
+          <p:cNvPr id="6" name="Slide Number Placeholder 5"/>
           <p:cNvSpPr>
             <a:spLocks noGrp="1"/>
           </p:cNvSpPr>
@@ -927,7 +3773,7 @@
     </p:spTree>
     <p:extLst>
       <p:ext uri="{BB962C8B-B14F-4D97-AF65-F5344CB8AC3E}">
-        <p14:creationId xmlns:p14="http://schemas.microsoft.com/office/powerpoint/2010/main" val="766383391"/>
+        <p14:creationId xmlns:p14="http://schemas.microsoft.com/office/powerpoint/2010/main" val="3313852034"/>
       </p:ext>
     </p:extLst>
   </p:cSld>
@@ -938,7 +3784,7 @@
 </file>
 
 <file path=ppt/slideLayouts/slideLayout3.xml><?xml version="1.0" encoding="utf-8"?>
-<p:sldLayout xmlns:a="http://schemas.openxmlformats.org/drawingml/2006/main" xmlns:r="http://schemas.openxmlformats.org/officeDocument/2006/relationships" xmlns:p="http://schemas.openxmlformats.org/presentationml/2006/main" type="secHead" preserve="1">
+<p:sldLayout xmlns:a="http://schemas.openxmlformats.org/drawingml/2006/main" xmlns:r="http://schemas.openxmlformats.org/officeDocument/2006/relationships" xmlns:p="http://schemas.openxmlformats.org/presentationml/2006/main" showMasterSp="0" type="secHead" preserve="1">
   <p:cSld name="Sectiekop">
     <p:spTree>
       <p:nvGrpSpPr>
@@ -954,15 +3800,39 @@
           <a:chExt cx="0" cy="0"/>
         </a:xfrm>
       </p:grpSpPr>
-      <p:sp>
-        <p:nvSpPr>
-          <p:cNvPr id="2" name="Titel 1">
+      <p:pic>
+        <p:nvPicPr>
+          <p:cNvPr id="9" name="Picture 8" descr="C0-HD-BTM.png"/>
+          <p:cNvPicPr>
+            <a:picLocks noChangeAspect="1"/>
+          </p:cNvPicPr>
+          <p:nvPr/>
+        </p:nvPicPr>
+        <p:blipFill>
+          <a:blip r:embed="rId2">
             <a:extLst>
-              <a:ext uri="{FF2B5EF4-FFF2-40B4-BE49-F238E27FC236}">
-                <a16:creationId xmlns:a16="http://schemas.microsoft.com/office/drawing/2014/main" id="{9193E662-8AA4-524F-57F0-7176C15208BA}"/>
+              <a:ext uri="{28A0092B-C50C-407E-A947-70E740481C1C}">
+                <a14:useLocalDpi xmlns:a14="http://schemas.microsoft.com/office/drawing/2010/main" val="0"/>
               </a:ext>
             </a:extLst>
-          </p:cNvPr>
+          </a:blip>
+          <a:stretch>
+            <a:fillRect/>
+          </a:stretch>
+        </p:blipFill>
+        <p:spPr>
+          <a:xfrm>
+            <a:off x="0" y="4375150"/>
+            <a:ext cx="12192000" cy="2482850"/>
+          </a:xfrm>
+          <a:prstGeom prst="rect">
+            <a:avLst/>
+          </a:prstGeom>
+        </p:spPr>
+      </p:pic>
+      <p:sp>
+        <p:nvSpPr>
+          <p:cNvPr id="2" name="Title 1"/>
           <p:cNvSpPr>
             <a:spLocks noGrp="1"/>
           </p:cNvSpPr>
@@ -972,15 +3842,17 @@
         </p:nvSpPr>
         <p:spPr>
           <a:xfrm>
-            <a:off x="831850" y="1709738"/>
-            <a:ext cx="10515600" cy="2852737"/>
-          </a:xfrm>
-        </p:spPr>
-        <p:txBody>
-          <a:bodyPr anchor="b"/>
+            <a:off x="685800" y="753533"/>
+            <a:ext cx="10820399" cy="2801935"/>
+          </a:xfrm>
+        </p:spPr>
+        <p:txBody>
+          <a:bodyPr anchor="b">
+            <a:normAutofit/>
+          </a:bodyPr>
           <a:lstStyle>
-            <a:lvl1pPr>
-              <a:defRPr sz="6000"/>
+            <a:lvl1pPr algn="r">
+              <a:defRPr sz="4000"/>
             </a:lvl1pPr>
           </a:lstStyle>
           <a:p>
@@ -988,18 +3860,13 @@
               <a:rPr lang="nl-NL"/>
               <a:t>Klik om stijl te bewerken</a:t>
             </a:r>
-          </a:p>
-        </p:txBody>
-      </p:sp>
-      <p:sp>
-        <p:nvSpPr>
-          <p:cNvPr id="3" name="Tijdelijke aanduiding voor tekst 2">
-            <a:extLst>
-              <a:ext uri="{FF2B5EF4-FFF2-40B4-BE49-F238E27FC236}">
-                <a16:creationId xmlns:a16="http://schemas.microsoft.com/office/drawing/2014/main" id="{ACE5E691-6102-027B-ABC7-EF619DEFBDCE}"/>
-              </a:ext>
-            </a:extLst>
-          </p:cNvPr>
+            <a:endParaRPr lang="en-US" dirty="0"/>
+          </a:p>
+        </p:txBody>
+      </p:sp>
+      <p:sp>
+        <p:nvSpPr>
+          <p:cNvPr id="3" name="Text Placeholder 2"/>
           <p:cNvSpPr>
             <a:spLocks noGrp="1"/>
           </p:cNvSpPr>
@@ -1009,19 +3876,21 @@
         </p:nvSpPr>
         <p:spPr>
           <a:xfrm>
-            <a:off x="831850" y="4589463"/>
-            <a:ext cx="10515600" cy="1500187"/>
-          </a:xfrm>
-        </p:spPr>
-        <p:txBody>
-          <a:bodyPr/>
+            <a:off x="1024467" y="3641725"/>
+            <a:ext cx="10490200" cy="955675"/>
+          </a:xfrm>
+        </p:spPr>
+        <p:txBody>
+          <a:bodyPr>
+            <a:normAutofit/>
+          </a:bodyPr>
           <a:lstStyle>
-            <a:lvl1pPr marL="0" indent="0">
-              <a:buNone/>
-              <a:defRPr sz="2400">
+            <a:lvl1pPr marL="0" indent="0" algn="r">
+              <a:buNone/>
+              <a:defRPr sz="2200">
                 <a:solidFill>
                   <a:schemeClr val="tx1">
-                    <a:tint val="82000"/>
+                    <a:tint val="75000"/>
                   </a:schemeClr>
                 </a:solidFill>
               </a:defRPr>
@@ -1031,7 +3900,7 @@
               <a:defRPr sz="2000">
                 <a:solidFill>
                   <a:schemeClr val="tx1">
-                    <a:tint val="82000"/>
+                    <a:tint val="75000"/>
                   </a:schemeClr>
                 </a:solidFill>
               </a:defRPr>
@@ -1041,7 +3910,7 @@
               <a:defRPr sz="1800">
                 <a:solidFill>
                   <a:schemeClr val="tx1">
-                    <a:tint val="82000"/>
+                    <a:tint val="75000"/>
                   </a:schemeClr>
                 </a:solidFill>
               </a:defRPr>
@@ -1051,7 +3920,7 @@
               <a:defRPr sz="1600">
                 <a:solidFill>
                   <a:schemeClr val="tx1">
-                    <a:tint val="82000"/>
+                    <a:tint val="75000"/>
                   </a:schemeClr>
                 </a:solidFill>
               </a:defRPr>
@@ -1061,7 +3930,7 @@
               <a:defRPr sz="1600">
                 <a:solidFill>
                   <a:schemeClr val="tx1">
-                    <a:tint val="82000"/>
+                    <a:tint val="75000"/>
                   </a:schemeClr>
                 </a:solidFill>
               </a:defRPr>
@@ -1071,7 +3940,7 @@
               <a:defRPr sz="1600">
                 <a:solidFill>
                   <a:schemeClr val="tx1">
-                    <a:tint val="82000"/>
+                    <a:tint val="75000"/>
                   </a:schemeClr>
                 </a:solidFill>
               </a:defRPr>
@@ -1081,7 +3950,7 @@
               <a:defRPr sz="1600">
                 <a:solidFill>
                   <a:schemeClr val="tx1">
-                    <a:tint val="82000"/>
+                    <a:tint val="75000"/>
                   </a:schemeClr>
                 </a:solidFill>
               </a:defRPr>
@@ -1091,7 +3960,7 @@
               <a:defRPr sz="1600">
                 <a:solidFill>
                   <a:schemeClr val="tx1">
-                    <a:tint val="82000"/>
+                    <a:tint val="75000"/>
                   </a:schemeClr>
                 </a:solidFill>
               </a:defRPr>
@@ -1101,7 +3970,7 @@
               <a:defRPr sz="1600">
                 <a:solidFill>
                   <a:schemeClr val="tx1">
-                    <a:tint val="82000"/>
+                    <a:tint val="75000"/>
                   </a:schemeClr>
                 </a:solidFill>
               </a:defRPr>
@@ -1118,13 +3987,7 @@
       </p:sp>
       <p:sp>
         <p:nvSpPr>
-          <p:cNvPr id="4" name="Tijdelijke aanduiding voor datum 3">
-            <a:extLst>
-              <a:ext uri="{FF2B5EF4-FFF2-40B4-BE49-F238E27FC236}">
-                <a16:creationId xmlns:a16="http://schemas.microsoft.com/office/drawing/2014/main" id="{47AD3987-3FCC-7FF1-D5FD-E3537047AB19}"/>
-              </a:ext>
-            </a:extLst>
-          </p:cNvPr>
+          <p:cNvPr id="4" name="Date Placeholder 3"/>
           <p:cNvSpPr>
             <a:spLocks noGrp="1"/>
           </p:cNvSpPr>
@@ -1132,10 +3995,19 @@
             <p:ph type="dt" sz="half" idx="10"/>
           </p:nvPr>
         </p:nvSpPr>
-        <p:spPr/>
-        <p:txBody>
-          <a:bodyPr/>
-          <a:lstStyle/>
+        <p:spPr>
+          <a:xfrm>
+            <a:off x="7814452" y="381000"/>
+            <a:ext cx="2910840" cy="365125"/>
+          </a:xfrm>
+        </p:spPr>
+        <p:txBody>
+          <a:bodyPr/>
+          <a:lstStyle>
+            <a:lvl1pPr algn="r">
+              <a:defRPr/>
+            </a:lvl1pPr>
+          </a:lstStyle>
           <a:p>
             <a:fld id="{FB97B69C-07EE-414A-9456-59AC50FBC7A2}" type="datetimeFigureOut">
               <a:rPr lang="nl-NL" smtClean="0"/>
@@ -1147,13 +4019,7 @@
       </p:sp>
       <p:sp>
         <p:nvSpPr>
-          <p:cNvPr id="5" name="Tijdelijke aanduiding voor voettekst 4">
-            <a:extLst>
-              <a:ext uri="{FF2B5EF4-FFF2-40B4-BE49-F238E27FC236}">
-                <a16:creationId xmlns:a16="http://schemas.microsoft.com/office/drawing/2014/main" id="{8DA43DDB-3BC7-5BB7-7A5B-48AE08C5D88E}"/>
-              </a:ext>
-            </a:extLst>
-          </p:cNvPr>
+          <p:cNvPr id="5" name="Footer Placeholder 4"/>
           <p:cNvSpPr>
             <a:spLocks noGrp="1"/>
           </p:cNvSpPr>
@@ -1161,7 +4027,12 @@
             <p:ph type="ftr" sz="quarter" idx="11"/>
           </p:nvPr>
         </p:nvSpPr>
-        <p:spPr/>
+        <p:spPr>
+          <a:xfrm>
+            <a:off x="685800" y="381001"/>
+            <a:ext cx="6991492" cy="364065"/>
+          </a:xfrm>
+        </p:spPr>
         <p:txBody>
           <a:bodyPr/>
           <a:lstStyle/>
@@ -1172,13 +4043,7 @@
       </p:sp>
       <p:sp>
         <p:nvSpPr>
-          <p:cNvPr id="6" name="Tijdelijke aanduiding voor dianummer 5">
-            <a:extLst>
-              <a:ext uri="{FF2B5EF4-FFF2-40B4-BE49-F238E27FC236}">
-                <a16:creationId xmlns:a16="http://schemas.microsoft.com/office/drawing/2014/main" id="{9568EED8-4F6C-761A-E7E7-82CF7EA2B5BF}"/>
-              </a:ext>
-            </a:extLst>
-          </p:cNvPr>
+          <p:cNvPr id="6" name="Slide Number Placeholder 5"/>
           <p:cNvSpPr>
             <a:spLocks noGrp="1"/>
           </p:cNvSpPr>
@@ -1186,7 +4051,12 @@
             <p:ph type="sldNum" sz="quarter" idx="12"/>
           </p:nvPr>
         </p:nvSpPr>
-        <p:spPr/>
+        <p:spPr>
+          <a:xfrm>
+            <a:off x="10862452" y="381000"/>
+            <a:ext cx="643748" cy="365125"/>
+          </a:xfrm>
+        </p:spPr>
         <p:txBody>
           <a:bodyPr/>
           <a:lstStyle/>
@@ -1202,7 +4072,7 @@
     </p:spTree>
     <p:extLst>
       <p:ext uri="{BB962C8B-B14F-4D97-AF65-F5344CB8AC3E}">
-        <p14:creationId xmlns:p14="http://schemas.microsoft.com/office/powerpoint/2010/main" val="2753786174"/>
+        <p14:creationId xmlns:p14="http://schemas.microsoft.com/office/powerpoint/2010/main" val="3729465550"/>
       </p:ext>
     </p:extLst>
   </p:cSld>
@@ -1231,13 +4101,7 @@
       </p:grpSpPr>
       <p:sp>
         <p:nvSpPr>
-          <p:cNvPr id="2" name="Titel 1">
-            <a:extLst>
-              <a:ext uri="{FF2B5EF4-FFF2-40B4-BE49-F238E27FC236}">
-                <a16:creationId xmlns:a16="http://schemas.microsoft.com/office/drawing/2014/main" id="{253715DF-4EDD-EE81-A931-95AFCA159742}"/>
-              </a:ext>
-            </a:extLst>
-          </p:cNvPr>
+          <p:cNvPr id="2" name="Title 1"/>
           <p:cNvSpPr>
             <a:spLocks noGrp="1"/>
           </p:cNvSpPr>
@@ -1254,18 +4118,13 @@
               <a:rPr lang="nl-NL"/>
               <a:t>Klik om stijl te bewerken</a:t>
             </a:r>
-          </a:p>
-        </p:txBody>
-      </p:sp>
-      <p:sp>
-        <p:nvSpPr>
-          <p:cNvPr id="3" name="Tijdelijke aanduiding voor inhoud 2">
-            <a:extLst>
-              <a:ext uri="{FF2B5EF4-FFF2-40B4-BE49-F238E27FC236}">
-                <a16:creationId xmlns:a16="http://schemas.microsoft.com/office/drawing/2014/main" id="{AB4824A2-9407-5195-76C2-00283DCAB1DA}"/>
-              </a:ext>
-            </a:extLst>
-          </p:cNvPr>
+            <a:endParaRPr lang="en-US" dirty="0"/>
+          </a:p>
+        </p:txBody>
+      </p:sp>
+      <p:sp>
+        <p:nvSpPr>
+          <p:cNvPr id="3" name="Content Placeholder 2"/>
           <p:cNvSpPr>
             <a:spLocks noGrp="1"/>
           </p:cNvSpPr>
@@ -1275,8 +4134,8 @@
         </p:nvSpPr>
         <p:spPr>
           <a:xfrm>
-            <a:off x="838200" y="1825625"/>
-            <a:ext cx="5181600" cy="4351338"/>
+            <a:off x="685800" y="2194559"/>
+            <a:ext cx="5334000" cy="4024125"/>
           </a:xfrm>
         </p:spPr>
         <p:txBody>
@@ -1316,18 +4175,13 @@
               <a:rPr lang="nl-NL"/>
               <a:t>Vijfde niveau</a:t>
             </a:r>
-          </a:p>
-        </p:txBody>
-      </p:sp>
-      <p:sp>
-        <p:nvSpPr>
-          <p:cNvPr id="4" name="Tijdelijke aanduiding voor inhoud 3">
-            <a:extLst>
-              <a:ext uri="{FF2B5EF4-FFF2-40B4-BE49-F238E27FC236}">
-                <a16:creationId xmlns:a16="http://schemas.microsoft.com/office/drawing/2014/main" id="{87BFF02F-E97F-C063-08D3-D84E220550A5}"/>
-              </a:ext>
-            </a:extLst>
-          </p:cNvPr>
+            <a:endParaRPr lang="en-US" dirty="0"/>
+          </a:p>
+        </p:txBody>
+      </p:sp>
+      <p:sp>
+        <p:nvSpPr>
+          <p:cNvPr id="4" name="Content Placeholder 3"/>
           <p:cNvSpPr>
             <a:spLocks noGrp="1"/>
           </p:cNvSpPr>
@@ -1337,8 +4191,8 @@
         </p:nvSpPr>
         <p:spPr>
           <a:xfrm>
-            <a:off x="6172200" y="1825625"/>
-            <a:ext cx="5181600" cy="4351338"/>
+            <a:off x="6172200" y="2194559"/>
+            <a:ext cx="5334000" cy="4024125"/>
           </a:xfrm>
         </p:spPr>
         <p:txBody>
@@ -1378,18 +4232,13 @@
               <a:rPr lang="nl-NL"/>
               <a:t>Vijfde niveau</a:t>
             </a:r>
-          </a:p>
-        </p:txBody>
-      </p:sp>
-      <p:sp>
-        <p:nvSpPr>
-          <p:cNvPr id="5" name="Tijdelijke aanduiding voor datum 4">
-            <a:extLst>
-              <a:ext uri="{FF2B5EF4-FFF2-40B4-BE49-F238E27FC236}">
-                <a16:creationId xmlns:a16="http://schemas.microsoft.com/office/drawing/2014/main" id="{F9357592-4BD6-1482-1008-D8E3C466B7C2}"/>
-              </a:ext>
-            </a:extLst>
-          </p:cNvPr>
+            <a:endParaRPr lang="en-US" dirty="0"/>
+          </a:p>
+        </p:txBody>
+      </p:sp>
+      <p:sp>
+        <p:nvSpPr>
+          <p:cNvPr id="5" name="Date Placeholder 4"/>
           <p:cNvSpPr>
             <a:spLocks noGrp="1"/>
           </p:cNvSpPr>
@@ -1412,13 +4261,7 @@
       </p:sp>
       <p:sp>
         <p:nvSpPr>
-          <p:cNvPr id="6" name="Tijdelijke aanduiding voor voettekst 5">
-            <a:extLst>
-              <a:ext uri="{FF2B5EF4-FFF2-40B4-BE49-F238E27FC236}">
-                <a16:creationId xmlns:a16="http://schemas.microsoft.com/office/drawing/2014/main" id="{3B8BF991-7EE5-2079-7A0F-8C220CC5100F}"/>
-              </a:ext>
-            </a:extLst>
-          </p:cNvPr>
+          <p:cNvPr id="6" name="Footer Placeholder 5"/>
           <p:cNvSpPr>
             <a:spLocks noGrp="1"/>
           </p:cNvSpPr>
@@ -1437,13 +4280,7 @@
       </p:sp>
       <p:sp>
         <p:nvSpPr>
-          <p:cNvPr id="7" name="Tijdelijke aanduiding voor dianummer 6">
-            <a:extLst>
-              <a:ext uri="{FF2B5EF4-FFF2-40B4-BE49-F238E27FC236}">
-                <a16:creationId xmlns:a16="http://schemas.microsoft.com/office/drawing/2014/main" id="{31FC9697-AC18-CF3D-87F3-C0C3306F93D8}"/>
-              </a:ext>
-            </a:extLst>
-          </p:cNvPr>
+          <p:cNvPr id="7" name="Slide Number Placeholder 6"/>
           <p:cNvSpPr>
             <a:spLocks noGrp="1"/>
           </p:cNvSpPr>
@@ -1467,7 +4304,7 @@
     </p:spTree>
     <p:extLst>
       <p:ext uri="{BB962C8B-B14F-4D97-AF65-F5344CB8AC3E}">
-        <p14:creationId xmlns:p14="http://schemas.microsoft.com/office/powerpoint/2010/main" val="330223505"/>
+        <p14:creationId xmlns:p14="http://schemas.microsoft.com/office/powerpoint/2010/main" val="3588898379"/>
       </p:ext>
     </p:extLst>
   </p:cSld>
@@ -1496,13 +4333,7 @@
       </p:grpSpPr>
       <p:sp>
         <p:nvSpPr>
-          <p:cNvPr id="2" name="Titel 1">
-            <a:extLst>
-              <a:ext uri="{FF2B5EF4-FFF2-40B4-BE49-F238E27FC236}">
-                <a16:creationId xmlns:a16="http://schemas.microsoft.com/office/drawing/2014/main" id="{8943E768-4306-8706-E70B-2E6DFC8B46B0}"/>
-              </a:ext>
-            </a:extLst>
-          </p:cNvPr>
+          <p:cNvPr id="2" name="Title 1"/>
           <p:cNvSpPr>
             <a:spLocks noGrp="1"/>
           </p:cNvSpPr>
@@ -1512,8 +4343,8 @@
         </p:nvSpPr>
         <p:spPr>
           <a:xfrm>
-            <a:off x="839788" y="365125"/>
-            <a:ext cx="10515600" cy="1325563"/>
+            <a:off x="2895600" y="762000"/>
+            <a:ext cx="8610600" cy="1295400"/>
           </a:xfrm>
         </p:spPr>
         <p:txBody>
@@ -1524,18 +4355,13 @@
               <a:rPr lang="nl-NL"/>
               <a:t>Klik om stijl te bewerken</a:t>
             </a:r>
-          </a:p>
-        </p:txBody>
-      </p:sp>
-      <p:sp>
-        <p:nvSpPr>
-          <p:cNvPr id="3" name="Tijdelijke aanduiding voor tekst 2">
-            <a:extLst>
-              <a:ext uri="{FF2B5EF4-FFF2-40B4-BE49-F238E27FC236}">
-                <a16:creationId xmlns:a16="http://schemas.microsoft.com/office/drawing/2014/main" id="{B950B290-71C5-AF38-1B7F-1B0B05216751}"/>
-              </a:ext>
-            </a:extLst>
-          </p:cNvPr>
+            <a:endParaRPr lang="en-US" dirty="0"/>
+          </a:p>
+        </p:txBody>
+      </p:sp>
+      <p:sp>
+        <p:nvSpPr>
+          <p:cNvPr id="3" name="Text Placeholder 2"/>
           <p:cNvSpPr>
             <a:spLocks noGrp="1"/>
           </p:cNvSpPr>
@@ -1545,16 +4371,22 @@
         </p:nvSpPr>
         <p:spPr>
           <a:xfrm>
-            <a:off x="839788" y="1681163"/>
-            <a:ext cx="5157787" cy="823912"/>
-          </a:xfrm>
-        </p:spPr>
-        <p:txBody>
-          <a:bodyPr anchor="b"/>
+            <a:off x="914409" y="2183802"/>
+            <a:ext cx="5079991" cy="823912"/>
+          </a:xfrm>
+        </p:spPr>
+        <p:txBody>
+          <a:bodyPr anchor="b">
+            <a:normAutofit/>
+          </a:bodyPr>
           <a:lstStyle>
             <a:lvl1pPr marL="0" indent="0">
               <a:buNone/>
-              <a:defRPr sz="2400" b="1"/>
+              <a:defRPr sz="2800" b="0">
+                <a:solidFill>
+                  <a:schemeClr val="tx1"/>
+                </a:solidFill>
+              </a:defRPr>
             </a:lvl1pPr>
             <a:lvl2pPr marL="457200" indent="0">
               <a:buNone/>
@@ -1600,13 +4432,7 @@
       </p:sp>
       <p:sp>
         <p:nvSpPr>
-          <p:cNvPr id="4" name="Tijdelijke aanduiding voor inhoud 3">
-            <a:extLst>
-              <a:ext uri="{FF2B5EF4-FFF2-40B4-BE49-F238E27FC236}">
-                <a16:creationId xmlns:a16="http://schemas.microsoft.com/office/drawing/2014/main" id="{90A29274-0318-2636-1A8F-593B1C284F8B}"/>
-              </a:ext>
-            </a:extLst>
-          </p:cNvPr>
+          <p:cNvPr id="4" name="Content Placeholder 3"/>
           <p:cNvSpPr>
             <a:spLocks noGrp="1"/>
           </p:cNvSpPr>
@@ -1616,8 +4442,8 @@
         </p:nvSpPr>
         <p:spPr>
           <a:xfrm>
-            <a:off x="839788" y="2505075"/>
-            <a:ext cx="5157787" cy="3684588"/>
+            <a:off x="685800" y="3132666"/>
+            <a:ext cx="5311775" cy="3086019"/>
           </a:xfrm>
         </p:spPr>
         <p:txBody>
@@ -1657,18 +4483,13 @@
               <a:rPr lang="nl-NL"/>
               <a:t>Vijfde niveau</a:t>
             </a:r>
-          </a:p>
-        </p:txBody>
-      </p:sp>
-      <p:sp>
-        <p:nvSpPr>
-          <p:cNvPr id="5" name="Tijdelijke aanduiding voor tekst 4">
-            <a:extLst>
-              <a:ext uri="{FF2B5EF4-FFF2-40B4-BE49-F238E27FC236}">
-                <a16:creationId xmlns:a16="http://schemas.microsoft.com/office/drawing/2014/main" id="{3C44A5CD-2D27-AC2E-F179-EEAD5EDFA979}"/>
-              </a:ext>
-            </a:extLst>
-          </p:cNvPr>
+            <a:endParaRPr lang="en-US" dirty="0"/>
+          </a:p>
+        </p:txBody>
+      </p:sp>
+      <p:sp>
+        <p:nvSpPr>
+          <p:cNvPr id="5" name="Text Placeholder 4"/>
           <p:cNvSpPr>
             <a:spLocks noGrp="1"/>
           </p:cNvSpPr>
@@ -1678,16 +4499,22 @@
         </p:nvSpPr>
         <p:spPr>
           <a:xfrm>
-            <a:off x="6172200" y="1681163"/>
-            <a:ext cx="5183188" cy="823912"/>
-          </a:xfrm>
-        </p:spPr>
-        <p:txBody>
-          <a:bodyPr anchor="b"/>
+            <a:off x="6400800" y="2183802"/>
+            <a:ext cx="5105400" cy="823912"/>
+          </a:xfrm>
+        </p:spPr>
+        <p:txBody>
+          <a:bodyPr anchor="b">
+            <a:normAutofit/>
+          </a:bodyPr>
           <a:lstStyle>
             <a:lvl1pPr marL="0" indent="0">
               <a:buNone/>
-              <a:defRPr sz="2400" b="1"/>
+              <a:defRPr sz="2800" b="0">
+                <a:solidFill>
+                  <a:schemeClr val="tx1"/>
+                </a:solidFill>
+              </a:defRPr>
             </a:lvl1pPr>
             <a:lvl2pPr marL="457200" indent="0">
               <a:buNone/>
@@ -1733,13 +4560,7 @@
       </p:sp>
       <p:sp>
         <p:nvSpPr>
-          <p:cNvPr id="6" name="Tijdelijke aanduiding voor inhoud 5">
-            <a:extLst>
-              <a:ext uri="{FF2B5EF4-FFF2-40B4-BE49-F238E27FC236}">
-                <a16:creationId xmlns:a16="http://schemas.microsoft.com/office/drawing/2014/main" id="{74B24866-E077-EEC6-F28C-1911C2F34A54}"/>
-              </a:ext>
-            </a:extLst>
-          </p:cNvPr>
+          <p:cNvPr id="6" name="Content Placeholder 5"/>
           <p:cNvSpPr>
             <a:spLocks noGrp="1"/>
           </p:cNvSpPr>
@@ -1749,8 +4570,8 @@
         </p:nvSpPr>
         <p:spPr>
           <a:xfrm>
-            <a:off x="6172200" y="2505075"/>
-            <a:ext cx="5183188" cy="3684588"/>
+            <a:off x="6172200" y="3132666"/>
+            <a:ext cx="5334000" cy="3086019"/>
           </a:xfrm>
         </p:spPr>
         <p:txBody>
@@ -1790,18 +4611,13 @@
               <a:rPr lang="nl-NL"/>
               <a:t>Vijfde niveau</a:t>
             </a:r>
-          </a:p>
-        </p:txBody>
-      </p:sp>
-      <p:sp>
-        <p:nvSpPr>
-          <p:cNvPr id="7" name="Tijdelijke aanduiding voor datum 6">
-            <a:extLst>
-              <a:ext uri="{FF2B5EF4-FFF2-40B4-BE49-F238E27FC236}">
-                <a16:creationId xmlns:a16="http://schemas.microsoft.com/office/drawing/2014/main" id="{EFD5D3CB-E9A2-72F1-A226-09BA878F2E91}"/>
-              </a:ext>
-            </a:extLst>
-          </p:cNvPr>
+            <a:endParaRPr lang="en-US" dirty="0"/>
+          </a:p>
+        </p:txBody>
+      </p:sp>
+      <p:sp>
+        <p:nvSpPr>
+          <p:cNvPr id="7" name="Date Placeholder 6"/>
           <p:cNvSpPr>
             <a:spLocks noGrp="1"/>
           </p:cNvSpPr>
@@ -1824,13 +4640,7 @@
       </p:sp>
       <p:sp>
         <p:nvSpPr>
-          <p:cNvPr id="8" name="Tijdelijke aanduiding voor voettekst 7">
-            <a:extLst>
-              <a:ext uri="{FF2B5EF4-FFF2-40B4-BE49-F238E27FC236}">
-                <a16:creationId xmlns:a16="http://schemas.microsoft.com/office/drawing/2014/main" id="{2D0F1044-E4A3-803D-ADDB-5A870D933882}"/>
-              </a:ext>
-            </a:extLst>
-          </p:cNvPr>
+          <p:cNvPr id="8" name="Footer Placeholder 7"/>
           <p:cNvSpPr>
             <a:spLocks noGrp="1"/>
           </p:cNvSpPr>
@@ -1849,13 +4659,7 @@
       </p:sp>
       <p:sp>
         <p:nvSpPr>
-          <p:cNvPr id="9" name="Tijdelijke aanduiding voor dianummer 8">
-            <a:extLst>
-              <a:ext uri="{FF2B5EF4-FFF2-40B4-BE49-F238E27FC236}">
-                <a16:creationId xmlns:a16="http://schemas.microsoft.com/office/drawing/2014/main" id="{5D1A0B8E-1BEA-DB73-0100-49C33FD45074}"/>
-              </a:ext>
-            </a:extLst>
-          </p:cNvPr>
+          <p:cNvPr id="9" name="Slide Number Placeholder 8"/>
           <p:cNvSpPr>
             <a:spLocks noGrp="1"/>
           </p:cNvSpPr>
@@ -1879,7 +4683,7 @@
     </p:spTree>
     <p:extLst>
       <p:ext uri="{BB962C8B-B14F-4D97-AF65-F5344CB8AC3E}">
-        <p14:creationId xmlns:p14="http://schemas.microsoft.com/office/powerpoint/2010/main" val="2408519950"/>
+        <p14:creationId xmlns:p14="http://schemas.microsoft.com/office/powerpoint/2010/main" val="4123480653"/>
       </p:ext>
     </p:extLst>
   </p:cSld>
@@ -1908,13 +4712,7 @@
       </p:grpSpPr>
       <p:sp>
         <p:nvSpPr>
-          <p:cNvPr id="2" name="Titel 1">
-            <a:extLst>
-              <a:ext uri="{FF2B5EF4-FFF2-40B4-BE49-F238E27FC236}">
-                <a16:creationId xmlns:a16="http://schemas.microsoft.com/office/drawing/2014/main" id="{F37EE3FE-E00F-7805-A56C-97012E27B526}"/>
-              </a:ext>
-            </a:extLst>
-          </p:cNvPr>
+          <p:cNvPr id="2" name="Title 1"/>
           <p:cNvSpPr>
             <a:spLocks noGrp="1"/>
           </p:cNvSpPr>
@@ -1931,18 +4729,13 @@
               <a:rPr lang="nl-NL"/>
               <a:t>Klik om stijl te bewerken</a:t>
             </a:r>
-          </a:p>
-        </p:txBody>
-      </p:sp>
-      <p:sp>
-        <p:nvSpPr>
-          <p:cNvPr id="3" name="Tijdelijke aanduiding voor datum 2">
-            <a:extLst>
-              <a:ext uri="{FF2B5EF4-FFF2-40B4-BE49-F238E27FC236}">
-                <a16:creationId xmlns:a16="http://schemas.microsoft.com/office/drawing/2014/main" id="{5BD6FFB3-D848-837D-368E-C3C4D3741451}"/>
-              </a:ext>
-            </a:extLst>
-          </p:cNvPr>
+            <a:endParaRPr lang="en-US" dirty="0"/>
+          </a:p>
+        </p:txBody>
+      </p:sp>
+      <p:sp>
+        <p:nvSpPr>
+          <p:cNvPr id="3" name="Date Placeholder 2"/>
           <p:cNvSpPr>
             <a:spLocks noGrp="1"/>
           </p:cNvSpPr>
@@ -1965,13 +4758,7 @@
       </p:sp>
       <p:sp>
         <p:nvSpPr>
-          <p:cNvPr id="4" name="Tijdelijke aanduiding voor voettekst 3">
-            <a:extLst>
-              <a:ext uri="{FF2B5EF4-FFF2-40B4-BE49-F238E27FC236}">
-                <a16:creationId xmlns:a16="http://schemas.microsoft.com/office/drawing/2014/main" id="{666EC006-B4FE-709C-B79F-A885453B6D31}"/>
-              </a:ext>
-            </a:extLst>
-          </p:cNvPr>
+          <p:cNvPr id="4" name="Footer Placeholder 3"/>
           <p:cNvSpPr>
             <a:spLocks noGrp="1"/>
           </p:cNvSpPr>
@@ -1990,13 +4777,7 @@
       </p:sp>
       <p:sp>
         <p:nvSpPr>
-          <p:cNvPr id="5" name="Tijdelijke aanduiding voor dianummer 4">
-            <a:extLst>
-              <a:ext uri="{FF2B5EF4-FFF2-40B4-BE49-F238E27FC236}">
-                <a16:creationId xmlns:a16="http://schemas.microsoft.com/office/drawing/2014/main" id="{FCE8559D-3E2B-8999-CDD6-E6C1245AA4DB}"/>
-              </a:ext>
-            </a:extLst>
-          </p:cNvPr>
+          <p:cNvPr id="5" name="Slide Number Placeholder 4"/>
           <p:cNvSpPr>
             <a:spLocks noGrp="1"/>
           </p:cNvSpPr>
@@ -2020,7 +4801,7 @@
     </p:spTree>
     <p:extLst>
       <p:ext uri="{BB962C8B-B14F-4D97-AF65-F5344CB8AC3E}">
-        <p14:creationId xmlns:p14="http://schemas.microsoft.com/office/powerpoint/2010/main" val="547061431"/>
+        <p14:creationId xmlns:p14="http://schemas.microsoft.com/office/powerpoint/2010/main" val="2768212686"/>
       </p:ext>
     </p:extLst>
   </p:cSld>
@@ -2049,13 +4830,7 @@
       </p:grpSpPr>
       <p:sp>
         <p:nvSpPr>
-          <p:cNvPr id="2" name="Tijdelijke aanduiding voor datum 1">
-            <a:extLst>
-              <a:ext uri="{FF2B5EF4-FFF2-40B4-BE49-F238E27FC236}">
-                <a16:creationId xmlns:a16="http://schemas.microsoft.com/office/drawing/2014/main" id="{3B7B376C-7B2C-C03F-9CAC-E93044E5EAFE}"/>
-              </a:ext>
-            </a:extLst>
-          </p:cNvPr>
+          <p:cNvPr id="2" name="Date Placeholder 1"/>
           <p:cNvSpPr>
             <a:spLocks noGrp="1"/>
           </p:cNvSpPr>
@@ -2078,13 +4853,7 @@
       </p:sp>
       <p:sp>
         <p:nvSpPr>
-          <p:cNvPr id="3" name="Tijdelijke aanduiding voor voettekst 2">
-            <a:extLst>
-              <a:ext uri="{FF2B5EF4-FFF2-40B4-BE49-F238E27FC236}">
-                <a16:creationId xmlns:a16="http://schemas.microsoft.com/office/drawing/2014/main" id="{6492ED8D-C3CD-C136-CC08-DB19D8324ECC}"/>
-              </a:ext>
-            </a:extLst>
-          </p:cNvPr>
+          <p:cNvPr id="3" name="Footer Placeholder 2"/>
           <p:cNvSpPr>
             <a:spLocks noGrp="1"/>
           </p:cNvSpPr>
@@ -2103,13 +4872,7 @@
       </p:sp>
       <p:sp>
         <p:nvSpPr>
-          <p:cNvPr id="4" name="Tijdelijke aanduiding voor dianummer 3">
-            <a:extLst>
-              <a:ext uri="{FF2B5EF4-FFF2-40B4-BE49-F238E27FC236}">
-                <a16:creationId xmlns:a16="http://schemas.microsoft.com/office/drawing/2014/main" id="{CF96C449-E9A6-16FA-7F17-8BEAC6ADBEC5}"/>
-              </a:ext>
-            </a:extLst>
-          </p:cNvPr>
+          <p:cNvPr id="4" name="Slide Number Placeholder 3"/>
           <p:cNvSpPr>
             <a:spLocks noGrp="1"/>
           </p:cNvSpPr>
@@ -2133,7 +4896,7 @@
     </p:spTree>
     <p:extLst>
       <p:ext uri="{BB962C8B-B14F-4D97-AF65-F5344CB8AC3E}">
-        <p14:creationId xmlns:p14="http://schemas.microsoft.com/office/powerpoint/2010/main" val="2339762221"/>
+        <p14:creationId xmlns:p14="http://schemas.microsoft.com/office/powerpoint/2010/main" val="2266464974"/>
       </p:ext>
     </p:extLst>
   </p:cSld>
@@ -2162,13 +4925,7 @@
       </p:grpSpPr>
       <p:sp>
         <p:nvSpPr>
-          <p:cNvPr id="2" name="Titel 1">
-            <a:extLst>
-              <a:ext uri="{FF2B5EF4-FFF2-40B4-BE49-F238E27FC236}">
-                <a16:creationId xmlns:a16="http://schemas.microsoft.com/office/drawing/2014/main" id="{AE94EECB-E51B-6B3C-350D-A29BC99B2DD3}"/>
-              </a:ext>
-            </a:extLst>
-          </p:cNvPr>
+          <p:cNvPr id="2" name="Title 1"/>
           <p:cNvSpPr>
             <a:spLocks noGrp="1"/>
           </p:cNvSpPr>
@@ -2178,14 +4935,14 @@
         </p:nvSpPr>
         <p:spPr>
           <a:xfrm>
-            <a:off x="839788" y="457200"/>
-            <a:ext cx="3932237" cy="1600200"/>
+            <a:off x="685800" y="1524000"/>
+            <a:ext cx="4114800" cy="1600200"/>
           </a:xfrm>
         </p:spPr>
         <p:txBody>
           <a:bodyPr anchor="b"/>
           <a:lstStyle>
-            <a:lvl1pPr>
+            <a:lvl1pPr algn="l">
               <a:defRPr sz="3200"/>
             </a:lvl1pPr>
           </a:lstStyle>
@@ -2194,18 +4951,13 @@
               <a:rPr lang="nl-NL"/>
               <a:t>Klik om stijl te bewerken</a:t>
             </a:r>
-          </a:p>
-        </p:txBody>
-      </p:sp>
-      <p:sp>
-        <p:nvSpPr>
-          <p:cNvPr id="3" name="Tijdelijke aanduiding voor inhoud 2">
-            <a:extLst>
-              <a:ext uri="{FF2B5EF4-FFF2-40B4-BE49-F238E27FC236}">
-                <a16:creationId xmlns:a16="http://schemas.microsoft.com/office/drawing/2014/main" id="{23B181A2-C294-9E33-C8C3-74755DC9F386}"/>
-              </a:ext>
-            </a:extLst>
-          </p:cNvPr>
+            <a:endParaRPr lang="en-US" dirty="0"/>
+          </a:p>
+        </p:txBody>
+      </p:sp>
+      <p:sp>
+        <p:nvSpPr>
+          <p:cNvPr id="3" name="Content Placeholder 2"/>
           <p:cNvSpPr>
             <a:spLocks noGrp="1"/>
           </p:cNvSpPr>
@@ -2215,41 +4967,13 @@
         </p:nvSpPr>
         <p:spPr>
           <a:xfrm>
-            <a:off x="5183188" y="987425"/>
-            <a:ext cx="6172200" cy="4873625"/>
-          </a:xfrm>
-        </p:spPr>
-        <p:txBody>
-          <a:bodyPr/>
-          <a:lstStyle>
-            <a:lvl1pPr>
-              <a:defRPr sz="3200"/>
-            </a:lvl1pPr>
-            <a:lvl2pPr>
-              <a:defRPr sz="2800"/>
-            </a:lvl2pPr>
-            <a:lvl3pPr>
-              <a:defRPr sz="2400"/>
-            </a:lvl3pPr>
-            <a:lvl4pPr>
-              <a:defRPr sz="2000"/>
-            </a:lvl4pPr>
-            <a:lvl5pPr>
-              <a:defRPr sz="2000"/>
-            </a:lvl5pPr>
-            <a:lvl6pPr>
-              <a:defRPr sz="2000"/>
-            </a:lvl6pPr>
-            <a:lvl7pPr>
-              <a:defRPr sz="2000"/>
-            </a:lvl7pPr>
-            <a:lvl8pPr>
-              <a:defRPr sz="2000"/>
-            </a:lvl8pPr>
-            <a:lvl9pPr>
-              <a:defRPr sz="2000"/>
-            </a:lvl9pPr>
-          </a:lstStyle>
+            <a:off x="4995582" y="746759"/>
+            <a:ext cx="6510618" cy="5471925"/>
+          </a:xfrm>
+        </p:spPr>
+        <p:txBody>
+          <a:bodyPr anchor="ctr"/>
+          <a:lstStyle/>
           <a:p>
             <a:pPr lvl="0"/>
             <a:r>
@@ -2284,18 +5008,13 @@
               <a:rPr lang="nl-NL"/>
               <a:t>Vijfde niveau</a:t>
             </a:r>
-          </a:p>
-        </p:txBody>
-      </p:sp>
-      <p:sp>
-        <p:nvSpPr>
-          <p:cNvPr id="4" name="Tijdelijke aanduiding voor tekst 3">
-            <a:extLst>
-              <a:ext uri="{FF2B5EF4-FFF2-40B4-BE49-F238E27FC236}">
-                <a16:creationId xmlns:a16="http://schemas.microsoft.com/office/drawing/2014/main" id="{5B734215-A17D-51A1-3816-F30330C187A5}"/>
-              </a:ext>
-            </a:extLst>
-          </p:cNvPr>
+            <a:endParaRPr lang="en-US" dirty="0"/>
+          </a:p>
+        </p:txBody>
+      </p:sp>
+      <p:sp>
+        <p:nvSpPr>
+          <p:cNvPr id="4" name="Text Placeholder 3"/>
           <p:cNvSpPr>
             <a:spLocks noGrp="1"/>
           </p:cNvSpPr>
@@ -2305,8 +5024,8 @@
         </p:nvSpPr>
         <p:spPr>
           <a:xfrm>
-            <a:off x="839788" y="2057400"/>
-            <a:ext cx="3932237" cy="3811588"/>
+            <a:off x="685800" y="3124199"/>
+            <a:ext cx="4114800" cy="3094485"/>
           </a:xfrm>
         </p:spPr>
         <p:txBody>
@@ -2360,13 +5079,7 @@
       </p:sp>
       <p:sp>
         <p:nvSpPr>
-          <p:cNvPr id="5" name="Tijdelijke aanduiding voor datum 4">
-            <a:extLst>
-              <a:ext uri="{FF2B5EF4-FFF2-40B4-BE49-F238E27FC236}">
-                <a16:creationId xmlns:a16="http://schemas.microsoft.com/office/drawing/2014/main" id="{05AD83F2-EAAF-22C6-7712-5E552E18DCA0}"/>
-              </a:ext>
-            </a:extLst>
-          </p:cNvPr>
+          <p:cNvPr id="5" name="Date Placeholder 4"/>
           <p:cNvSpPr>
             <a:spLocks noGrp="1"/>
           </p:cNvSpPr>
@@ -2389,13 +5102,7 @@
       </p:sp>
       <p:sp>
         <p:nvSpPr>
-          <p:cNvPr id="6" name="Tijdelijke aanduiding voor voettekst 5">
-            <a:extLst>
-              <a:ext uri="{FF2B5EF4-FFF2-40B4-BE49-F238E27FC236}">
-                <a16:creationId xmlns:a16="http://schemas.microsoft.com/office/drawing/2014/main" id="{9618BDD1-D248-2933-41B6-C424F9461002}"/>
-              </a:ext>
-            </a:extLst>
-          </p:cNvPr>
+          <p:cNvPr id="6" name="Footer Placeholder 5"/>
           <p:cNvSpPr>
             <a:spLocks noGrp="1"/>
           </p:cNvSpPr>
@@ -2414,13 +5121,7 @@
       </p:sp>
       <p:sp>
         <p:nvSpPr>
-          <p:cNvPr id="7" name="Tijdelijke aanduiding voor dianummer 6">
-            <a:extLst>
-              <a:ext uri="{FF2B5EF4-FFF2-40B4-BE49-F238E27FC236}">
-                <a16:creationId xmlns:a16="http://schemas.microsoft.com/office/drawing/2014/main" id="{D8F22E3E-B2E6-9FFE-F498-8B3306785C5B}"/>
-              </a:ext>
-            </a:extLst>
-          </p:cNvPr>
+          <p:cNvPr id="7" name="Slide Number Placeholder 6"/>
           <p:cNvSpPr>
             <a:spLocks noGrp="1"/>
           </p:cNvSpPr>
@@ -2444,7 +5145,7 @@
     </p:spTree>
     <p:extLst>
       <p:ext uri="{BB962C8B-B14F-4D97-AF65-F5344CB8AC3E}">
-        <p14:creationId xmlns:p14="http://schemas.microsoft.com/office/powerpoint/2010/main" val="698728556"/>
+        <p14:creationId xmlns:p14="http://schemas.microsoft.com/office/powerpoint/2010/main" val="1543334646"/>
       </p:ext>
     </p:extLst>
   </p:cSld>
@@ -2473,13 +5174,7 @@
       </p:grpSpPr>
       <p:sp>
         <p:nvSpPr>
-          <p:cNvPr id="2" name="Titel 1">
-            <a:extLst>
-              <a:ext uri="{FF2B5EF4-FFF2-40B4-BE49-F238E27FC236}">
-                <a16:creationId xmlns:a16="http://schemas.microsoft.com/office/drawing/2014/main" id="{2D377153-A2E6-9FF7-674A-1F138F56EDF5}"/>
-              </a:ext>
-            </a:extLst>
-          </p:cNvPr>
+          <p:cNvPr id="2" name="Title 1"/>
           <p:cNvSpPr>
             <a:spLocks noGrp="1"/>
           </p:cNvSpPr>
@@ -2489,14 +5184,14 @@
         </p:nvSpPr>
         <p:spPr>
           <a:xfrm>
-            <a:off x="839788" y="457200"/>
-            <a:ext cx="3932237" cy="1600200"/>
+            <a:off x="685800" y="1524000"/>
+            <a:ext cx="6873240" cy="1600200"/>
           </a:xfrm>
         </p:spPr>
         <p:txBody>
           <a:bodyPr anchor="b"/>
           <a:lstStyle>
-            <a:lvl1pPr>
+            <a:lvl1pPr algn="l">
               <a:defRPr sz="3200"/>
             </a:lvl1pPr>
           </a:lstStyle>
@@ -2505,20 +5200,15 @@
               <a:rPr lang="nl-NL"/>
               <a:t>Klik om stijl te bewerken</a:t>
             </a:r>
-          </a:p>
-        </p:txBody>
-      </p:sp>
-      <p:sp>
-        <p:nvSpPr>
-          <p:cNvPr id="3" name="Tijdelijke aanduiding voor afbeelding 2">
-            <a:extLst>
-              <a:ext uri="{FF2B5EF4-FFF2-40B4-BE49-F238E27FC236}">
-                <a16:creationId xmlns:a16="http://schemas.microsoft.com/office/drawing/2014/main" id="{1507AF3C-5F95-A7D4-EA76-3ADDF79EB2B6}"/>
-              </a:ext>
-            </a:extLst>
-          </p:cNvPr>
-          <p:cNvSpPr>
-            <a:spLocks noGrp="1"/>
+            <a:endParaRPr lang="en-US" dirty="0"/>
+          </a:p>
+        </p:txBody>
+      </p:sp>
+      <p:sp>
+        <p:nvSpPr>
+          <p:cNvPr id="3" name="Picture Placeholder 2"/>
+          <p:cNvSpPr>
+            <a:spLocks noGrp="1" noChangeAspect="1"/>
           </p:cNvSpPr>
           <p:nvPr>
             <p:ph type="pic" idx="1"/>
@@ -2526,12 +5216,12 @@
         </p:nvSpPr>
         <p:spPr>
           <a:xfrm>
-            <a:off x="5183188" y="987425"/>
-            <a:ext cx="6172200" cy="4873625"/>
-          </a:xfrm>
-        </p:spPr>
-        <p:txBody>
-          <a:bodyPr/>
+            <a:off x="7861238" y="751241"/>
+            <a:ext cx="3644962" cy="5467443"/>
+          </a:xfrm>
+        </p:spPr>
+        <p:txBody>
+          <a:bodyPr anchor="t"/>
           <a:lstStyle>
             <a:lvl1pPr marL="0" indent="0">
               <a:buNone/>
@@ -2571,19 +5261,17 @@
             </a:lvl9pPr>
           </a:lstStyle>
           <a:p>
-            <a:endParaRPr lang="nl-NL"/>
-          </a:p>
-        </p:txBody>
-      </p:sp>
-      <p:sp>
-        <p:nvSpPr>
-          <p:cNvPr id="4" name="Tijdelijke aanduiding voor tekst 3">
-            <a:extLst>
-              <a:ext uri="{FF2B5EF4-FFF2-40B4-BE49-F238E27FC236}">
-                <a16:creationId xmlns:a16="http://schemas.microsoft.com/office/drawing/2014/main" id="{9450FE65-19A2-0E9D-B9B5-9FC8579E1004}"/>
-              </a:ext>
-            </a:extLst>
-          </p:cNvPr>
+            <a:r>
+              <a:rPr lang="nl-NL"/>
+              <a:t>Klik op het pictogram als u een afbeelding wilt toevoegen</a:t>
+            </a:r>
+            <a:endParaRPr lang="en-US" dirty="0"/>
+          </a:p>
+        </p:txBody>
+      </p:sp>
+      <p:sp>
+        <p:nvSpPr>
+          <p:cNvPr id="4" name="Text Placeholder 3"/>
           <p:cNvSpPr>
             <a:spLocks noGrp="1"/>
           </p:cNvSpPr>
@@ -2593,8 +5281,8 @@
         </p:nvSpPr>
         <p:spPr>
           <a:xfrm>
-            <a:off x="839788" y="2057400"/>
-            <a:ext cx="3932237" cy="3811588"/>
+            <a:off x="685800" y="3124199"/>
+            <a:ext cx="6873240" cy="3094485"/>
           </a:xfrm>
         </p:spPr>
         <p:txBody>
@@ -2648,13 +5336,7 @@
       </p:sp>
       <p:sp>
         <p:nvSpPr>
-          <p:cNvPr id="5" name="Tijdelijke aanduiding voor datum 4">
-            <a:extLst>
-              <a:ext uri="{FF2B5EF4-FFF2-40B4-BE49-F238E27FC236}">
-                <a16:creationId xmlns:a16="http://schemas.microsoft.com/office/drawing/2014/main" id="{A1449C48-B6C4-5871-698A-983305CA8F69}"/>
-              </a:ext>
-            </a:extLst>
-          </p:cNvPr>
+          <p:cNvPr id="5" name="Date Placeholder 4"/>
           <p:cNvSpPr>
             <a:spLocks noGrp="1"/>
           </p:cNvSpPr>
@@ -2677,13 +5359,7 @@
       </p:sp>
       <p:sp>
         <p:nvSpPr>
-          <p:cNvPr id="6" name="Tijdelijke aanduiding voor voettekst 5">
-            <a:extLst>
-              <a:ext uri="{FF2B5EF4-FFF2-40B4-BE49-F238E27FC236}">
-                <a16:creationId xmlns:a16="http://schemas.microsoft.com/office/drawing/2014/main" id="{5946973E-62E5-15E4-6DFA-FF1E551744DC}"/>
-              </a:ext>
-            </a:extLst>
-          </p:cNvPr>
+          <p:cNvPr id="6" name="Footer Placeholder 5"/>
           <p:cNvSpPr>
             <a:spLocks noGrp="1"/>
           </p:cNvSpPr>
@@ -2702,13 +5378,7 @@
       </p:sp>
       <p:sp>
         <p:nvSpPr>
-          <p:cNvPr id="7" name="Tijdelijke aanduiding voor dianummer 6">
-            <a:extLst>
-              <a:ext uri="{FF2B5EF4-FFF2-40B4-BE49-F238E27FC236}">
-                <a16:creationId xmlns:a16="http://schemas.microsoft.com/office/drawing/2014/main" id="{1C241C53-3A47-E322-4EC1-836C22EECA24}"/>
-              </a:ext>
-            </a:extLst>
-          </p:cNvPr>
+          <p:cNvPr id="7" name="Slide Number Placeholder 6"/>
           <p:cNvSpPr>
             <a:spLocks noGrp="1"/>
           </p:cNvSpPr>
@@ -2732,7 +5402,7 @@
     </p:spTree>
     <p:extLst>
       <p:ext uri="{BB962C8B-B14F-4D97-AF65-F5344CB8AC3E}">
-        <p14:creationId xmlns:p14="http://schemas.microsoft.com/office/powerpoint/2010/main" val="3407593841"/>
+        <p14:creationId xmlns:p14="http://schemas.microsoft.com/office/powerpoint/2010/main" val="2090515402"/>
       </p:ext>
     </p:extLst>
   </p:cSld>
@@ -2764,31 +5434,55 @@
           <a:chExt cx="0" cy="0"/>
         </a:xfrm>
       </p:grpSpPr>
-      <p:sp>
-        <p:nvSpPr>
-          <p:cNvPr id="2" name="Tijdelijke aanduiding voor titel 1">
+      <p:pic>
+        <p:nvPicPr>
+          <p:cNvPr id="7" name="Picture 6" descr="C0-HD-TOP.png"/>
+          <p:cNvPicPr>
+            <a:picLocks noChangeAspect="1"/>
+          </p:cNvPicPr>
+          <p:nvPr/>
+        </p:nvPicPr>
+        <p:blipFill>
+          <a:blip r:embed="rId19">
             <a:extLst>
-              <a:ext uri="{FF2B5EF4-FFF2-40B4-BE49-F238E27FC236}">
-                <a16:creationId xmlns:a16="http://schemas.microsoft.com/office/drawing/2014/main" id="{B8A62D75-9453-510D-961E-8146A16A262B}"/>
+              <a:ext uri="{28A0092B-C50C-407E-A947-70E740481C1C}">
+                <a14:useLocalDpi xmlns:a14="http://schemas.microsoft.com/office/drawing/2010/main" val="0"/>
               </a:ext>
             </a:extLst>
-          </p:cNvPr>
-          <p:cNvSpPr>
-            <a:spLocks noGrp="1"/>
-          </p:cNvSpPr>
-          <p:nvPr>
-            <p:ph type="title"/>
-          </p:nvPr>
-        </p:nvSpPr>
-        <p:spPr>
-          <a:xfrm>
-            <a:off x="838200" y="365125"/>
-            <a:ext cx="10515600" cy="1325563"/>
+          </a:blip>
+          <a:stretch>
+            <a:fillRect/>
+          </a:stretch>
+        </p:blipFill>
+        <p:spPr>
+          <a:xfrm>
+            <a:off x="0" y="0"/>
+            <a:ext cx="12192000" cy="1441450"/>
           </a:xfrm>
           <a:prstGeom prst="rect">
             <a:avLst/>
           </a:prstGeom>
         </p:spPr>
+      </p:pic>
+      <p:sp>
+        <p:nvSpPr>
+          <p:cNvPr id="2" name="Title Placeholder 1"/>
+          <p:cNvSpPr>
+            <a:spLocks noGrp="1"/>
+          </p:cNvSpPr>
+          <p:nvPr>
+            <p:ph type="title"/>
+          </p:nvPr>
+        </p:nvSpPr>
+        <p:spPr>
+          <a:xfrm>
+            <a:off x="2895600" y="764373"/>
+            <a:ext cx="8610600" cy="1293028"/>
+          </a:xfrm>
+          <a:prstGeom prst="rect">
+            <a:avLst/>
+          </a:prstGeom>
+        </p:spPr>
         <p:txBody>
           <a:bodyPr vert="horz" lIns="91440" tIns="45720" rIns="91440" bIns="45720" rtlCol="0" anchor="ctr">
             <a:normAutofit/>
@@ -2799,18 +5493,13 @@
               <a:rPr lang="nl-NL"/>
               <a:t>Klik om stijl te bewerken</a:t>
             </a:r>
-          </a:p>
-        </p:txBody>
-      </p:sp>
-      <p:sp>
-        <p:nvSpPr>
-          <p:cNvPr id="3" name="Tijdelijke aanduiding voor tekst 2">
-            <a:extLst>
-              <a:ext uri="{FF2B5EF4-FFF2-40B4-BE49-F238E27FC236}">
-                <a16:creationId xmlns:a16="http://schemas.microsoft.com/office/drawing/2014/main" id="{5F2497F4-A17D-CEB4-9AEF-38372D04971C}"/>
-              </a:ext>
-            </a:extLst>
-          </p:cNvPr>
+            <a:endParaRPr lang="en-US" dirty="0"/>
+          </a:p>
+        </p:txBody>
+      </p:sp>
+      <p:sp>
+        <p:nvSpPr>
+          <p:cNvPr id="3" name="Text Placeholder 2"/>
           <p:cNvSpPr>
             <a:spLocks noGrp="1"/>
           </p:cNvSpPr>
@@ -2820,8 +5509,8 @@
         </p:nvSpPr>
         <p:spPr>
           <a:xfrm>
-            <a:off x="838200" y="1825625"/>
-            <a:ext cx="10515600" cy="4351338"/>
+            <a:off x="685800" y="2194560"/>
+            <a:ext cx="10820400" cy="4024125"/>
           </a:xfrm>
           <a:prstGeom prst="rect">
             <a:avLst/>
@@ -2866,18 +5555,13 @@
               <a:rPr lang="nl-NL"/>
               <a:t>Vijfde niveau</a:t>
             </a:r>
-          </a:p>
-        </p:txBody>
-      </p:sp>
-      <p:sp>
-        <p:nvSpPr>
-          <p:cNvPr id="4" name="Tijdelijke aanduiding voor datum 3">
-            <a:extLst>
-              <a:ext uri="{FF2B5EF4-FFF2-40B4-BE49-F238E27FC236}">
-                <a16:creationId xmlns:a16="http://schemas.microsoft.com/office/drawing/2014/main" id="{583A97DE-5AC4-5A6B-E031-738A7870DEFD}"/>
-              </a:ext>
-            </a:extLst>
-          </p:cNvPr>
+            <a:endParaRPr lang="en-US" dirty="0"/>
+          </a:p>
+        </p:txBody>
+      </p:sp>
+      <p:sp>
+        <p:nvSpPr>
+          <p:cNvPr id="4" name="Date Placeholder 3"/>
           <p:cNvSpPr>
             <a:spLocks noGrp="1"/>
           </p:cNvSpPr>
@@ -2887,8 +5571,8 @@
         </p:nvSpPr>
         <p:spPr>
           <a:xfrm>
-            <a:off x="838200" y="6356350"/>
-            <a:ext cx="2743200" cy="365125"/>
+            <a:off x="8595360" y="6356350"/>
+            <a:ext cx="2910840" cy="365125"/>
           </a:xfrm>
           <a:prstGeom prst="rect">
             <a:avLst/>
@@ -2897,11 +5581,11 @@
         <p:txBody>
           <a:bodyPr vert="horz" lIns="91440" tIns="45720" rIns="91440" bIns="45720" rtlCol="0" anchor="ctr"/>
           <a:lstStyle>
-            <a:lvl1pPr algn="l">
-              <a:defRPr sz="1200">
+            <a:lvl1pPr algn="r">
+              <a:defRPr sz="1050">
                 <a:solidFill>
                   <a:schemeClr val="tx1">
-                    <a:tint val="82000"/>
+                    <a:tint val="75000"/>
                   </a:schemeClr>
                 </a:solidFill>
               </a:defRPr>
@@ -2918,13 +5602,7 @@
       </p:sp>
       <p:sp>
         <p:nvSpPr>
-          <p:cNvPr id="5" name="Tijdelijke aanduiding voor voettekst 4">
-            <a:extLst>
-              <a:ext uri="{FF2B5EF4-FFF2-40B4-BE49-F238E27FC236}">
-                <a16:creationId xmlns:a16="http://schemas.microsoft.com/office/drawing/2014/main" id="{0DE18D4F-7D9D-9E3F-2914-D13EA1739F1B}"/>
-              </a:ext>
-            </a:extLst>
-          </p:cNvPr>
+          <p:cNvPr id="5" name="Footer Placeholder 4"/>
           <p:cNvSpPr>
             <a:spLocks noGrp="1"/>
           </p:cNvSpPr>
@@ -2934,8 +5612,8 @@
         </p:nvSpPr>
         <p:spPr>
           <a:xfrm>
-            <a:off x="4038600" y="6356350"/>
-            <a:ext cx="4114800" cy="365125"/>
+            <a:off x="685800" y="6355845"/>
+            <a:ext cx="7772400" cy="365125"/>
           </a:xfrm>
           <a:prstGeom prst="rect">
             <a:avLst/>
@@ -2944,11 +5622,11 @@
         <p:txBody>
           <a:bodyPr vert="horz" lIns="91440" tIns="45720" rIns="91440" bIns="45720" rtlCol="0" anchor="ctr"/>
           <a:lstStyle>
-            <a:lvl1pPr algn="ctr">
-              <a:defRPr sz="1200">
+            <a:lvl1pPr algn="l">
+              <a:defRPr sz="1050">
                 <a:solidFill>
                   <a:schemeClr val="tx1">
-                    <a:tint val="82000"/>
+                    <a:tint val="75000"/>
                   </a:schemeClr>
                 </a:solidFill>
               </a:defRPr>
@@ -2961,13 +5639,7 @@
       </p:sp>
       <p:sp>
         <p:nvSpPr>
-          <p:cNvPr id="6" name="Tijdelijke aanduiding voor dianummer 5">
-            <a:extLst>
-              <a:ext uri="{FF2B5EF4-FFF2-40B4-BE49-F238E27FC236}">
-                <a16:creationId xmlns:a16="http://schemas.microsoft.com/office/drawing/2014/main" id="{93E0E595-336A-4EC8-331A-358BD69295B0}"/>
-              </a:ext>
-            </a:extLst>
-          </p:cNvPr>
+          <p:cNvPr id="6" name="Slide Number Placeholder 5"/>
           <p:cNvSpPr>
             <a:spLocks noGrp="1"/>
           </p:cNvSpPr>
@@ -2977,7 +5649,7 @@
         </p:nvSpPr>
         <p:spPr>
           <a:xfrm>
-            <a:off x="8610600" y="6356350"/>
+            <a:off x="8763000" y="381000"/>
             <a:ext cx="2743200" cy="365125"/>
           </a:xfrm>
           <a:prstGeom prst="rect">
@@ -2988,10 +5660,10 @@
           <a:bodyPr vert="horz" lIns="91440" tIns="45720" rIns="91440" bIns="45720" rtlCol="0" anchor="ctr"/>
           <a:lstStyle>
             <a:lvl1pPr algn="r">
-              <a:defRPr sz="1200">
+              <a:defRPr sz="1050">
                 <a:solidFill>
                   <a:schemeClr val="tx1">
-                    <a:tint val="82000"/>
+                    <a:tint val="75000"/>
                   </a:schemeClr>
                 </a:solidFill>
               </a:defRPr>
@@ -3009,27 +5681,33 @@
     </p:spTree>
     <p:extLst>
       <p:ext uri="{BB962C8B-B14F-4D97-AF65-F5344CB8AC3E}">
-        <p14:creationId xmlns:p14="http://schemas.microsoft.com/office/powerpoint/2010/main" val="1631083474"/>
+        <p14:creationId xmlns:p14="http://schemas.microsoft.com/office/powerpoint/2010/main" val="2303668516"/>
       </p:ext>
     </p:extLst>
   </p:cSld>
-  <p:clrMap bg1="lt1" tx1="dk1" bg2="lt2" tx2="dk2" accent1="accent1" accent2="accent2" accent3="accent3" accent4="accent4" accent5="accent5" accent6="accent6" hlink="hlink" folHlink="folHlink"/>
+  <p:clrMap bg1="dk1" tx1="lt1" bg2="dk2" tx2="lt2" accent1="accent1" accent2="accent2" accent3="accent3" accent4="accent4" accent5="accent5" accent6="accent6" hlink="hlink" folHlink="folHlink"/>
   <p:sldLayoutIdLst>
-    <p:sldLayoutId id="2147483649" r:id="rId1"/>
-    <p:sldLayoutId id="2147483650" r:id="rId2"/>
-    <p:sldLayoutId id="2147483651" r:id="rId3"/>
-    <p:sldLayoutId id="2147483652" r:id="rId4"/>
-    <p:sldLayoutId id="2147483653" r:id="rId5"/>
-    <p:sldLayoutId id="2147483654" r:id="rId6"/>
-    <p:sldLayoutId id="2147483655" r:id="rId7"/>
-    <p:sldLayoutId id="2147483656" r:id="rId8"/>
-    <p:sldLayoutId id="2147483657" r:id="rId9"/>
-    <p:sldLayoutId id="2147483658" r:id="rId10"/>
-    <p:sldLayoutId id="2147483659" r:id="rId11"/>
+    <p:sldLayoutId id="2147483661" r:id="rId1"/>
+    <p:sldLayoutId id="2147483662" r:id="rId2"/>
+    <p:sldLayoutId id="2147483663" r:id="rId3"/>
+    <p:sldLayoutId id="2147483664" r:id="rId4"/>
+    <p:sldLayoutId id="2147483665" r:id="rId5"/>
+    <p:sldLayoutId id="2147483666" r:id="rId6"/>
+    <p:sldLayoutId id="2147483667" r:id="rId7"/>
+    <p:sldLayoutId id="2147483668" r:id="rId8"/>
+    <p:sldLayoutId id="2147483669" r:id="rId9"/>
+    <p:sldLayoutId id="2147483670" r:id="rId10"/>
+    <p:sldLayoutId id="2147483671" r:id="rId11"/>
+    <p:sldLayoutId id="2147483672" r:id="rId12"/>
+    <p:sldLayoutId id="2147483673" r:id="rId13"/>
+    <p:sldLayoutId id="2147483674" r:id="rId14"/>
+    <p:sldLayoutId id="2147483675" r:id="rId15"/>
+    <p:sldLayoutId id="2147483676" r:id="rId16"/>
+    <p:sldLayoutId id="2147483677" r:id="rId17"/>
   </p:sldLayoutIdLst>
   <p:txStyles>
     <p:titleStyle>
-      <a:lvl1pPr algn="l" defTabSz="914400" rtl="0" eaLnBrk="1" latinLnBrk="0" hangingPunct="1">
+      <a:lvl1pPr algn="r" defTabSz="914400" rtl="0" eaLnBrk="1" latinLnBrk="0" hangingPunct="1">
         <a:lnSpc>
           <a:spcPct val="90000"/>
         </a:lnSpc>
@@ -3037,7 +5715,7 @@
           <a:spcPct val="0"/>
         </a:spcBef>
         <a:buNone/>
-        <a:defRPr sz="4400" kern="1200">
+        <a:defRPr sz="4000" kern="1200" cap="all" baseline="0">
           <a:solidFill>
             <a:schemeClr val="tx1"/>
           </a:solidFill>
@@ -3057,7 +5735,7 @@
         </a:spcBef>
         <a:buFont typeface="Arial" panose="020B0604020202020204" pitchFamily="34" charset="0"/>
         <a:buChar char="•"/>
-        <a:defRPr sz="2800" kern="1200">
+        <a:defRPr sz="2200" kern="1200">
           <a:solidFill>
             <a:schemeClr val="tx1"/>
           </a:solidFill>
@@ -3075,7 +5753,7 @@
         </a:spcBef>
         <a:buFont typeface="Arial" panose="020B0604020202020204" pitchFamily="34" charset="0"/>
         <a:buChar char="•"/>
-        <a:defRPr sz="2400" kern="1200">
+        <a:defRPr sz="2000" kern="1200">
           <a:solidFill>
             <a:schemeClr val="tx1"/>
           </a:solidFill>
@@ -3093,7 +5771,7 @@
         </a:spcBef>
         <a:buFont typeface="Arial" panose="020B0604020202020204" pitchFamily="34" charset="0"/>
         <a:buChar char="•"/>
-        <a:defRPr sz="2000" kern="1200">
+        <a:defRPr sz="1800" kern="1200">
           <a:solidFill>
             <a:schemeClr val="tx1"/>
           </a:solidFill>
@@ -3111,7 +5789,7 @@
         </a:spcBef>
         <a:buFont typeface="Arial" panose="020B0604020202020204" pitchFamily="34" charset="0"/>
         <a:buChar char="•"/>
-        <a:defRPr sz="1800" kern="1200">
+        <a:defRPr sz="1600" kern="1200">
           <a:solidFill>
             <a:schemeClr val="tx1"/>
           </a:solidFill>
@@ -3129,7 +5807,7 @@
         </a:spcBef>
         <a:buFont typeface="Arial" panose="020B0604020202020204" pitchFamily="34" charset="0"/>
         <a:buChar char="•"/>
-        <a:defRPr sz="1800" kern="1200">
+        <a:defRPr sz="1600" kern="1200">
           <a:solidFill>
             <a:schemeClr val="tx1"/>
           </a:solidFill>
@@ -3147,7 +5825,7 @@
         </a:spcBef>
         <a:buFont typeface="Arial" panose="020B0604020202020204" pitchFamily="34" charset="0"/>
         <a:buChar char="•"/>
-        <a:defRPr sz="1800" kern="1200">
+        <a:defRPr sz="1600" kern="1200">
           <a:solidFill>
             <a:schemeClr val="tx1"/>
           </a:solidFill>
@@ -3165,7 +5843,7 @@
         </a:spcBef>
         <a:buFont typeface="Arial" panose="020B0604020202020204" pitchFamily="34" charset="0"/>
         <a:buChar char="•"/>
-        <a:defRPr sz="1800" kern="1200">
+        <a:defRPr sz="1600" kern="1200">
           <a:solidFill>
             <a:schemeClr val="tx1"/>
           </a:solidFill>
@@ -3183,7 +5861,7 @@
         </a:spcBef>
         <a:buFont typeface="Arial" panose="020B0604020202020204" pitchFamily="34" charset="0"/>
         <a:buChar char="•"/>
-        <a:defRPr sz="1800" kern="1200">
+        <a:defRPr sz="1600" kern="1200">
           <a:solidFill>
             <a:schemeClr val="tx1"/>
           </a:solidFill>
@@ -3201,7 +5879,7 @@
         </a:spcBef>
         <a:buFont typeface="Arial" panose="020B0604020202020204" pitchFamily="34" charset="0"/>
         <a:buChar char="•"/>
-        <a:defRPr sz="1800" kern="1200">
+        <a:defRPr sz="1600" kern="1200">
           <a:solidFill>
             <a:schemeClr val="tx1"/>
           </a:solidFill>
@@ -3213,7 +5891,7 @@
     </p:bodyStyle>
     <p:otherStyle>
       <a:defPPr>
-        <a:defRPr lang="nl-NL"/>
+        <a:defRPr lang="en-US"/>
       </a:defPPr>
       <a:lvl1pPr marL="0" algn="l" defTabSz="914400" rtl="0" eaLnBrk="1" latinLnBrk="0" hangingPunct="1">
         <a:defRPr sz="1800" kern="1200">
@@ -3345,7 +6023,9 @@
         </p:nvSpPr>
         <p:spPr/>
         <p:txBody>
-          <a:bodyPr/>
+          <a:bodyPr>
+            <a:normAutofit fontScale="90000"/>
+          </a:bodyPr>
           <a:lstStyle/>
           <a:p>
             <a:r>
@@ -3387,7 +6067,7 @@
         <p:spPr>
           <a:xfrm>
             <a:off x="1524000" y="3602037"/>
-            <a:ext cx="9144000" cy="1960563"/>
+            <a:ext cx="9144000" cy="2298431"/>
           </a:xfrm>
         </p:spPr>
         <p:txBody>
@@ -3470,7 +6150,7 @@
 </file>
 
 <file path=ppt/slides/slide2.xml><?xml version="1.0" encoding="utf-8"?>
-<p:sld xmlns:a="http://schemas.openxmlformats.org/drawingml/2006/main" xmlns:r="http://schemas.openxmlformats.org/officeDocument/2006/relationships" xmlns:p="http://schemas.openxmlformats.org/presentationml/2006/main" show="0">
+<p:sld xmlns:a="http://schemas.openxmlformats.org/drawingml/2006/main" xmlns:r="http://schemas.openxmlformats.org/officeDocument/2006/relationships" xmlns:p="http://schemas.openxmlformats.org/presentationml/2006/main">
   <p:cSld>
     <p:spTree>
       <p:nvGrpSpPr>
@@ -3491,7 +6171,7 @@
           <p:cNvPr id="2" name="Titel 1">
             <a:extLst>
               <a:ext uri="{FF2B5EF4-FFF2-40B4-BE49-F238E27FC236}">
-                <a16:creationId xmlns:a16="http://schemas.microsoft.com/office/drawing/2014/main" id="{D1587FB2-F98E-D0CF-81A7-7EEB3623BA9F}"/>
+                <a16:creationId xmlns:a16="http://schemas.microsoft.com/office/drawing/2014/main" id="{B3422F47-8E8E-FA07-BFE8-B6C6C6C5EEA5}"/>
               </a:ext>
             </a:extLst>
           </p:cNvPr>
@@ -3509,7 +6189,7 @@
           <a:p>
             <a:r>
               <a:rPr lang="nl-NL" dirty="0"/>
-              <a:t>Wat houdt het project in?</a:t>
+              <a:t>Inhoudsopgave</a:t>
             </a:r>
           </a:p>
         </p:txBody>
@@ -3519,7 +6199,7 @@
           <p:cNvPr id="3" name="Tijdelijke aanduiding voor inhoud 2">
             <a:extLst>
               <a:ext uri="{FF2B5EF4-FFF2-40B4-BE49-F238E27FC236}">
-                <a16:creationId xmlns:a16="http://schemas.microsoft.com/office/drawing/2014/main" id="{37808E34-2ADB-B149-5692-D9D135928DAD}"/>
+                <a16:creationId xmlns:a16="http://schemas.microsoft.com/office/drawing/2014/main" id="{BBEA6DFD-BDE8-FCC2-E454-352B1A3371BE}"/>
               </a:ext>
             </a:extLst>
           </p:cNvPr>
@@ -3537,15 +6217,43 @@
           <a:p>
             <a:r>
               <a:rPr lang="nl-NL" dirty="0"/>
-              <a:t>In een ruimte (lokaal) drones (of objecten) kunnen detecteren, </a:t>
-            </a:r>
-            <a:r>
-              <a:rPr lang="nl-NL" dirty="0" err="1"/>
-              <a:t>dmv</a:t>
-            </a:r>
+              <a:t>Wat is het Probleem?</a:t>
+            </a:r>
+          </a:p>
+          <a:p>
             <a:r>
               <a:rPr lang="nl-NL" dirty="0"/>
-              <a:t> 2 camera’s (of andere optische sensoren)</a:t>
+              <a:t>Wat houdt het Project in?</a:t>
+            </a:r>
+          </a:p>
+          <a:p>
+            <a:r>
+              <a:rPr lang="nl-NL" dirty="0"/>
+              <a:t>Wat is de acceptatie criteria?</a:t>
+            </a:r>
+          </a:p>
+          <a:p>
+            <a:r>
+              <a:rPr lang="nl-NL" dirty="0"/>
+              <a:t>Wat zijn de mogelijke oplossingen?</a:t>
+            </a:r>
+          </a:p>
+          <a:p>
+            <a:r>
+              <a:rPr lang="nl-NL" dirty="0"/>
+              <a:t>Welke afspraken zijn er gemaakt?</a:t>
+            </a:r>
+          </a:p>
+          <a:p>
+            <a:r>
+              <a:rPr lang="nl-NL" dirty="0"/>
+              <a:t>Hoe is het projectbeheer opgezet?</a:t>
+            </a:r>
+          </a:p>
+          <a:p>
+            <a:r>
+              <a:rPr lang="nl-NL" dirty="0"/>
+              <a:t>Wat is er voorbereid voor Sprint 1?</a:t>
             </a:r>
           </a:p>
         </p:txBody>
@@ -3553,7 +6261,7 @@
     </p:spTree>
     <p:extLst>
       <p:ext uri="{BB962C8B-B14F-4D97-AF65-F5344CB8AC3E}">
-        <p14:creationId xmlns:p14="http://schemas.microsoft.com/office/powerpoint/2010/main" val="1666414832"/>
+        <p14:creationId xmlns:p14="http://schemas.microsoft.com/office/powerpoint/2010/main" val="2087852509"/>
       </p:ext>
     </p:extLst>
   </p:cSld>
@@ -3564,7 +6272,7 @@
 </file>
 
 <file path=ppt/slides/slide3.xml><?xml version="1.0" encoding="utf-8"?>
-<p:sld xmlns:a="http://schemas.openxmlformats.org/drawingml/2006/main" xmlns:r="http://schemas.openxmlformats.org/officeDocument/2006/relationships" xmlns:p="http://schemas.openxmlformats.org/presentationml/2006/main" show="0">
+<p:sld xmlns:a="http://schemas.openxmlformats.org/drawingml/2006/main" xmlns:r="http://schemas.openxmlformats.org/officeDocument/2006/relationships" xmlns:p="http://schemas.openxmlformats.org/presentationml/2006/main">
   <p:cSld>
     <p:spTree>
       <p:nvGrpSpPr>
@@ -3631,13 +6339,13 @@
           <a:p>
             <a:r>
               <a:rPr lang="nl-NL" dirty="0"/>
-              <a:t>Mensen die nieuwsgierig zijn met drones, of kwaadaardige drones die informatie willen verkrijgen.</a:t>
+              <a:t>Mensen met drones op de havens</a:t>
             </a:r>
           </a:p>
           <a:p>
             <a:r>
               <a:rPr lang="nl-NL" dirty="0"/>
-              <a:t>Dit kan een gevaar zijn voor de havenmedewerkers en schepen.</a:t>
+              <a:t>Russische drones.</a:t>
             </a:r>
           </a:p>
         </p:txBody>
@@ -3656,7 +6364,7 @@
 </file>
 
 <file path=ppt/slides/slide4.xml><?xml version="1.0" encoding="utf-8"?>
-<p:sld xmlns:a="http://schemas.openxmlformats.org/drawingml/2006/main" xmlns:r="http://schemas.openxmlformats.org/officeDocument/2006/relationships" xmlns:p="http://schemas.openxmlformats.org/presentationml/2006/main" show="0">
+<p:sld xmlns:a="http://schemas.openxmlformats.org/drawingml/2006/main" xmlns:r="http://schemas.openxmlformats.org/officeDocument/2006/relationships" xmlns:p="http://schemas.openxmlformats.org/presentationml/2006/main">
   <p:cSld>
     <p:spTree>
       <p:nvGrpSpPr>
@@ -3677,7 +6385,7 @@
           <p:cNvPr id="2" name="Titel 1">
             <a:extLst>
               <a:ext uri="{FF2B5EF4-FFF2-40B4-BE49-F238E27FC236}">
-                <a16:creationId xmlns:a16="http://schemas.microsoft.com/office/drawing/2014/main" id="{26FC77BE-E369-41B1-5007-900856E62234}"/>
+                <a16:creationId xmlns:a16="http://schemas.microsoft.com/office/drawing/2014/main" id="{D1587FB2-F98E-D0CF-81A7-7EEB3623BA9F}"/>
               </a:ext>
             </a:extLst>
           </p:cNvPr>
@@ -3688,14 +6396,19 @@
             <p:ph type="title"/>
           </p:nvPr>
         </p:nvSpPr>
-        <p:spPr/>
+        <p:spPr>
+          <a:xfrm>
+            <a:off x="838200" y="75824"/>
+            <a:ext cx="10515600" cy="1325563"/>
+          </a:xfrm>
+        </p:spPr>
         <p:txBody>
           <a:bodyPr/>
           <a:lstStyle/>
           <a:p>
             <a:r>
               <a:rPr lang="nl-NL" dirty="0"/>
-              <a:t>Wat zijn mogelijke oplossingen?</a:t>
+              <a:t>Wat houdt het project in?</a:t>
             </a:r>
           </a:p>
         </p:txBody>
@@ -3705,7 +6418,7 @@
           <p:cNvPr id="3" name="Tijdelijke aanduiding voor inhoud 2">
             <a:extLst>
               <a:ext uri="{FF2B5EF4-FFF2-40B4-BE49-F238E27FC236}">
-                <a16:creationId xmlns:a16="http://schemas.microsoft.com/office/drawing/2014/main" id="{94B116D4-0851-B247-B245-97C96EF63D97}"/>
+                <a16:creationId xmlns:a16="http://schemas.microsoft.com/office/drawing/2014/main" id="{37808E34-2ADB-B149-5692-D9D135928DAD}"/>
               </a:ext>
             </a:extLst>
           </p:cNvPr>
@@ -3716,22 +6429,275 @@
             <p:ph idx="1"/>
           </p:nvPr>
         </p:nvSpPr>
-        <p:spPr/>
-        <p:txBody>
-          <a:bodyPr/>
+        <p:spPr>
+          <a:xfrm>
+            <a:off x="838200" y="1187268"/>
+            <a:ext cx="10515600" cy="2063527"/>
+          </a:xfrm>
+        </p:spPr>
+        <p:txBody>
+          <a:bodyPr>
+            <a:normAutofit/>
+          </a:bodyPr>
           <a:lstStyle/>
           <a:p>
             <a:r>
               <a:rPr lang="nl-NL" dirty="0"/>
-              <a:t>Door ze </a:t>
-            </a:r>
-            <a:r>
-              <a:rPr lang="nl-NL" dirty="0" err="1"/>
-              <a:t>optijd</a:t>
-            </a:r>
+              <a:t>drones (of objecten) kunnen detecteren, door optische sensoren</a:t>
+            </a:r>
+          </a:p>
+          <a:p>
             <a:r>
               <a:rPr lang="nl-NL" dirty="0"/>
-              <a:t> te detecteren kan je een melding geven waardoor de drones verwijderd kunnen worden.</a:t>
+              <a:t>Met </a:t>
+            </a:r>
+            <a:r>
+              <a:rPr lang="nl-NL"/>
+              <a:t>Radars daarbij ook </a:t>
+            </a:r>
+            <a:r>
+              <a:rPr lang="nl-NL" dirty="0"/>
+              <a:t>camera’s</a:t>
+            </a:r>
+          </a:p>
+        </p:txBody>
+      </p:sp>
+      <p:sp>
+        <p:nvSpPr>
+          <p:cNvPr id="4" name="Tekstvak 3">
+            <a:extLst>
+              <a:ext uri="{FF2B5EF4-FFF2-40B4-BE49-F238E27FC236}">
+                <a16:creationId xmlns:a16="http://schemas.microsoft.com/office/drawing/2014/main" id="{533F5F0A-AAE6-932E-3E48-502427D6FE5A}"/>
+              </a:ext>
+            </a:extLst>
+          </p:cNvPr>
+          <p:cNvSpPr txBox="1"/>
+          <p:nvPr/>
+        </p:nvSpPr>
+        <p:spPr>
+          <a:xfrm>
+            <a:off x="838200" y="3250796"/>
+            <a:ext cx="7212424" cy="769441"/>
+          </a:xfrm>
+          <a:prstGeom prst="rect">
+            <a:avLst/>
+          </a:prstGeom>
+          <a:noFill/>
+        </p:spPr>
+        <p:txBody>
+          <a:bodyPr wrap="none" rtlCol="0">
+            <a:spAutoFit/>
+          </a:bodyPr>
+          <a:lstStyle/>
+          <a:p>
+            <a:r>
+              <a:rPr lang="nl-NL" sz="4400" dirty="0"/>
+              <a:t>Wat is de acceptatie criteria?</a:t>
+            </a:r>
+          </a:p>
+        </p:txBody>
+      </p:sp>
+      <p:sp>
+        <p:nvSpPr>
+          <p:cNvPr id="5" name="Tijdelijke aanduiding voor inhoud 2">
+            <a:extLst>
+              <a:ext uri="{FF2B5EF4-FFF2-40B4-BE49-F238E27FC236}">
+                <a16:creationId xmlns:a16="http://schemas.microsoft.com/office/drawing/2014/main" id="{5E70E7EE-FE2A-F888-5156-B048DE0EFF06}"/>
+              </a:ext>
+            </a:extLst>
+          </p:cNvPr>
+          <p:cNvSpPr txBox="1">
+            <a:spLocks/>
+          </p:cNvSpPr>
+          <p:nvPr/>
+        </p:nvSpPr>
+        <p:spPr>
+          <a:xfrm>
+            <a:off x="838200" y="4179600"/>
+            <a:ext cx="10515600" cy="952082"/>
+          </a:xfrm>
+          <a:prstGeom prst="rect">
+            <a:avLst/>
+          </a:prstGeom>
+        </p:spPr>
+        <p:txBody>
+          <a:bodyPr vert="horz" lIns="91440" tIns="45720" rIns="91440" bIns="45720" rtlCol="0">
+            <a:normAutofit lnSpcReduction="10000"/>
+          </a:bodyPr>
+          <a:lstStyle>
+            <a:lvl1pPr marL="228600" indent="-228600" algn="l" defTabSz="914400" rtl="0" eaLnBrk="1" latinLnBrk="0" hangingPunct="1">
+              <a:lnSpc>
+                <a:spcPct val="90000"/>
+              </a:lnSpc>
+              <a:spcBef>
+                <a:spcPts val="1000"/>
+              </a:spcBef>
+              <a:buFont typeface="Arial" panose="020B0604020202020204" pitchFamily="34" charset="0"/>
+              <a:buChar char="•"/>
+              <a:defRPr sz="2800" kern="1200">
+                <a:solidFill>
+                  <a:schemeClr val="tx1"/>
+                </a:solidFill>
+                <a:latin typeface="+mn-lt"/>
+                <a:ea typeface="+mn-ea"/>
+                <a:cs typeface="+mn-cs"/>
+              </a:defRPr>
+            </a:lvl1pPr>
+            <a:lvl2pPr marL="685800" indent="-228600" algn="l" defTabSz="914400" rtl="0" eaLnBrk="1" latinLnBrk="0" hangingPunct="1">
+              <a:lnSpc>
+                <a:spcPct val="90000"/>
+              </a:lnSpc>
+              <a:spcBef>
+                <a:spcPts val="500"/>
+              </a:spcBef>
+              <a:buFont typeface="Arial" panose="020B0604020202020204" pitchFamily="34" charset="0"/>
+              <a:buChar char="•"/>
+              <a:defRPr sz="2400" kern="1200">
+                <a:solidFill>
+                  <a:schemeClr val="tx1"/>
+                </a:solidFill>
+                <a:latin typeface="+mn-lt"/>
+                <a:ea typeface="+mn-ea"/>
+                <a:cs typeface="+mn-cs"/>
+              </a:defRPr>
+            </a:lvl2pPr>
+            <a:lvl3pPr marL="1143000" indent="-228600" algn="l" defTabSz="914400" rtl="0" eaLnBrk="1" latinLnBrk="0" hangingPunct="1">
+              <a:lnSpc>
+                <a:spcPct val="90000"/>
+              </a:lnSpc>
+              <a:spcBef>
+                <a:spcPts val="500"/>
+              </a:spcBef>
+              <a:buFont typeface="Arial" panose="020B0604020202020204" pitchFamily="34" charset="0"/>
+              <a:buChar char="•"/>
+              <a:defRPr sz="2000" kern="1200">
+                <a:solidFill>
+                  <a:schemeClr val="tx1"/>
+                </a:solidFill>
+                <a:latin typeface="+mn-lt"/>
+                <a:ea typeface="+mn-ea"/>
+                <a:cs typeface="+mn-cs"/>
+              </a:defRPr>
+            </a:lvl3pPr>
+            <a:lvl4pPr marL="1600200" indent="-228600" algn="l" defTabSz="914400" rtl="0" eaLnBrk="1" latinLnBrk="0" hangingPunct="1">
+              <a:lnSpc>
+                <a:spcPct val="90000"/>
+              </a:lnSpc>
+              <a:spcBef>
+                <a:spcPts val="500"/>
+              </a:spcBef>
+              <a:buFont typeface="Arial" panose="020B0604020202020204" pitchFamily="34" charset="0"/>
+              <a:buChar char="•"/>
+              <a:defRPr sz="1800" kern="1200">
+                <a:solidFill>
+                  <a:schemeClr val="tx1"/>
+                </a:solidFill>
+                <a:latin typeface="+mn-lt"/>
+                <a:ea typeface="+mn-ea"/>
+                <a:cs typeface="+mn-cs"/>
+              </a:defRPr>
+            </a:lvl4pPr>
+            <a:lvl5pPr marL="2057400" indent="-228600" algn="l" defTabSz="914400" rtl="0" eaLnBrk="1" latinLnBrk="0" hangingPunct="1">
+              <a:lnSpc>
+                <a:spcPct val="90000"/>
+              </a:lnSpc>
+              <a:spcBef>
+                <a:spcPts val="500"/>
+              </a:spcBef>
+              <a:buFont typeface="Arial" panose="020B0604020202020204" pitchFamily="34" charset="0"/>
+              <a:buChar char="•"/>
+              <a:defRPr sz="1800" kern="1200">
+                <a:solidFill>
+                  <a:schemeClr val="tx1"/>
+                </a:solidFill>
+                <a:latin typeface="+mn-lt"/>
+                <a:ea typeface="+mn-ea"/>
+                <a:cs typeface="+mn-cs"/>
+              </a:defRPr>
+            </a:lvl5pPr>
+            <a:lvl6pPr marL="2514600" indent="-228600" algn="l" defTabSz="914400" rtl="0" eaLnBrk="1" latinLnBrk="0" hangingPunct="1">
+              <a:lnSpc>
+                <a:spcPct val="90000"/>
+              </a:lnSpc>
+              <a:spcBef>
+                <a:spcPts val="500"/>
+              </a:spcBef>
+              <a:buFont typeface="Arial" panose="020B0604020202020204" pitchFamily="34" charset="0"/>
+              <a:buChar char="•"/>
+              <a:defRPr sz="1800" kern="1200">
+                <a:solidFill>
+                  <a:schemeClr val="tx1"/>
+                </a:solidFill>
+                <a:latin typeface="+mn-lt"/>
+                <a:ea typeface="+mn-ea"/>
+                <a:cs typeface="+mn-cs"/>
+              </a:defRPr>
+            </a:lvl6pPr>
+            <a:lvl7pPr marL="2971800" indent="-228600" algn="l" defTabSz="914400" rtl="0" eaLnBrk="1" latinLnBrk="0" hangingPunct="1">
+              <a:lnSpc>
+                <a:spcPct val="90000"/>
+              </a:lnSpc>
+              <a:spcBef>
+                <a:spcPts val="500"/>
+              </a:spcBef>
+              <a:buFont typeface="Arial" panose="020B0604020202020204" pitchFamily="34" charset="0"/>
+              <a:buChar char="•"/>
+              <a:defRPr sz="1800" kern="1200">
+                <a:solidFill>
+                  <a:schemeClr val="tx1"/>
+                </a:solidFill>
+                <a:latin typeface="+mn-lt"/>
+                <a:ea typeface="+mn-ea"/>
+                <a:cs typeface="+mn-cs"/>
+              </a:defRPr>
+            </a:lvl7pPr>
+            <a:lvl8pPr marL="3429000" indent="-228600" algn="l" defTabSz="914400" rtl="0" eaLnBrk="1" latinLnBrk="0" hangingPunct="1">
+              <a:lnSpc>
+                <a:spcPct val="90000"/>
+              </a:lnSpc>
+              <a:spcBef>
+                <a:spcPts val="500"/>
+              </a:spcBef>
+              <a:buFont typeface="Arial" panose="020B0604020202020204" pitchFamily="34" charset="0"/>
+              <a:buChar char="•"/>
+              <a:defRPr sz="1800" kern="1200">
+                <a:solidFill>
+                  <a:schemeClr val="tx1"/>
+                </a:solidFill>
+                <a:latin typeface="+mn-lt"/>
+                <a:ea typeface="+mn-ea"/>
+                <a:cs typeface="+mn-cs"/>
+              </a:defRPr>
+            </a:lvl8pPr>
+            <a:lvl9pPr marL="3886200" indent="-228600" algn="l" defTabSz="914400" rtl="0" eaLnBrk="1" latinLnBrk="0" hangingPunct="1">
+              <a:lnSpc>
+                <a:spcPct val="90000"/>
+              </a:lnSpc>
+              <a:spcBef>
+                <a:spcPts val="500"/>
+              </a:spcBef>
+              <a:buFont typeface="Arial" panose="020B0604020202020204" pitchFamily="34" charset="0"/>
+              <a:buChar char="•"/>
+              <a:defRPr sz="1800" kern="1200">
+                <a:solidFill>
+                  <a:schemeClr val="tx1"/>
+                </a:solidFill>
+                <a:latin typeface="+mn-lt"/>
+                <a:ea typeface="+mn-ea"/>
+                <a:cs typeface="+mn-cs"/>
+              </a:defRPr>
+            </a:lvl9pPr>
+          </a:lstStyle>
+          <a:p>
+            <a:r>
+              <a:rPr lang="nl-NL" dirty="0"/>
+              <a:t>Een werkend concept leveren</a:t>
+            </a:r>
+          </a:p>
+          <a:p>
+            <a:r>
+              <a:rPr lang="nl-NL" dirty="0"/>
+              <a:t>De docenten moeten het goedkeuren</a:t>
             </a:r>
           </a:p>
         </p:txBody>
@@ -3739,7 +6705,7 @@
     </p:spTree>
     <p:extLst>
       <p:ext uri="{BB962C8B-B14F-4D97-AF65-F5344CB8AC3E}">
-        <p14:creationId xmlns:p14="http://schemas.microsoft.com/office/powerpoint/2010/main" val="1933856379"/>
+        <p14:creationId xmlns:p14="http://schemas.microsoft.com/office/powerpoint/2010/main" val="1666414832"/>
       </p:ext>
     </p:extLst>
   </p:cSld>
@@ -3750,7 +6716,7 @@
 </file>
 
 <file path=ppt/slides/slide5.xml><?xml version="1.0" encoding="utf-8"?>
-<p:sld xmlns:a="http://schemas.openxmlformats.org/drawingml/2006/main" xmlns:r="http://schemas.openxmlformats.org/officeDocument/2006/relationships" xmlns:p="http://schemas.openxmlformats.org/presentationml/2006/main" show="0">
+<p:sld xmlns:a="http://schemas.openxmlformats.org/drawingml/2006/main" xmlns:r="http://schemas.openxmlformats.org/officeDocument/2006/relationships" xmlns:p="http://schemas.openxmlformats.org/presentationml/2006/main">
   <p:cSld>
     <p:spTree>
       <p:nvGrpSpPr>
@@ -3771,7 +6737,7 @@
           <p:cNvPr id="2" name="Titel 1">
             <a:extLst>
               <a:ext uri="{FF2B5EF4-FFF2-40B4-BE49-F238E27FC236}">
-                <a16:creationId xmlns:a16="http://schemas.microsoft.com/office/drawing/2014/main" id="{976695B0-7F38-8B2D-75E5-389C14DE06F8}"/>
+                <a16:creationId xmlns:a16="http://schemas.microsoft.com/office/drawing/2014/main" id="{26FC77BE-E369-41B1-5007-900856E62234}"/>
               </a:ext>
             </a:extLst>
           </p:cNvPr>
@@ -3789,7 +6755,7 @@
           <a:p>
             <a:r>
               <a:rPr lang="nl-NL" dirty="0"/>
-              <a:t>Welke afspraken zijn gemaakt?</a:t>
+              <a:t>Wat zijn mogelijke oplossingen?</a:t>
             </a:r>
           </a:p>
         </p:txBody>
@@ -3799,7 +6765,7 @@
           <p:cNvPr id="3" name="Tijdelijke aanduiding voor inhoud 2">
             <a:extLst>
               <a:ext uri="{FF2B5EF4-FFF2-40B4-BE49-F238E27FC236}">
-                <a16:creationId xmlns:a16="http://schemas.microsoft.com/office/drawing/2014/main" id="{D073DE3F-4C73-C8AF-C3D4-4A92ABCAA7B5}"/>
+                <a16:creationId xmlns:a16="http://schemas.microsoft.com/office/drawing/2014/main" id="{94B116D4-0851-B247-B245-97C96EF63D97}"/>
               </a:ext>
             </a:extLst>
           </p:cNvPr>
@@ -3817,21 +6783,18 @@
           <a:p>
             <a:r>
               <a:rPr lang="nl-NL" dirty="0"/>
-              <a:t>1x per 2 weken een mailtje sturen met de voortgang naar de PO.</a:t>
-            </a:r>
-          </a:p>
-          <a:p>
-            <a:r>
-              <a:rPr lang="nl-NL" dirty="0"/>
-              <a:t>Als er vragen zijn, mailtje sturen naar de PO.</a:t>
-            </a:r>
+              <a:t>Melding laten sturen wanneer een drone wordt gedetecteerd</a:t>
+            </a:r>
+          </a:p>
+          <a:p>
+            <a:endParaRPr lang="nl-NL" dirty="0"/>
           </a:p>
         </p:txBody>
       </p:sp>
     </p:spTree>
     <p:extLst>
       <p:ext uri="{BB962C8B-B14F-4D97-AF65-F5344CB8AC3E}">
-        <p14:creationId xmlns:p14="http://schemas.microsoft.com/office/powerpoint/2010/main" val="310988572"/>
+        <p14:creationId xmlns:p14="http://schemas.microsoft.com/office/powerpoint/2010/main" val="1933856379"/>
       </p:ext>
     </p:extLst>
   </p:cSld>
@@ -3842,7 +6805,7 @@
 </file>
 
 <file path=ppt/slides/slide6.xml><?xml version="1.0" encoding="utf-8"?>
-<p:sld xmlns:a="http://schemas.openxmlformats.org/drawingml/2006/main" xmlns:r="http://schemas.openxmlformats.org/officeDocument/2006/relationships" xmlns:p="http://schemas.openxmlformats.org/presentationml/2006/main" show="0">
+<p:sld xmlns:a="http://schemas.openxmlformats.org/drawingml/2006/main" xmlns:r="http://schemas.openxmlformats.org/officeDocument/2006/relationships" xmlns:p="http://schemas.openxmlformats.org/presentationml/2006/main">
   <p:cSld>
     <p:spTree>
       <p:nvGrpSpPr>
@@ -3863,7 +6826,7 @@
           <p:cNvPr id="2" name="Titel 1">
             <a:extLst>
               <a:ext uri="{FF2B5EF4-FFF2-40B4-BE49-F238E27FC236}">
-                <a16:creationId xmlns:a16="http://schemas.microsoft.com/office/drawing/2014/main" id="{2D8D8724-C9E8-E33D-1B74-F3F71B7CA12E}"/>
+                <a16:creationId xmlns:a16="http://schemas.microsoft.com/office/drawing/2014/main" id="{976695B0-7F38-8B2D-75E5-389C14DE06F8}"/>
               </a:ext>
             </a:extLst>
           </p:cNvPr>
@@ -3881,7 +6844,7 @@
           <a:p>
             <a:r>
               <a:rPr lang="nl-NL" dirty="0"/>
-              <a:t>Hoe is het projectbeheer opgezet?</a:t>
+              <a:t>Welke afspraken zijn gemaakt?</a:t>
             </a:r>
           </a:p>
         </p:txBody>
@@ -3891,7 +6854,7 @@
           <p:cNvPr id="3" name="Tijdelijke aanduiding voor inhoud 2">
             <a:extLst>
               <a:ext uri="{FF2B5EF4-FFF2-40B4-BE49-F238E27FC236}">
-                <a16:creationId xmlns:a16="http://schemas.microsoft.com/office/drawing/2014/main" id="{C2518E9C-271C-C97E-4028-092A19DF6022}"/>
+                <a16:creationId xmlns:a16="http://schemas.microsoft.com/office/drawing/2014/main" id="{D073DE3F-4C73-C8AF-C3D4-4A92ABCAA7B5}"/>
               </a:ext>
             </a:extLst>
           </p:cNvPr>
@@ -3908,20 +6871,20 @@
           <a:lstStyle/>
           <a:p>
             <a:r>
-              <a:rPr lang="nl-NL" dirty="0" err="1"/>
-              <a:t>Github</a:t>
-            </a:r>
-            <a:r>
               <a:rPr lang="nl-NL" dirty="0"/>
-              <a:t> &amp; </a:t>
-            </a:r>
-            <a:r>
-              <a:rPr lang="nl-NL" dirty="0" err="1"/>
-              <a:t>Markdown</a:t>
-            </a:r>
+              <a:t>1x per 2 weken een mailtje sturen met de voortgang naar de PO.</a:t>
+            </a:r>
+          </a:p>
+          <a:p>
             <a:r>
               <a:rPr lang="nl-NL" dirty="0"/>
-              <a:t> </a:t>
+              <a:t>Als er vragen zijn, mailtje sturen naar de PO.</a:t>
+            </a:r>
+          </a:p>
+          <a:p>
+            <a:r>
+              <a:rPr lang="nl-NL" dirty="0"/>
+              <a:t>Tweede PO Martijn.</a:t>
             </a:r>
           </a:p>
         </p:txBody>
@@ -3929,7 +6892,7 @@
     </p:spTree>
     <p:extLst>
       <p:ext uri="{BB962C8B-B14F-4D97-AF65-F5344CB8AC3E}">
-        <p14:creationId xmlns:p14="http://schemas.microsoft.com/office/powerpoint/2010/main" val="2709592542"/>
+        <p14:creationId xmlns:p14="http://schemas.microsoft.com/office/powerpoint/2010/main" val="310988572"/>
       </p:ext>
     </p:extLst>
   </p:cSld>
@@ -3940,7 +6903,7 @@
 </file>
 
 <file path=ppt/slides/slide7.xml><?xml version="1.0" encoding="utf-8"?>
-<p:sld xmlns:a="http://schemas.openxmlformats.org/drawingml/2006/main" xmlns:r="http://schemas.openxmlformats.org/officeDocument/2006/relationships" xmlns:p="http://schemas.openxmlformats.org/presentationml/2006/main" show="0">
+<p:sld xmlns:a="http://schemas.openxmlformats.org/drawingml/2006/main" xmlns:r="http://schemas.openxmlformats.org/officeDocument/2006/relationships" xmlns:p="http://schemas.openxmlformats.org/presentationml/2006/main">
   <p:cSld>
     <p:spTree>
       <p:nvGrpSpPr>
@@ -3961,7 +6924,7 @@
           <p:cNvPr id="2" name="Titel 1">
             <a:extLst>
               <a:ext uri="{FF2B5EF4-FFF2-40B4-BE49-F238E27FC236}">
-                <a16:creationId xmlns:a16="http://schemas.microsoft.com/office/drawing/2014/main" id="{2554D6F6-A1D4-1629-2602-CF0E65AB0E12}"/>
+                <a16:creationId xmlns:a16="http://schemas.microsoft.com/office/drawing/2014/main" id="{2D8D8724-C9E8-E33D-1B74-F3F71B7CA12E}"/>
               </a:ext>
             </a:extLst>
           </p:cNvPr>
@@ -3979,7 +6942,7 @@
           <a:p>
             <a:r>
               <a:rPr lang="nl-NL" dirty="0"/>
-              <a:t>Wat is voorbereid voor Sprint 1?</a:t>
+              <a:t>Hoe is het projectbeheer opgezet?</a:t>
             </a:r>
           </a:p>
         </p:txBody>
@@ -3989,7 +6952,7 @@
           <p:cNvPr id="3" name="Tijdelijke aanduiding voor inhoud 2">
             <a:extLst>
               <a:ext uri="{FF2B5EF4-FFF2-40B4-BE49-F238E27FC236}">
-                <a16:creationId xmlns:a16="http://schemas.microsoft.com/office/drawing/2014/main" id="{B1C06781-4420-C02D-CF8B-7BDD20D3C0BD}"/>
+                <a16:creationId xmlns:a16="http://schemas.microsoft.com/office/drawing/2014/main" id="{C2518E9C-271C-C97E-4028-092A19DF6022}"/>
               </a:ext>
             </a:extLst>
           </p:cNvPr>
@@ -4006,8 +6969,22 @@
           <a:lstStyle/>
           <a:p>
             <a:r>
+              <a:rPr lang="nl-NL" dirty="0" err="1"/>
+              <a:t>Github</a:t>
+            </a:r>
+            <a:r>
               <a:rPr lang="nl-NL" dirty="0"/>
-              <a:t>… niks</a:t>
+              <a:t> </a:t>
+            </a:r>
+          </a:p>
+          <a:p>
+            <a:r>
+              <a:rPr lang="nl-NL" dirty="0" err="1"/>
+              <a:t>Markdown</a:t>
+            </a:r>
+            <a:r>
+              <a:rPr lang="nl-NL" dirty="0"/>
+              <a:t> </a:t>
             </a:r>
           </a:p>
         </p:txBody>
@@ -4015,7 +6992,112 @@
     </p:spTree>
     <p:extLst>
       <p:ext uri="{BB962C8B-B14F-4D97-AF65-F5344CB8AC3E}">
-        <p14:creationId xmlns:p14="http://schemas.microsoft.com/office/powerpoint/2010/main" val="2599927390"/>
+        <p14:creationId xmlns:p14="http://schemas.microsoft.com/office/powerpoint/2010/main" val="2709592542"/>
+      </p:ext>
+    </p:extLst>
+  </p:cSld>
+  <p:clrMapOvr>
+    <a:masterClrMapping/>
+  </p:clrMapOvr>
+</p:sld>
+</file>
+
+<file path=ppt/slides/slide8.xml><?xml version="1.0" encoding="utf-8"?>
+<p:sld xmlns:a="http://schemas.openxmlformats.org/drawingml/2006/main" xmlns:r="http://schemas.openxmlformats.org/officeDocument/2006/relationships" xmlns:p="http://schemas.openxmlformats.org/presentationml/2006/main">
+  <p:cSld>
+    <p:spTree>
+      <p:nvGrpSpPr>
+        <p:cNvPr id="1" name=""/>
+        <p:cNvGrpSpPr/>
+        <p:nvPr/>
+      </p:nvGrpSpPr>
+      <p:grpSpPr>
+        <a:xfrm>
+          <a:off x="0" y="0"/>
+          <a:ext cx="0" cy="0"/>
+          <a:chOff x="0" y="0"/>
+          <a:chExt cx="0" cy="0"/>
+        </a:xfrm>
+      </p:grpSpPr>
+      <p:sp>
+        <p:nvSpPr>
+          <p:cNvPr id="2" name="Titel 1">
+            <a:extLst>
+              <a:ext uri="{FF2B5EF4-FFF2-40B4-BE49-F238E27FC236}">
+                <a16:creationId xmlns:a16="http://schemas.microsoft.com/office/drawing/2014/main" id="{F00EEEC8-74D4-A7B3-136A-FCC10CE8A650}"/>
+              </a:ext>
+            </a:extLst>
+          </p:cNvPr>
+          <p:cNvSpPr>
+            <a:spLocks noGrp="1"/>
+          </p:cNvSpPr>
+          <p:nvPr>
+            <p:ph type="title"/>
+          </p:nvPr>
+        </p:nvSpPr>
+        <p:spPr/>
+        <p:txBody>
+          <a:bodyPr/>
+          <a:lstStyle/>
+          <a:p>
+            <a:r>
+              <a:rPr lang="nl-NL" dirty="0"/>
+              <a:t>Wat is er voorbereid voor Sprint 1?</a:t>
+            </a:r>
+          </a:p>
+        </p:txBody>
+      </p:sp>
+      <p:sp>
+        <p:nvSpPr>
+          <p:cNvPr id="3" name="Tijdelijke aanduiding voor inhoud 2">
+            <a:extLst>
+              <a:ext uri="{FF2B5EF4-FFF2-40B4-BE49-F238E27FC236}">
+                <a16:creationId xmlns:a16="http://schemas.microsoft.com/office/drawing/2014/main" id="{9B78834E-5B12-0FE5-0D7F-9A36CFF26F26}"/>
+              </a:ext>
+            </a:extLst>
+          </p:cNvPr>
+          <p:cNvSpPr>
+            <a:spLocks noGrp="1"/>
+          </p:cNvSpPr>
+          <p:nvPr>
+            <p:ph idx="1"/>
+          </p:nvPr>
+        </p:nvSpPr>
+        <p:spPr/>
+        <p:txBody>
+          <a:bodyPr/>
+          <a:lstStyle/>
+          <a:p>
+            <a:r>
+              <a:rPr lang="nl-NL" dirty="0"/>
+              <a:t>Onderzoek van componenten.</a:t>
+            </a:r>
+          </a:p>
+          <a:p>
+            <a:r>
+              <a:rPr lang="nl-NL" dirty="0"/>
+              <a:t>Product </a:t>
+            </a:r>
+            <a:r>
+              <a:rPr lang="nl-NL" dirty="0" err="1"/>
+              <a:t>backlog</a:t>
+            </a:r>
+            <a:r>
+              <a:rPr lang="nl-NL" dirty="0"/>
+              <a:t> en user </a:t>
+            </a:r>
+            <a:r>
+              <a:rPr lang="nl-NL" dirty="0" err="1"/>
+              <a:t>stories</a:t>
+            </a:r>
+            <a:endParaRPr lang="nl-NL" dirty="0"/>
+          </a:p>
+        </p:txBody>
+      </p:sp>
+    </p:spTree>
+    <p:extLst>
+      <p:ext uri="{BB962C8B-B14F-4D97-AF65-F5344CB8AC3E}">
+        <p14:creationId xmlns:p14="http://schemas.microsoft.com/office/powerpoint/2010/main" val="3818880314"/>
       </p:ext>
     </p:extLst>
   </p:cSld>
@@ -4026,9 +7108,9 @@
 </file>
 
 <file path=ppt/theme/theme1.xml><?xml version="1.0" encoding="utf-8"?>
-<a:theme xmlns:a="http://schemas.openxmlformats.org/drawingml/2006/main" name="Kantoorthema">
+<a:theme xmlns:a="http://schemas.openxmlformats.org/drawingml/2006/main" name="Condensspoor">
   <a:themeElements>
-    <a:clrScheme name="Office">
+    <a:clrScheme name="Condensspoor">
       <a:dk1>
         <a:sysClr val="windowText" lastClr="000000"/>
       </a:dk1>
@@ -4036,44 +7118,44 @@
         <a:sysClr val="window" lastClr="FFFFFF"/>
       </a:lt1>
       <a:dk2>
-        <a:srgbClr val="0E2841"/>
+        <a:srgbClr val="454545"/>
       </a:dk2>
       <a:lt2>
-        <a:srgbClr val="E8E8E8"/>
+        <a:srgbClr val="DADADA"/>
       </a:lt2>
       <a:accent1>
-        <a:srgbClr val="156082"/>
+        <a:srgbClr val="DF2E28"/>
       </a:accent1>
       <a:accent2>
-        <a:srgbClr val="E97132"/>
+        <a:srgbClr val="FE801A"/>
       </a:accent2>
       <a:accent3>
-        <a:srgbClr val="196B24"/>
+        <a:srgbClr val="E9BF35"/>
       </a:accent3>
       <a:accent4>
-        <a:srgbClr val="0F9ED5"/>
+        <a:srgbClr val="81BB42"/>
       </a:accent4>
       <a:accent5>
-        <a:srgbClr val="A02B93"/>
+        <a:srgbClr val="32C7A9"/>
       </a:accent5>
       <a:accent6>
-        <a:srgbClr val="4EA72E"/>
+        <a:srgbClr val="4A9BDC"/>
       </a:accent6>
       <a:hlink>
-        <a:srgbClr val="467886"/>
+        <a:srgbClr val="F0532B"/>
       </a:hlink>
       <a:folHlink>
-        <a:srgbClr val="96607D"/>
+        <a:srgbClr val="F38B53"/>
       </a:folHlink>
     </a:clrScheme>
-    <a:fontScheme name="Office">
+    <a:fontScheme name="Condensspoor">
       <a:majorFont>
-        <a:latin typeface="Aptos Display" panose="02110004020202020204"/>
+        <a:latin typeface="Century Gothic" panose="020B0502020202020204"/>
         <a:ea typeface=""/>
         <a:cs typeface=""/>
-        <a:font script="Jpan" typeface="游ゴシック Light"/>
+        <a:font script="Jpan" typeface="ＭＳ Ｐゴシック"/>
         <a:font script="Hang" typeface="맑은 고딕"/>
-        <a:font script="Hans" typeface="等线 Light"/>
+        <a:font script="Hans" typeface="宋体"/>
         <a:font script="Hant" typeface="新細明體"/>
         <a:font script="Arab" typeface="Times New Roman"/>
         <a:font script="Hebr" typeface="Times New Roman"/>
@@ -4101,31 +7183,14 @@
         <a:font script="Viet" typeface="Times New Roman"/>
         <a:font script="Uigh" typeface="Microsoft Uighur"/>
         <a:font script="Geor" typeface="Sylfaen"/>
-        <a:font script="Armn" typeface="Arial"/>
-        <a:font script="Bugi" typeface="Leelawadee UI"/>
-        <a:font script="Bopo" typeface="Microsoft JhengHei"/>
-        <a:font script="Java" typeface="Javanese Text"/>
-        <a:font script="Lisu" typeface="Segoe UI"/>
-        <a:font script="Mymr" typeface="Myanmar Text"/>
-        <a:font script="Nkoo" typeface="Ebrima"/>
-        <a:font script="Olck" typeface="Nirmala UI"/>
-        <a:font script="Osma" typeface="Ebrima"/>
-        <a:font script="Phag" typeface="Phagspa"/>
-        <a:font script="Syrn" typeface="Estrangelo Edessa"/>
-        <a:font script="Syrj" typeface="Estrangelo Edessa"/>
-        <a:font script="Syre" typeface="Estrangelo Edessa"/>
-        <a:font script="Sora" typeface="Nirmala UI"/>
-        <a:font script="Tale" typeface="Microsoft Tai Le"/>
-        <a:font script="Talu" typeface="Microsoft New Tai Lue"/>
-        <a:font script="Tfng" typeface="Ebrima"/>
       </a:majorFont>
       <a:minorFont>
-        <a:latin typeface="Aptos" panose="02110004020202020204"/>
+        <a:latin typeface="Century Gothic" panose="020B0502020202020204"/>
         <a:ea typeface=""/>
         <a:cs typeface=""/>
-        <a:font script="Jpan" typeface="游ゴシック"/>
+        <a:font script="Jpan" typeface="ＭＳ Ｐゴシック"/>
         <a:font script="Hang" typeface="맑은 고딕"/>
-        <a:font script="Hans" typeface="等线"/>
+        <a:font script="Hans" typeface="宋体"/>
         <a:font script="Hant" typeface="新細明體"/>
         <a:font script="Arab" typeface="Arial"/>
         <a:font script="Hebr" typeface="Arial"/>
@@ -4153,26 +7218,9 @@
         <a:font script="Viet" typeface="Arial"/>
         <a:font script="Uigh" typeface="Microsoft Uighur"/>
         <a:font script="Geor" typeface="Sylfaen"/>
-        <a:font script="Armn" typeface="Arial"/>
-        <a:font script="Bugi" typeface="Leelawadee UI"/>
-        <a:font script="Bopo" typeface="Microsoft JhengHei"/>
-        <a:font script="Java" typeface="Javanese Text"/>
-        <a:font script="Lisu" typeface="Segoe UI"/>
-        <a:font script="Mymr" typeface="Myanmar Text"/>
-        <a:font script="Nkoo" typeface="Ebrima"/>
-        <a:font script="Olck" typeface="Nirmala UI"/>
-        <a:font script="Osma" typeface="Ebrima"/>
-        <a:font script="Phag" typeface="Phagspa"/>
-        <a:font script="Syrn" typeface="Estrangelo Edessa"/>
-        <a:font script="Syrj" typeface="Estrangelo Edessa"/>
-        <a:font script="Syre" typeface="Estrangelo Edessa"/>
-        <a:font script="Sora" typeface="Nirmala UI"/>
-        <a:font script="Tale" typeface="Microsoft Tai Le"/>
-        <a:font script="Talu" typeface="Microsoft New Tai Lue"/>
-        <a:font script="Tfng" typeface="Ebrima"/>
       </a:minorFont>
     </a:fontScheme>
-    <a:fmtScheme name="Office">
+    <a:fmtScheme name="Condensspoor">
       <a:fillStyleLst>
         <a:solidFill>
           <a:schemeClr val="phClr"/>
@@ -4181,23 +7229,24 @@
           <a:gsLst>
             <a:gs pos="0">
               <a:schemeClr val="phClr">
+                <a:tint val="69000"/>
+                <a:alpha val="100000"/>
+                <a:satMod val="109000"/>
                 <a:lumMod val="110000"/>
-                <a:satMod val="105000"/>
-                <a:tint val="67000"/>
               </a:schemeClr>
             </a:gs>
-            <a:gs pos="50000">
+            <a:gs pos="52000">
               <a:schemeClr val="phClr">
-                <a:lumMod val="105000"/>
-                <a:satMod val="103000"/>
-                <a:tint val="73000"/>
+                <a:tint val="74000"/>
+                <a:satMod val="100000"/>
+                <a:lumMod val="104000"/>
               </a:schemeClr>
             </a:gs>
             <a:gs pos="100000">
               <a:schemeClr val="phClr">
-                <a:lumMod val="105000"/>
-                <a:satMod val="109000"/>
-                <a:tint val="81000"/>
+                <a:tint val="78000"/>
+                <a:satMod val="100000"/>
+                <a:lumMod val="100000"/>
               </a:schemeClr>
             </a:gs>
           </a:gsLst>
@@ -4207,23 +7256,16 @@
           <a:gsLst>
             <a:gs pos="0">
               <a:schemeClr val="phClr">
-                <a:satMod val="103000"/>
-                <a:lumMod val="102000"/>
-                <a:tint val="94000"/>
+                <a:tint val="96000"/>
+                <a:satMod val="100000"/>
+                <a:lumMod val="104000"/>
               </a:schemeClr>
             </a:gs>
-            <a:gs pos="50000">
+            <a:gs pos="78000">
               <a:schemeClr val="phClr">
+                <a:shade val="100000"/>
                 <a:satMod val="110000"/>
                 <a:lumMod val="100000"/>
-                <a:shade val="100000"/>
-              </a:schemeClr>
-            </a:gs>
-            <a:gs pos="100000">
-              <a:schemeClr val="phClr">
-                <a:lumMod val="99000"/>
-                <a:satMod val="120000"/>
-                <a:shade val="78000"/>
               </a:schemeClr>
             </a:gs>
           </a:gsLst>
@@ -4231,26 +7273,23 @@
         </a:gradFill>
       </a:fillStyleLst>
       <a:lnStyleLst>
+        <a:ln w="9525" cap="flat" cmpd="sng" algn="ctr">
+          <a:solidFill>
+            <a:schemeClr val="phClr"/>
+          </a:solidFill>
+          <a:prstDash val="solid"/>
+        </a:ln>
         <a:ln w="12700" cap="flat" cmpd="sng" algn="ctr">
           <a:solidFill>
             <a:schemeClr val="phClr"/>
           </a:solidFill>
           <a:prstDash val="solid"/>
-          <a:miter lim="800000"/>
         </a:ln>
         <a:ln w="19050" cap="flat" cmpd="sng" algn="ctr">
           <a:solidFill>
             <a:schemeClr val="phClr"/>
           </a:solidFill>
           <a:prstDash val="solid"/>
-          <a:miter lim="800000"/>
-        </a:ln>
-        <a:ln w="25400" cap="flat" cmpd="sng" algn="ctr">
-          <a:solidFill>
-            <a:schemeClr val="phClr"/>
-          </a:solidFill>
-          <a:prstDash val="solid"/>
-          <a:miter lim="800000"/>
         </a:ln>
       </a:lnStyleLst>
       <a:effectStyleLst>
@@ -4259,15 +7298,33 @@
         </a:effectStyle>
         <a:effectStyle>
           <a:effectLst/>
+          <a:scene3d>
+            <a:camera prst="orthographicFront">
+              <a:rot lat="0" lon="0" rev="0"/>
+            </a:camera>
+            <a:lightRig rig="threePt" dir="t"/>
+          </a:scene3d>
+          <a:sp3d>
+            <a:bevelT w="25400" h="12700"/>
+          </a:sp3d>
         </a:effectStyle>
         <a:effectStyle>
           <a:effectLst>
             <a:outerShdw blurRad="57150" dist="19050" dir="5400000" algn="ctr" rotWithShape="0">
               <a:srgbClr val="000000">
-                <a:alpha val="63000"/>
+                <a:alpha val="48000"/>
               </a:srgbClr>
             </a:outerShdw>
           </a:effectLst>
+          <a:scene3d>
+            <a:camera prst="orthographicFront">
+              <a:rot lat="0" lon="0" rev="0"/>
+            </a:camera>
+            <a:lightRig rig="threePt" dir="t"/>
+          </a:scene3d>
+          <a:sp3d>
+            <a:bevelT w="50800" h="25400"/>
+          </a:sp3d>
         </a:effectStyle>
       </a:effectStyleLst>
       <a:bgFillStyleLst>
@@ -4285,16 +7342,16 @@
             <a:gs pos="0">
               <a:schemeClr val="phClr">
                 <a:tint val="93000"/>
+                <a:shade val="98000"/>
                 <a:satMod val="150000"/>
-                <a:shade val="98000"/>
                 <a:lumMod val="102000"/>
               </a:schemeClr>
             </a:gs>
             <a:gs pos="50000">
               <a:schemeClr val="phClr">
                 <a:tint val="98000"/>
+                <a:shade val="90000"/>
                 <a:satMod val="130000"/>
-                <a:shade val="90000"/>
                 <a:lumMod val="103000"/>
               </a:schemeClr>
             </a:gs>
@@ -4310,31 +7367,11 @@
       </a:bgFillStyleLst>
     </a:fmtScheme>
   </a:themeElements>
-  <a:objectDefaults>
-    <a:lnDef>
-      <a:spPr/>
-      <a:bodyPr/>
-      <a:lstStyle/>
-      <a:style>
-        <a:lnRef idx="2">
-          <a:schemeClr val="accent1"/>
-        </a:lnRef>
-        <a:fillRef idx="0">
-          <a:schemeClr val="accent1"/>
-        </a:fillRef>
-        <a:effectRef idx="1">
-          <a:schemeClr val="accent1"/>
-        </a:effectRef>
-        <a:fontRef idx="minor">
-          <a:schemeClr val="tx1"/>
-        </a:fontRef>
-      </a:style>
-    </a:lnDef>
-  </a:objectDefaults>
+  <a:objectDefaults/>
   <a:extraClrSchemeLst/>
   <a:extLst>
     <a:ext uri="{05A4C25C-085E-4340-85A3-A5531E510DB2}">
-      <thm15:themeFamily xmlns:thm15="http://schemas.microsoft.com/office/thememl/2012/main" name="Office Theme" id="{2E142A2C-CD16-42D6-873A-C26D2A0506FA}" vid="{1BDDFF52-6CD6-40A5-AB3C-68EB2F1E4D0A}"/>
+      <thm15:themeFamily xmlns:thm15="http://schemas.microsoft.com/office/thememl/2012/main" name="Vapor Trail" id="{4FDF2955-7D9C-493C-B9F9-C205151B46CD}" vid="{8F31A783-2159-4870-BC29-2BA7D038EA44}"/>
     </a:ext>
   </a:extLst>
 </a:theme>

--- a/Opleverset_Project_5-6/Manage_&_Control/Project 5-6 Sprint 0.pptx
+++ b/Opleverset_Project_5-6/Manage_&_Control/Project 5-6 Sprint 0.pptx
@@ -132,7 +132,7 @@
   <pc:docChgLst>
     <pc:chgData name="Tom Heijmans" userId="518c28196cba6f70" providerId="LiveId" clId="{4461DAC5-A6A6-4C5D-AE61-0F63F293477F}"/>
     <pc:docChg chg="undo custSel addSld delSld modSld sldOrd">
-      <pc:chgData name="Tom Heijmans" userId="518c28196cba6f70" providerId="LiveId" clId="{4461DAC5-A6A6-4C5D-AE61-0F63F293477F}" dt="2025-09-16T11:54:12.596" v="1434" actId="20577"/>
+      <pc:chgData name="Tom Heijmans" userId="518c28196cba6f70" providerId="LiveId" clId="{4461DAC5-A6A6-4C5D-AE61-0F63F293477F}" dt="2025-09-16T12:10:54.455" v="1475" actId="20577"/>
       <pc:docMkLst>
         <pc:docMk/>
       </pc:docMkLst>
@@ -345,13 +345,13 @@
         </pc:spChg>
       </pc:sldChg>
       <pc:sldChg chg="modSp new mod">
-        <pc:chgData name="Tom Heijmans" userId="518c28196cba6f70" providerId="LiveId" clId="{4461DAC5-A6A6-4C5D-AE61-0F63F293477F}" dt="2025-09-16T11:45:25.950" v="1140"/>
+        <pc:chgData name="Tom Heijmans" userId="518c28196cba6f70" providerId="LiveId" clId="{4461DAC5-A6A6-4C5D-AE61-0F63F293477F}" dt="2025-09-16T12:10:54.455" v="1475" actId="20577"/>
         <pc:sldMkLst>
           <pc:docMk/>
           <pc:sldMk cId="3818880314" sldId="264"/>
         </pc:sldMkLst>
         <pc:spChg chg="mod">
-          <ac:chgData name="Tom Heijmans" userId="518c28196cba6f70" providerId="LiveId" clId="{4461DAC5-A6A6-4C5D-AE61-0F63F293477F}" dt="2025-09-16T11:45:25.950" v="1140"/>
+          <ac:chgData name="Tom Heijmans" userId="518c28196cba6f70" providerId="LiveId" clId="{4461DAC5-A6A6-4C5D-AE61-0F63F293477F}" dt="2025-09-16T12:10:45.340" v="1457" actId="20577"/>
           <ac:spMkLst>
             <pc:docMk/>
             <pc:sldMk cId="3818880314" sldId="264"/>
@@ -359,7 +359,7 @@
           </ac:spMkLst>
         </pc:spChg>
         <pc:spChg chg="mod">
-          <ac:chgData name="Tom Heijmans" userId="518c28196cba6f70" providerId="LiveId" clId="{4461DAC5-A6A6-4C5D-AE61-0F63F293477F}" dt="2025-09-16T11:45:25.950" v="1140"/>
+          <ac:chgData name="Tom Heijmans" userId="518c28196cba6f70" providerId="LiveId" clId="{4461DAC5-A6A6-4C5D-AE61-0F63F293477F}" dt="2025-09-16T12:10:54.455" v="1475" actId="20577"/>
           <ac:spMkLst>
             <pc:docMk/>
             <pc:sldMk cId="3818880314" sldId="264"/>
@@ -7042,8 +7042,13 @@
           <a:p>
             <a:r>
               <a:rPr lang="nl-NL" dirty="0"/>
-              <a:t>Wat is er voorbereid voor Sprint 1?</a:t>
-            </a:r>
+              <a:t>Volgende </a:t>
+            </a:r>
+            <a:r>
+              <a:rPr lang="nl-NL" dirty="0" err="1"/>
+              <a:t>sPRINT</a:t>
+            </a:r>
+            <a:endParaRPr lang="nl-NL" dirty="0"/>
           </a:p>
         </p:txBody>
       </p:sp>
@@ -7083,13 +7088,11 @@
               <a:t>backlog</a:t>
             </a:r>
             <a:r>
-              <a:rPr lang="nl-NL" dirty="0"/>
-              <a:t> en user </a:t>
-            </a:r>
-            <a:r>
-              <a:rPr lang="nl-NL" dirty="0" err="1"/>
-              <a:t>stories</a:t>
-            </a:r>
+              <a:rPr lang="nl-NL"/>
+              <a:t>.</a:t>
+            </a:r>
+          </a:p>
+          <a:p>
             <a:endParaRPr lang="nl-NL" dirty="0"/>
           </a:p>
         </p:txBody>
